--- a/Presentation_material/figures/figures.pptx
+++ b/Presentation_material/figures/figures.pptx
@@ -5,18 +5,16 @@
     <p:sldMasterId id="2147483648" r:id="rId1"/>
   </p:sldMasterIdLst>
   <p:notesMasterIdLst>
-    <p:notesMasterId r:id="rId8"/>
+    <p:notesMasterId r:id="rId6"/>
   </p:notesMasterIdLst>
   <p:handoutMasterIdLst>
-    <p:handoutMasterId r:id="rId9"/>
+    <p:handoutMasterId r:id="rId7"/>
   </p:handoutMasterIdLst>
   <p:sldIdLst>
     <p:sldId id="263" r:id="rId2"/>
-    <p:sldId id="262" r:id="rId3"/>
-    <p:sldId id="260" r:id="rId4"/>
-    <p:sldId id="264" r:id="rId5"/>
-    <p:sldId id="267" r:id="rId6"/>
-    <p:sldId id="268" r:id="rId7"/>
+    <p:sldId id="264" r:id="rId3"/>
+    <p:sldId id="267" r:id="rId4"/>
+    <p:sldId id="268" r:id="rId5"/>
   </p:sldIdLst>
   <p:sldSz cx="35999738" cy="25201563"/>
   <p:notesSz cx="46342300" cy="46342300"/>
@@ -1255,7 +1253,7 @@
             <a:fld id="{E36643B1-9D94-4426-9F70-001B837290C8}" type="slidenum">
               <a:rPr lang="sv-SE" smtClean="0"/>
               <a:pPr/>
-              <a:t>4</a:t>
+              <a:t>2</a:t>
             </a:fld>
             <a:endParaRPr lang="sv-SE"/>
           </a:p>
@@ -6066,3273 +6064,13 @@
       </p:grpSpPr>
       <p:sp>
         <p:nvSpPr>
-          <p:cNvPr id="2" name="Title 1"/>
-          <p:cNvSpPr>
-            <a:spLocks noGrp="1"/>
-          </p:cNvSpPr>
-          <p:nvPr>
-            <p:ph type="title"/>
-          </p:nvPr>
-        </p:nvSpPr>
-        <p:spPr/>
-        <p:txBody>
-          <a:bodyPr/>
-          <a:lstStyle/>
-          <a:p>
-            <a:r>
-              <a:rPr lang="sv-SE" sz="14400" dirty="0" smtClean="0"/>
-              <a:t>Data</a:t>
-            </a:r>
-            <a:endParaRPr lang="en-GB" sz="14400" dirty="0"/>
-          </a:p>
-        </p:txBody>
-      </p:sp>
-      <p:sp>
-        <p:nvSpPr>
-          <p:cNvPr id="3" name="Content Placeholder 2"/>
-          <p:cNvSpPr>
-            <a:spLocks noGrp="1"/>
-          </p:cNvSpPr>
-          <p:nvPr>
-            <p:ph idx="1"/>
-          </p:nvPr>
-        </p:nvSpPr>
-        <p:spPr>
-          <a:xfrm>
-            <a:off x="7126661" y="4031829"/>
-            <a:ext cx="27779663" cy="17280260"/>
-          </a:xfrm>
-        </p:spPr>
-        <p:txBody>
-          <a:bodyPr/>
-          <a:lstStyle/>
-          <a:p>
-            <a:r>
-              <a:rPr lang="sv-SE" dirty="0" smtClean="0"/>
-              <a:t>10274 80x80 images (75% healthy)</a:t>
-            </a:r>
-          </a:p>
-          <a:p>
-            <a:r>
-              <a:rPr lang="sv-SE" dirty="0" smtClean="0"/>
-              <a:t>Cells sampled from patients mouth</a:t>
-            </a:r>
-          </a:p>
-          <a:p>
-            <a:r>
-              <a:rPr lang="sv-SE" dirty="0" smtClean="0"/>
-              <a:t>Three healthy patients, three with cancer</a:t>
-            </a:r>
-          </a:p>
-          <a:p>
-            <a:r>
-              <a:rPr lang="sv-SE" dirty="0" smtClean="0"/>
-              <a:t>Ground truth on patient level, not cell level</a:t>
-            </a:r>
-            <a:endParaRPr lang="en-GB" dirty="0"/>
-          </a:p>
-        </p:txBody>
-      </p:sp>
-      <p:pic>
-        <p:nvPicPr>
-          <p:cNvPr id="2051" name="Picture 3" descr="C:\Users\Bulb\Documents\Teknisk Fysik\15hp project\code\data\glass_3_im_85.jpg"/>
-          <p:cNvPicPr>
-            <a:picLocks noChangeAspect="1" noChangeArrowheads="1"/>
-          </p:cNvPicPr>
-          <p:nvPr/>
-        </p:nvPicPr>
-        <p:blipFill>
-          <a:blip r:embed="rId2">
-            <a:extLst>
-              <a:ext uri="{28A0092B-C50C-407E-A947-70E740481C1C}">
-                <a14:useLocalDpi xmlns:a14="http://schemas.microsoft.com/office/drawing/2010/main" val="0"/>
-              </a:ext>
-            </a:extLst>
-          </a:blip>
-          <a:srcRect/>
-          <a:stretch>
-            <a:fillRect/>
-          </a:stretch>
-        </p:blipFill>
-        <p:spPr bwMode="auto">
-          <a:xfrm>
-            <a:off x="8198002" y="17597955"/>
-            <a:ext cx="4873771" cy="4908037"/>
-          </a:xfrm>
-          <a:prstGeom prst="rect">
-            <a:avLst/>
-          </a:prstGeom>
-          <a:noFill/>
-          <a:extLst>
-            <a:ext uri="{909E8E84-426E-40DD-AFC4-6F175D3DCCD1}">
-              <a14:hiddenFill xmlns:a14="http://schemas.microsoft.com/office/drawing/2010/main">
-                <a:solidFill>
-                  <a:srgbClr val="FFFFFF"/>
-                </a:solidFill>
-              </a14:hiddenFill>
-            </a:ext>
-          </a:extLst>
-        </p:spPr>
-      </p:pic>
-      <p:pic>
-        <p:nvPicPr>
-          <p:cNvPr id="2052" name="Picture 4" descr="C:\Users\Bulb\Documents\Teknisk Fysik\15hp project\code\data\glass_3_im_200.jpg"/>
-          <p:cNvPicPr>
-            <a:picLocks noChangeAspect="1" noChangeArrowheads="1"/>
-          </p:cNvPicPr>
-          <p:nvPr/>
-        </p:nvPicPr>
-        <p:blipFill>
-          <a:blip r:embed="rId3">
-            <a:extLst>
-              <a:ext uri="{28A0092B-C50C-407E-A947-70E740481C1C}">
-                <a14:useLocalDpi xmlns:a14="http://schemas.microsoft.com/office/drawing/2010/main" val="0"/>
-              </a:ext>
-            </a:extLst>
-          </a:blip>
-          <a:srcRect/>
-          <a:stretch>
-            <a:fillRect/>
-          </a:stretch>
-        </p:blipFill>
-        <p:spPr bwMode="auto">
-          <a:xfrm>
-            <a:off x="13647838" y="17576342"/>
-            <a:ext cx="4873771" cy="4905322"/>
-          </a:xfrm>
-          <a:prstGeom prst="rect">
-            <a:avLst/>
-          </a:prstGeom>
-          <a:noFill/>
-          <a:extLst>
-            <a:ext uri="{909E8E84-426E-40DD-AFC4-6F175D3DCCD1}">
-              <a14:hiddenFill xmlns:a14="http://schemas.microsoft.com/office/drawing/2010/main">
-                <a:solidFill>
-                  <a:srgbClr val="FFFFFF"/>
-                </a:solidFill>
-              </a14:hiddenFill>
-            </a:ext>
-          </a:extLst>
-        </p:spPr>
-      </p:pic>
-      <p:pic>
-        <p:nvPicPr>
-          <p:cNvPr id="2053" name="Picture 5" descr="C:\Users\Bulb\Documents\Teknisk Fysik\15hp project\code\data\glass_3_im_1000.jpg"/>
-          <p:cNvPicPr>
-            <a:picLocks noChangeAspect="1" noChangeArrowheads="1"/>
-          </p:cNvPicPr>
-          <p:nvPr/>
-        </p:nvPicPr>
-        <p:blipFill>
-          <a:blip r:embed="rId4">
-            <a:extLst>
-              <a:ext uri="{28A0092B-C50C-407E-A947-70E740481C1C}">
-                <a14:useLocalDpi xmlns:a14="http://schemas.microsoft.com/office/drawing/2010/main" val="0"/>
-              </a:ext>
-            </a:extLst>
-          </a:blip>
-          <a:srcRect/>
-          <a:stretch>
-            <a:fillRect/>
-          </a:stretch>
-        </p:blipFill>
-        <p:spPr bwMode="auto">
-          <a:xfrm>
-            <a:off x="8141429" y="12083349"/>
-            <a:ext cx="4905322" cy="5021884"/>
-          </a:xfrm>
-          <a:prstGeom prst="rect">
-            <a:avLst/>
-          </a:prstGeom>
-          <a:noFill/>
-          <a:extLst>
-            <a:ext uri="{909E8E84-426E-40DD-AFC4-6F175D3DCCD1}">
-              <a14:hiddenFill xmlns:a14="http://schemas.microsoft.com/office/drawing/2010/main">
-                <a:solidFill>
-                  <a:srgbClr val="FFFFFF"/>
-                </a:solidFill>
-              </a14:hiddenFill>
-            </a:ext>
-          </a:extLst>
-        </p:spPr>
-      </p:pic>
-      <p:sp>
-        <p:nvSpPr>
-          <p:cNvPr id="4" name="TextBox 3"/>
-          <p:cNvSpPr txBox="1"/>
-          <p:nvPr/>
-        </p:nvSpPr>
-        <p:spPr>
-          <a:xfrm>
-            <a:off x="8141429" y="23256138"/>
-            <a:ext cx="10411732" cy="1169551"/>
-          </a:xfrm>
-          <a:prstGeom prst="rect">
-            <a:avLst/>
-          </a:prstGeom>
-          <a:noFill/>
-        </p:spPr>
-        <p:txBody>
-          <a:bodyPr wrap="square" rtlCol="0">
-            <a:spAutoFit/>
-          </a:bodyPr>
-          <a:lstStyle/>
-          <a:p>
-            <a:pPr algn="ctr"/>
-            <a:r>
-              <a:rPr lang="sv-SE" sz="7000" b="1" dirty="0" smtClean="0"/>
-              <a:t>Healthy Cells</a:t>
-            </a:r>
-            <a:endParaRPr lang="en-GB" sz="7000" b="1" dirty="0"/>
-          </a:p>
-        </p:txBody>
-      </p:sp>
-      <p:pic>
-        <p:nvPicPr>
-          <p:cNvPr id="2057" name="Picture 9" descr="C:\Users\Bulb\Documents\Teknisk Fysik\15hp project\code\data\glass_12_im_50.jpg"/>
-          <p:cNvPicPr>
-            <a:picLocks noChangeAspect="1" noChangeArrowheads="1"/>
-          </p:cNvPicPr>
-          <p:nvPr/>
-        </p:nvPicPr>
-        <p:blipFill>
-          <a:blip r:embed="rId5">
-            <a:extLst>
-              <a:ext uri="{28A0092B-C50C-407E-A947-70E740481C1C}">
-                <a14:useLocalDpi xmlns:a14="http://schemas.microsoft.com/office/drawing/2010/main" val="0"/>
-              </a:ext>
-            </a:extLst>
-          </a:blip>
-          <a:srcRect/>
-          <a:stretch>
-            <a:fillRect/>
-          </a:stretch>
-        </p:blipFill>
-        <p:spPr bwMode="auto">
-          <a:xfrm>
-            <a:off x="21886708" y="12083349"/>
-            <a:ext cx="4905322" cy="4997556"/>
-          </a:xfrm>
-          <a:prstGeom prst="rect">
-            <a:avLst/>
-          </a:prstGeom>
-          <a:noFill/>
-          <a:extLst>
-            <a:ext uri="{909E8E84-426E-40DD-AFC4-6F175D3DCCD1}">
-              <a14:hiddenFill xmlns:a14="http://schemas.microsoft.com/office/drawing/2010/main">
-                <a:solidFill>
-                  <a:srgbClr val="FFFFFF"/>
-                </a:solidFill>
-              </a14:hiddenFill>
-            </a:ext>
-          </a:extLst>
-        </p:spPr>
-      </p:pic>
-      <p:pic>
-        <p:nvPicPr>
-          <p:cNvPr id="2058" name="Picture 10" descr="C:\Users\Bulb\Documents\Teknisk Fysik\15hp project\code\data\glass_12_im_100.jpg"/>
-          <p:cNvPicPr>
-            <a:picLocks noChangeAspect="1" noChangeArrowheads="1"/>
-          </p:cNvPicPr>
-          <p:nvPr/>
-        </p:nvPicPr>
-        <p:blipFill>
-          <a:blip r:embed="rId6">
-            <a:extLst>
-              <a:ext uri="{28A0092B-C50C-407E-A947-70E740481C1C}">
-                <a14:useLocalDpi xmlns:a14="http://schemas.microsoft.com/office/drawing/2010/main" val="0"/>
-              </a:ext>
-            </a:extLst>
-          </a:blip>
-          <a:srcRect/>
-          <a:stretch>
-            <a:fillRect/>
-          </a:stretch>
-        </p:blipFill>
-        <p:spPr bwMode="auto">
-          <a:xfrm>
-            <a:off x="27257350" y="17488785"/>
-            <a:ext cx="4968552" cy="4968552"/>
-          </a:xfrm>
-          <a:prstGeom prst="rect">
-            <a:avLst/>
-          </a:prstGeom>
-          <a:noFill/>
-          <a:extLst>
-            <a:ext uri="{909E8E84-426E-40DD-AFC4-6F175D3DCCD1}">
-              <a14:hiddenFill xmlns:a14="http://schemas.microsoft.com/office/drawing/2010/main">
-                <a:solidFill>
-                  <a:srgbClr val="FFFFFF"/>
-                </a:solidFill>
-              </a14:hiddenFill>
-            </a:ext>
-          </a:extLst>
-        </p:spPr>
-      </p:pic>
-      <p:pic>
-        <p:nvPicPr>
-          <p:cNvPr id="2059" name="Picture 11" descr="C:\Users\Bulb\Documents\Teknisk Fysik\15hp project\code\data\glass_12_im_200.jpg"/>
-          <p:cNvPicPr>
-            <a:picLocks noChangeAspect="1" noChangeArrowheads="1"/>
-          </p:cNvPicPr>
-          <p:nvPr/>
-        </p:nvPicPr>
-        <p:blipFill>
-          <a:blip r:embed="rId7">
-            <a:extLst>
-              <a:ext uri="{28A0092B-C50C-407E-A947-70E740481C1C}">
-                <a14:useLocalDpi xmlns:a14="http://schemas.microsoft.com/office/drawing/2010/main" val="0"/>
-              </a:ext>
-            </a:extLst>
-          </a:blip>
-          <a:srcRect/>
-          <a:stretch>
-            <a:fillRect/>
-          </a:stretch>
-        </p:blipFill>
-        <p:spPr bwMode="auto">
-          <a:xfrm>
-            <a:off x="21886708" y="17530401"/>
-            <a:ext cx="4896544" cy="4896544"/>
-          </a:xfrm>
-          <a:prstGeom prst="rect">
-            <a:avLst/>
-          </a:prstGeom>
-          <a:noFill/>
-          <a:extLst>
-            <a:ext uri="{909E8E84-426E-40DD-AFC4-6F175D3DCCD1}">
-              <a14:hiddenFill xmlns:a14="http://schemas.microsoft.com/office/drawing/2010/main">
-                <a:solidFill>
-                  <a:srgbClr val="FFFFFF"/>
-                </a:solidFill>
-              </a14:hiddenFill>
-            </a:ext>
-          </a:extLst>
-        </p:spPr>
-      </p:pic>
-      <p:pic>
-        <p:nvPicPr>
-          <p:cNvPr id="2061" name="Picture 13" descr="C:\Users\Bulb\Documents\Teknisk Fysik\15hp project\code\data\glass_4_im_1.jpg"/>
-          <p:cNvPicPr>
-            <a:picLocks noChangeAspect="1" noChangeArrowheads="1"/>
-          </p:cNvPicPr>
-          <p:nvPr/>
-        </p:nvPicPr>
-        <p:blipFill>
-          <a:blip r:embed="rId8">
-            <a:extLst>
-              <a:ext uri="{28A0092B-C50C-407E-A947-70E740481C1C}">
-                <a14:useLocalDpi xmlns:a14="http://schemas.microsoft.com/office/drawing/2010/main" val="0"/>
-              </a:ext>
-            </a:extLst>
-          </a:blip>
-          <a:srcRect/>
-          <a:stretch>
-            <a:fillRect/>
-          </a:stretch>
-        </p:blipFill>
-        <p:spPr bwMode="auto">
-          <a:xfrm>
-            <a:off x="13647838" y="12083349"/>
-            <a:ext cx="4905322" cy="5021885"/>
-          </a:xfrm>
-          <a:prstGeom prst="rect">
-            <a:avLst/>
-          </a:prstGeom>
-          <a:noFill/>
-          <a:extLst>
-            <a:ext uri="{909E8E84-426E-40DD-AFC4-6F175D3DCCD1}">
-              <a14:hiddenFill xmlns:a14="http://schemas.microsoft.com/office/drawing/2010/main">
-                <a:solidFill>
-                  <a:srgbClr val="FFFFFF"/>
-                </a:solidFill>
-              </a14:hiddenFill>
-            </a:ext>
-          </a:extLst>
-        </p:spPr>
-      </p:pic>
-      <p:sp>
-        <p:nvSpPr>
-          <p:cNvPr id="18" name="TextBox 17"/>
-          <p:cNvSpPr txBox="1"/>
-          <p:nvPr/>
-        </p:nvSpPr>
-        <p:spPr>
-          <a:xfrm>
-            <a:off x="21886708" y="23231810"/>
-            <a:ext cx="9979154" cy="1169551"/>
-          </a:xfrm>
-          <a:prstGeom prst="rect">
-            <a:avLst/>
-          </a:prstGeom>
-          <a:noFill/>
-        </p:spPr>
-        <p:txBody>
-          <a:bodyPr wrap="square" rtlCol="0">
-            <a:spAutoFit/>
-          </a:bodyPr>
-          <a:lstStyle/>
-          <a:p>
-            <a:pPr algn="ctr"/>
-            <a:r>
-              <a:rPr lang="sv-SE" sz="7000" b="1" dirty="0" smtClean="0"/>
-              <a:t>Cancer Cells</a:t>
-            </a:r>
-            <a:endParaRPr lang="en-GB" sz="7000" b="1" dirty="0"/>
-          </a:p>
-        </p:txBody>
-      </p:sp>
-      <p:pic>
-        <p:nvPicPr>
-          <p:cNvPr id="2063" name="Picture 15" descr="C:\Users\Bulb\Documents\Teknisk Fysik\15hp project\code\data\glass_37_im_1.jpg"/>
-          <p:cNvPicPr>
-            <a:picLocks noChangeAspect="1" noChangeArrowheads="1"/>
-          </p:cNvPicPr>
-          <p:nvPr/>
-        </p:nvPicPr>
-        <p:blipFill>
-          <a:blip r:embed="rId9">
-            <a:extLst>
-              <a:ext uri="{28A0092B-C50C-407E-A947-70E740481C1C}">
-                <a14:useLocalDpi xmlns:a14="http://schemas.microsoft.com/office/drawing/2010/main" val="0"/>
-              </a:ext>
-            </a:extLst>
-          </a:blip>
-          <a:srcRect/>
-          <a:stretch>
-            <a:fillRect/>
-          </a:stretch>
-        </p:blipFill>
-        <p:spPr bwMode="auto">
-          <a:xfrm>
-            <a:off x="27228344" y="12083349"/>
-            <a:ext cx="4997557" cy="4997557"/>
-          </a:xfrm>
-          <a:prstGeom prst="rect">
-            <a:avLst/>
-          </a:prstGeom>
-          <a:noFill/>
-          <a:extLst>
-            <a:ext uri="{909E8E84-426E-40DD-AFC4-6F175D3DCCD1}">
-              <a14:hiddenFill xmlns:a14="http://schemas.microsoft.com/office/drawing/2010/main">
-                <a:solidFill>
-                  <a:srgbClr val="FFFFFF"/>
-                </a:solidFill>
-              </a14:hiddenFill>
-            </a:ext>
-          </a:extLst>
-        </p:spPr>
-      </p:pic>
-    </p:spTree>
-    <p:extLst>
-      <p:ext uri="{BB962C8B-B14F-4D97-AF65-F5344CB8AC3E}">
-        <p14:creationId xmlns:p14="http://schemas.microsoft.com/office/powerpoint/2010/main" val="4109800522"/>
-      </p:ext>
-    </p:extLst>
-  </p:cSld>
-  <p:clrMapOvr>
-    <a:masterClrMapping/>
-  </p:clrMapOvr>
-  <p:timing>
-    <p:tnLst>
-      <p:par>
-        <p:cTn id="1" dur="indefinite" restart="never" nodeType="tmRoot">
-          <p:childTnLst>
-            <p:seq concurrent="1" nextAc="seek">
-              <p:cTn id="2" dur="indefinite" nodeType="mainSeq">
-                <p:childTnLst>
-                  <p:par>
-                    <p:cTn id="3" fill="hold">
-                      <p:stCondLst>
-                        <p:cond delay="indefinite"/>
-                      </p:stCondLst>
-                      <p:childTnLst>
-                        <p:par>
-                          <p:cTn id="4" fill="hold">
-                            <p:stCondLst>
-                              <p:cond delay="0"/>
-                            </p:stCondLst>
-                            <p:childTnLst>
-                              <p:par>
-                                <p:cTn id="5" presetID="10" presetClass="entr" presetSubtype="0" fill="hold" grpId="0" nodeType="clickEffect">
-                                  <p:stCondLst>
-                                    <p:cond delay="0"/>
-                                  </p:stCondLst>
-                                  <p:childTnLst>
-                                    <p:set>
-                                      <p:cBhvr>
-                                        <p:cTn id="6" dur="1" fill="hold">
-                                          <p:stCondLst>
-                                            <p:cond delay="0"/>
-                                          </p:stCondLst>
-                                        </p:cTn>
-                                        <p:tgtEl>
-                                          <p:spTgt spid="3">
-                                            <p:txEl>
-                                              <p:pRg st="0" end="0"/>
-                                            </p:txEl>
-                                          </p:spTgt>
-                                        </p:tgtEl>
-                                        <p:attrNameLst>
-                                          <p:attrName>style.visibility</p:attrName>
-                                        </p:attrNameLst>
-                                      </p:cBhvr>
-                                      <p:to>
-                                        <p:strVal val="visible"/>
-                                      </p:to>
-                                    </p:set>
-                                    <p:animEffect transition="in" filter="fade">
-                                      <p:cBhvr>
-                                        <p:cTn id="7" dur="500"/>
-                                        <p:tgtEl>
-                                          <p:spTgt spid="3">
-                                            <p:txEl>
-                                              <p:pRg st="0" end="0"/>
-                                            </p:txEl>
-                                          </p:spTgt>
-                                        </p:tgtEl>
-                                      </p:cBhvr>
-                                    </p:animEffect>
-                                  </p:childTnLst>
-                                </p:cTn>
-                              </p:par>
-                            </p:childTnLst>
-                          </p:cTn>
-                        </p:par>
-                      </p:childTnLst>
-                    </p:cTn>
-                  </p:par>
-                  <p:par>
-                    <p:cTn id="8" fill="hold">
-                      <p:stCondLst>
-                        <p:cond delay="indefinite"/>
-                      </p:stCondLst>
-                      <p:childTnLst>
-                        <p:par>
-                          <p:cTn id="9" fill="hold">
-                            <p:stCondLst>
-                              <p:cond delay="0"/>
-                            </p:stCondLst>
-                            <p:childTnLst>
-                              <p:par>
-                                <p:cTn id="10" presetID="10" presetClass="entr" presetSubtype="0" fill="hold" grpId="0" nodeType="clickEffect">
-                                  <p:stCondLst>
-                                    <p:cond delay="0"/>
-                                  </p:stCondLst>
-                                  <p:childTnLst>
-                                    <p:set>
-                                      <p:cBhvr>
-                                        <p:cTn id="11" dur="1" fill="hold">
-                                          <p:stCondLst>
-                                            <p:cond delay="0"/>
-                                          </p:stCondLst>
-                                        </p:cTn>
-                                        <p:tgtEl>
-                                          <p:spTgt spid="3">
-                                            <p:txEl>
-                                              <p:pRg st="1" end="1"/>
-                                            </p:txEl>
-                                          </p:spTgt>
-                                        </p:tgtEl>
-                                        <p:attrNameLst>
-                                          <p:attrName>style.visibility</p:attrName>
-                                        </p:attrNameLst>
-                                      </p:cBhvr>
-                                      <p:to>
-                                        <p:strVal val="visible"/>
-                                      </p:to>
-                                    </p:set>
-                                    <p:animEffect transition="in" filter="fade">
-                                      <p:cBhvr>
-                                        <p:cTn id="12" dur="500"/>
-                                        <p:tgtEl>
-                                          <p:spTgt spid="3">
-                                            <p:txEl>
-                                              <p:pRg st="1" end="1"/>
-                                            </p:txEl>
-                                          </p:spTgt>
-                                        </p:tgtEl>
-                                      </p:cBhvr>
-                                    </p:animEffect>
-                                  </p:childTnLst>
-                                </p:cTn>
-                              </p:par>
-                            </p:childTnLst>
-                          </p:cTn>
-                        </p:par>
-                      </p:childTnLst>
-                    </p:cTn>
-                  </p:par>
-                  <p:par>
-                    <p:cTn id="13" fill="hold">
-                      <p:stCondLst>
-                        <p:cond delay="indefinite"/>
-                      </p:stCondLst>
-                      <p:childTnLst>
-                        <p:par>
-                          <p:cTn id="14" fill="hold">
-                            <p:stCondLst>
-                              <p:cond delay="0"/>
-                            </p:stCondLst>
-                            <p:childTnLst>
-                              <p:par>
-                                <p:cTn id="15" presetID="10" presetClass="entr" presetSubtype="0" fill="hold" grpId="0" nodeType="clickEffect">
-                                  <p:stCondLst>
-                                    <p:cond delay="0"/>
-                                  </p:stCondLst>
-                                  <p:childTnLst>
-                                    <p:set>
-                                      <p:cBhvr>
-                                        <p:cTn id="16" dur="1" fill="hold">
-                                          <p:stCondLst>
-                                            <p:cond delay="0"/>
-                                          </p:stCondLst>
-                                        </p:cTn>
-                                        <p:tgtEl>
-                                          <p:spTgt spid="3">
-                                            <p:txEl>
-                                              <p:pRg st="2" end="2"/>
-                                            </p:txEl>
-                                          </p:spTgt>
-                                        </p:tgtEl>
-                                        <p:attrNameLst>
-                                          <p:attrName>style.visibility</p:attrName>
-                                        </p:attrNameLst>
-                                      </p:cBhvr>
-                                      <p:to>
-                                        <p:strVal val="visible"/>
-                                      </p:to>
-                                    </p:set>
-                                    <p:animEffect transition="in" filter="fade">
-                                      <p:cBhvr>
-                                        <p:cTn id="17" dur="500"/>
-                                        <p:tgtEl>
-                                          <p:spTgt spid="3">
-                                            <p:txEl>
-                                              <p:pRg st="2" end="2"/>
-                                            </p:txEl>
-                                          </p:spTgt>
-                                        </p:tgtEl>
-                                      </p:cBhvr>
-                                    </p:animEffect>
-                                  </p:childTnLst>
-                                </p:cTn>
-                              </p:par>
-                            </p:childTnLst>
-                          </p:cTn>
-                        </p:par>
-                      </p:childTnLst>
-                    </p:cTn>
-                  </p:par>
-                  <p:par>
-                    <p:cTn id="18" fill="hold">
-                      <p:stCondLst>
-                        <p:cond delay="indefinite"/>
-                      </p:stCondLst>
-                      <p:childTnLst>
-                        <p:par>
-                          <p:cTn id="19" fill="hold">
-                            <p:stCondLst>
-                              <p:cond delay="0"/>
-                            </p:stCondLst>
-                            <p:childTnLst>
-                              <p:par>
-                                <p:cTn id="20" presetID="10" presetClass="entr" presetSubtype="0" fill="hold" grpId="0" nodeType="clickEffect">
-                                  <p:stCondLst>
-                                    <p:cond delay="0"/>
-                                  </p:stCondLst>
-                                  <p:childTnLst>
-                                    <p:set>
-                                      <p:cBhvr>
-                                        <p:cTn id="21" dur="1" fill="hold">
-                                          <p:stCondLst>
-                                            <p:cond delay="0"/>
-                                          </p:stCondLst>
-                                        </p:cTn>
-                                        <p:tgtEl>
-                                          <p:spTgt spid="3">
-                                            <p:txEl>
-                                              <p:pRg st="3" end="3"/>
-                                            </p:txEl>
-                                          </p:spTgt>
-                                        </p:tgtEl>
-                                        <p:attrNameLst>
-                                          <p:attrName>style.visibility</p:attrName>
-                                        </p:attrNameLst>
-                                      </p:cBhvr>
-                                      <p:to>
-                                        <p:strVal val="visible"/>
-                                      </p:to>
-                                    </p:set>
-                                    <p:animEffect transition="in" filter="fade">
-                                      <p:cBhvr>
-                                        <p:cTn id="22" dur="500"/>
-                                        <p:tgtEl>
-                                          <p:spTgt spid="3">
-                                            <p:txEl>
-                                              <p:pRg st="3" end="3"/>
-                                            </p:txEl>
-                                          </p:spTgt>
-                                        </p:tgtEl>
-                                      </p:cBhvr>
-                                    </p:animEffect>
-                                  </p:childTnLst>
-                                </p:cTn>
-                              </p:par>
-                            </p:childTnLst>
-                          </p:cTn>
-                        </p:par>
-                      </p:childTnLst>
-                    </p:cTn>
-                  </p:par>
-                </p:childTnLst>
-              </p:cTn>
-              <p:prevCondLst>
-                <p:cond evt="onPrev" delay="0">
-                  <p:tgtEl>
-                    <p:sldTgt/>
-                  </p:tgtEl>
-                </p:cond>
-              </p:prevCondLst>
-              <p:nextCondLst>
-                <p:cond evt="onNext" delay="0">
-                  <p:tgtEl>
-                    <p:sldTgt/>
-                  </p:tgtEl>
-                </p:cond>
-              </p:nextCondLst>
-            </p:seq>
-          </p:childTnLst>
-        </p:cTn>
-      </p:par>
-    </p:tnLst>
-    <p:bldLst>
-      <p:bldP spid="3" grpId="0" build="p"/>
-    </p:bldLst>
-  </p:timing>
-</p:sld>
-</file>
-
-<file path=ppt/slides/slide3.xml><?xml version="1.0" encoding="utf-8"?>
-<p:sld xmlns:a="http://schemas.openxmlformats.org/drawingml/2006/main" xmlns:r="http://schemas.openxmlformats.org/officeDocument/2006/relationships" xmlns:p="http://schemas.openxmlformats.org/presentationml/2006/main" showMasterSp="0">
-  <p:cSld>
-    <p:spTree>
-      <p:nvGrpSpPr>
-        <p:cNvPr id="1" name=""/>
-        <p:cNvGrpSpPr/>
-        <p:nvPr/>
-      </p:nvGrpSpPr>
-      <p:grpSpPr>
-        <a:xfrm>
-          <a:off x="0" y="0"/>
-          <a:ext cx="0" cy="0"/>
-          <a:chOff x="0" y="0"/>
-          <a:chExt cx="0" cy="0"/>
-        </a:xfrm>
-      </p:grpSpPr>
-      <p:sp>
-        <p:nvSpPr>
-          <p:cNvPr id="2" name="Title 1"/>
-          <p:cNvSpPr>
-            <a:spLocks noGrp="1"/>
-          </p:cNvSpPr>
-          <p:nvPr>
-            <p:ph type="title"/>
-          </p:nvPr>
-        </p:nvSpPr>
-        <p:spPr/>
-        <p:txBody>
-          <a:bodyPr/>
-          <a:lstStyle/>
-          <a:p>
-            <a:r>
-              <a:rPr lang="sv-SE" sz="14400" dirty="0" smtClean="0"/>
-              <a:t>Model 1: Juefei-Xu et al.</a:t>
-            </a:r>
-            <a:endParaRPr lang="en-GB" sz="14400" dirty="0"/>
-          </a:p>
-        </p:txBody>
-      </p:sp>
-      <mc:AlternateContent xmlns:mc="http://schemas.openxmlformats.org/markup-compatibility/2006" xmlns:a14="http://schemas.microsoft.com/office/drawing/2010/main">
-        <mc:Choice Requires="a14">
-          <p:sp>
-            <p:nvSpPr>
-              <p:cNvPr id="3" name="Content Placeholder 2"/>
-              <p:cNvSpPr>
-                <a:spLocks noGrp="1"/>
-              </p:cNvSpPr>
-              <p:nvPr>
-                <p:ph idx="1"/>
-              </p:nvPr>
-            </p:nvSpPr>
-            <p:spPr>
-              <a:xfrm>
-                <a:off x="7270677" y="4751909"/>
-                <a:ext cx="27779663" cy="17640300"/>
-              </a:xfrm>
-            </p:spPr>
-            <p:txBody>
-              <a:bodyPr/>
-              <a:lstStyle/>
-              <a:p>
-                <a:r>
-                  <a:rPr lang="sv-SE" sz="9200" dirty="0" smtClean="0"/>
-                  <a:t>Idea: Fixed LBP-inspired convolutional layers</a:t>
-                </a:r>
-              </a:p>
-              <a:p>
-                <a:r>
-                  <a:rPr lang="sv-SE" sz="9200" dirty="0" smtClean="0"/>
-                  <a:t>LBCCN Module</a:t>
-                </a:r>
-              </a:p>
-              <a:p>
-                <a:pPr lvl="1"/>
-                <a:r>
-                  <a:rPr lang="sv-SE" sz="8000" dirty="0" smtClean="0"/>
-                  <a:t>3x3 filters with randomly arranged values of 1 and -1</a:t>
-                </a:r>
-              </a:p>
-              <a:p>
-                <a:pPr lvl="1"/>
-                <a:r>
-                  <a:rPr lang="sv-SE" sz="8000" dirty="0" smtClean="0"/>
-                  <a:t>Sigmoid activation to smooth noise</a:t>
-                </a:r>
-              </a:p>
-              <a:p>
-                <a:pPr lvl="1"/>
-                <a:r>
-                  <a:rPr lang="sv-SE" sz="8000" dirty="0" smtClean="0"/>
-                  <a:t>Multiply each output by learnable constant </a:t>
-                </a:r>
-                <a14:m>
-                  <m:oMath xmlns:m="http://schemas.openxmlformats.org/officeDocument/2006/math">
-                    <m:r>
-                      <a:rPr lang="en-GB" sz="8000" i="1">
-                        <a:latin typeface="Cambria Math"/>
-                      </a:rPr>
-                      <m:t>𝑣</m:t>
-                    </m:r>
-                  </m:oMath>
-                </a14:m>
-                <a:endParaRPr lang="sv-SE" sz="8000" dirty="0" smtClean="0"/>
-              </a:p>
-              <a:p>
-                <a:pPr marL="0" indent="0">
-                  <a:buNone/>
-                </a:pPr>
-                <a:endParaRPr lang="sv-SE" sz="9200" dirty="0" smtClean="0"/>
-              </a:p>
-              <a:p>
-                <a:pPr marL="0" indent="0">
-                  <a:buNone/>
-                </a:pPr>
-                <a:endParaRPr lang="sv-SE" sz="9200" dirty="0"/>
-              </a:p>
-              <a:p>
-                <a:pPr marL="0" indent="0">
-                  <a:buNone/>
-                </a:pPr>
-                <a:endParaRPr lang="sv-SE" sz="9200" dirty="0" smtClean="0"/>
-              </a:p>
-              <a:p>
-                <a:pPr marL="0" indent="0">
-                  <a:buNone/>
-                </a:pPr>
-                <a:endParaRPr lang="sv-SE" sz="9200" dirty="0"/>
-              </a:p>
-              <a:p>
-                <a:pPr marL="0" indent="0">
-                  <a:buNone/>
-                </a:pPr>
-                <a:endParaRPr lang="sv-SE" sz="9200" dirty="0" smtClean="0"/>
-              </a:p>
-            </p:txBody>
-          </p:sp>
-        </mc:Choice>
-        <mc:Fallback xmlns="">
-          <p:sp>
-            <p:nvSpPr>
-              <p:cNvPr id="3" name="Content Placeholder 2"/>
-              <p:cNvSpPr>
-                <a:spLocks noGrp="1" noRot="1" noChangeAspect="1" noMove="1" noResize="1" noEditPoints="1" noAdjustHandles="1" noChangeArrowheads="1" noChangeShapeType="1" noTextEdit="1"/>
-              </p:cNvSpPr>
-              <p:nvPr>
-                <p:ph idx="1"/>
-              </p:nvPr>
-            </p:nvSpPr>
-            <p:spPr>
-              <a:xfrm>
-                <a:off x="7270677" y="4751909"/>
-                <a:ext cx="27779663" cy="17640300"/>
-              </a:xfrm>
-              <a:blipFill rotWithShape="1">
-                <a:blip r:embed="rId2"/>
-                <a:stretch>
-                  <a:fillRect l="-1097" t="-1002"/>
-                </a:stretch>
-              </a:blipFill>
-            </p:spPr>
-            <p:txBody>
-              <a:bodyPr/>
-              <a:lstStyle/>
-              <a:p>
-                <a:r>
-                  <a:rPr lang="en-GB">
-                    <a:noFill/>
-                  </a:rPr>
-                  <a:t> </a:t>
-                </a:r>
-              </a:p>
-            </p:txBody>
-          </p:sp>
-        </mc:Fallback>
-      </mc:AlternateContent>
-      <p:graphicFrame>
-        <p:nvGraphicFramePr>
-          <p:cNvPr id="20" name="Table 19"/>
-          <p:cNvGraphicFramePr>
-            <a:graphicFrameLocks noGrp="1"/>
-          </p:cNvGraphicFramePr>
-          <p:nvPr>
-            <p:extLst>
-              <p:ext uri="{D42A27DB-BD31-4B8C-83A1-F6EECF244321}">
-                <p14:modId xmlns:p14="http://schemas.microsoft.com/office/powerpoint/2010/main" val="708541717"/>
-              </p:ext>
-            </p:extLst>
-          </p:nvPr>
-        </p:nvGraphicFramePr>
-        <p:xfrm>
-          <a:off x="6478590" y="14256966"/>
-          <a:ext cx="3672408" cy="3456384"/>
-        </p:xfrm>
-        <a:graphic>
-          <a:graphicData uri="http://schemas.openxmlformats.org/drawingml/2006/table">
-            <a:tbl>
-              <a:tblPr firstRow="1" bandRow="1">
-                <a:tableStyleId>{5940675A-B579-460E-94D1-54222C63F5DA}</a:tableStyleId>
-              </a:tblPr>
-              <a:tblGrid>
-                <a:gridCol w="1224136"/>
-                <a:gridCol w="1224136"/>
-                <a:gridCol w="1224136"/>
-              </a:tblGrid>
-              <a:tr h="1141558">
-                <a:tc>
-                  <a:txBody>
-                    <a:bodyPr/>
-                    <a:lstStyle/>
-                    <a:p>
-                      <a:pPr algn="ctr"/>
-                      <a:r>
-                        <a:rPr lang="sv-SE" sz="5400" b="1" dirty="0" smtClean="0"/>
-                        <a:t>1</a:t>
-                      </a:r>
-                      <a:endParaRPr lang="en-GB" sz="5400" b="1" dirty="0"/>
-                    </a:p>
-                  </a:txBody>
-                  <a:tcPr/>
-                </a:tc>
-                <a:tc>
-                  <a:txBody>
-                    <a:bodyPr/>
-                    <a:lstStyle/>
-                    <a:p>
-                      <a:pPr algn="ctr"/>
-                      <a:r>
-                        <a:rPr lang="sv-SE" sz="5400" b="1" dirty="0" smtClean="0"/>
-                        <a:t>0</a:t>
-                      </a:r>
-                      <a:endParaRPr lang="en-GB" sz="5400" b="1" dirty="0"/>
-                    </a:p>
-                  </a:txBody>
-                  <a:tcPr/>
-                </a:tc>
-                <a:tc>
-                  <a:txBody>
-                    <a:bodyPr/>
-                    <a:lstStyle/>
-                    <a:p>
-                      <a:pPr algn="ctr"/>
-                      <a:r>
-                        <a:rPr lang="sv-SE" sz="5400" b="1" dirty="0" smtClean="0"/>
-                        <a:t>0</a:t>
-                      </a:r>
-                      <a:endParaRPr lang="en-GB" sz="5400" b="1" dirty="0"/>
-                    </a:p>
-                  </a:txBody>
-                  <a:tcPr/>
-                </a:tc>
-              </a:tr>
-              <a:tr h="1157413">
-                <a:tc>
-                  <a:txBody>
-                    <a:bodyPr/>
-                    <a:lstStyle/>
-                    <a:p>
-                      <a:pPr algn="ctr"/>
-                      <a:r>
-                        <a:rPr lang="sv-SE" sz="5400" b="1" dirty="0" smtClean="0"/>
-                        <a:t>0</a:t>
-                      </a:r>
-                      <a:endParaRPr lang="en-GB" sz="5400" b="1" dirty="0"/>
-                    </a:p>
-                  </a:txBody>
-                  <a:tcPr/>
-                </a:tc>
-                <a:tc>
-                  <a:txBody>
-                    <a:bodyPr/>
-                    <a:lstStyle/>
-                    <a:p>
-                      <a:pPr algn="ctr"/>
-                      <a:r>
-                        <a:rPr lang="sv-SE" sz="5400" b="1" dirty="0" smtClean="0"/>
-                        <a:t>-1</a:t>
-                      </a:r>
-                      <a:endParaRPr lang="en-GB" sz="5400" b="1" dirty="0"/>
-                    </a:p>
-                  </a:txBody>
-                  <a:tcPr/>
-                </a:tc>
-                <a:tc>
-                  <a:txBody>
-                    <a:bodyPr/>
-                    <a:lstStyle/>
-                    <a:p>
-                      <a:pPr algn="ctr"/>
-                      <a:r>
-                        <a:rPr lang="sv-SE" sz="5400" b="1" dirty="0" smtClean="0"/>
-                        <a:t>0</a:t>
-                      </a:r>
-                      <a:endParaRPr lang="en-GB" sz="5400" b="1" dirty="0"/>
-                    </a:p>
-                  </a:txBody>
-                  <a:tcPr/>
-                </a:tc>
-              </a:tr>
-              <a:tr h="1157413">
-                <a:tc>
-                  <a:txBody>
-                    <a:bodyPr/>
-                    <a:lstStyle/>
-                    <a:p>
-                      <a:pPr algn="ctr"/>
-                      <a:r>
-                        <a:rPr lang="sv-SE" sz="5400" b="1" dirty="0" smtClean="0"/>
-                        <a:t>0</a:t>
-                      </a:r>
-                      <a:endParaRPr lang="en-GB" sz="5400" b="1" dirty="0"/>
-                    </a:p>
-                  </a:txBody>
-                  <a:tcPr/>
-                </a:tc>
-                <a:tc>
-                  <a:txBody>
-                    <a:bodyPr/>
-                    <a:lstStyle/>
-                    <a:p>
-                      <a:pPr algn="ctr"/>
-                      <a:r>
-                        <a:rPr lang="sv-SE" sz="5400" b="1" dirty="0" smtClean="0"/>
-                        <a:t>0</a:t>
-                      </a:r>
-                      <a:endParaRPr lang="en-GB" sz="5400" b="1" dirty="0"/>
-                    </a:p>
-                  </a:txBody>
-                  <a:tcPr/>
-                </a:tc>
-                <a:tc>
-                  <a:txBody>
-                    <a:bodyPr/>
-                    <a:lstStyle/>
-                    <a:p>
-                      <a:pPr algn="ctr"/>
-                      <a:r>
-                        <a:rPr lang="sv-SE" sz="5400" b="1" dirty="0" smtClean="0"/>
-                        <a:t>0</a:t>
-                      </a:r>
-                      <a:endParaRPr lang="en-GB" sz="5400" b="1" dirty="0"/>
-                    </a:p>
-                  </a:txBody>
-                  <a:tcPr/>
-                </a:tc>
-              </a:tr>
-            </a:tbl>
-          </a:graphicData>
-        </a:graphic>
-      </p:graphicFrame>
-      <p:graphicFrame>
-        <p:nvGraphicFramePr>
-          <p:cNvPr id="21" name="Table 20"/>
-          <p:cNvGraphicFramePr>
-            <a:graphicFrameLocks noGrp="1"/>
-          </p:cNvGraphicFramePr>
-          <p:nvPr>
-            <p:extLst>
-              <p:ext uri="{D42A27DB-BD31-4B8C-83A1-F6EECF244321}">
-                <p14:modId xmlns:p14="http://schemas.microsoft.com/office/powerpoint/2010/main" val="738636015"/>
-              </p:ext>
-            </p:extLst>
-          </p:nvPr>
-        </p:nvGraphicFramePr>
-        <p:xfrm>
-          <a:off x="6478589" y="18217404"/>
-          <a:ext cx="3672408" cy="3528393"/>
-        </p:xfrm>
-        <a:graphic>
-          <a:graphicData uri="http://schemas.openxmlformats.org/drawingml/2006/table">
-            <a:tbl>
-              <a:tblPr firstRow="1" bandRow="1">
-                <a:tableStyleId>{5940675A-B579-460E-94D1-54222C63F5DA}</a:tableStyleId>
-              </a:tblPr>
-              <a:tblGrid>
-                <a:gridCol w="1224136"/>
-                <a:gridCol w="1224136"/>
-                <a:gridCol w="1224136"/>
-              </a:tblGrid>
-              <a:tr h="1165341">
-                <a:tc>
-                  <a:txBody>
-                    <a:bodyPr/>
-                    <a:lstStyle/>
-                    <a:p>
-                      <a:pPr algn="ctr"/>
-                      <a:r>
-                        <a:rPr lang="sv-SE" sz="5400" b="1" dirty="0" smtClean="0"/>
-                        <a:t>0</a:t>
-                      </a:r>
-                      <a:endParaRPr lang="en-GB" sz="5400" b="1" dirty="0"/>
-                    </a:p>
-                  </a:txBody>
-                  <a:tcPr/>
-                </a:tc>
-                <a:tc>
-                  <a:txBody>
-                    <a:bodyPr/>
-                    <a:lstStyle/>
-                    <a:p>
-                      <a:pPr algn="ctr"/>
-                      <a:r>
-                        <a:rPr lang="sv-SE" sz="5400" b="1" dirty="0" smtClean="0"/>
-                        <a:t>1</a:t>
-                      </a:r>
-                      <a:endParaRPr lang="en-GB" sz="5400" b="1" dirty="0"/>
-                    </a:p>
-                  </a:txBody>
-                  <a:tcPr/>
-                </a:tc>
-                <a:tc>
-                  <a:txBody>
-                    <a:bodyPr/>
-                    <a:lstStyle/>
-                    <a:p>
-                      <a:pPr algn="ctr"/>
-                      <a:r>
-                        <a:rPr lang="sv-SE" sz="5400" b="1" dirty="0" smtClean="0"/>
-                        <a:t>0</a:t>
-                      </a:r>
-                      <a:endParaRPr lang="en-GB" sz="5400" b="1" dirty="0"/>
-                    </a:p>
-                  </a:txBody>
-                  <a:tcPr/>
-                </a:tc>
-              </a:tr>
-              <a:tr h="1181526">
-                <a:tc>
-                  <a:txBody>
-                    <a:bodyPr/>
-                    <a:lstStyle/>
-                    <a:p>
-                      <a:pPr algn="ctr"/>
-                      <a:r>
-                        <a:rPr lang="sv-SE" sz="5400" b="1" dirty="0" smtClean="0"/>
-                        <a:t>0</a:t>
-                      </a:r>
-                      <a:endParaRPr lang="en-GB" sz="5400" b="1" dirty="0"/>
-                    </a:p>
-                  </a:txBody>
-                  <a:tcPr/>
-                </a:tc>
-                <a:tc>
-                  <a:txBody>
-                    <a:bodyPr/>
-                    <a:lstStyle/>
-                    <a:p>
-                      <a:pPr algn="ctr"/>
-                      <a:r>
-                        <a:rPr lang="sv-SE" sz="5400" b="1" dirty="0" smtClean="0"/>
-                        <a:t>0</a:t>
-                      </a:r>
-                      <a:endParaRPr lang="en-GB" sz="5400" b="1" dirty="0"/>
-                    </a:p>
-                  </a:txBody>
-                  <a:tcPr/>
-                </a:tc>
-                <a:tc>
-                  <a:txBody>
-                    <a:bodyPr/>
-                    <a:lstStyle/>
-                    <a:p>
-                      <a:pPr algn="ctr"/>
-                      <a:r>
-                        <a:rPr lang="sv-SE" sz="5400" b="1" dirty="0" smtClean="0"/>
-                        <a:t>1</a:t>
-                      </a:r>
-                      <a:endParaRPr lang="en-GB" sz="5400" b="1" dirty="0"/>
-                    </a:p>
-                  </a:txBody>
-                  <a:tcPr/>
-                </a:tc>
-              </a:tr>
-              <a:tr h="1181526">
-                <a:tc>
-                  <a:txBody>
-                    <a:bodyPr/>
-                    <a:lstStyle/>
-                    <a:p>
-                      <a:pPr algn="ctr"/>
-                      <a:r>
-                        <a:rPr lang="sv-SE" sz="5400" b="1" dirty="0" smtClean="0"/>
-                        <a:t>0</a:t>
-                      </a:r>
-                      <a:endParaRPr lang="en-GB" sz="5400" b="1" dirty="0"/>
-                    </a:p>
-                  </a:txBody>
-                  <a:tcPr/>
-                </a:tc>
-                <a:tc>
-                  <a:txBody>
-                    <a:bodyPr/>
-                    <a:lstStyle/>
-                    <a:p>
-                      <a:pPr algn="ctr"/>
-                      <a:r>
-                        <a:rPr lang="sv-SE" sz="5400" b="1" dirty="0" smtClean="0"/>
-                        <a:t>-1</a:t>
-                      </a:r>
-                      <a:endParaRPr lang="en-GB" sz="5400" b="1" dirty="0"/>
-                    </a:p>
-                  </a:txBody>
-                  <a:tcPr/>
-                </a:tc>
-                <a:tc>
-                  <a:txBody>
-                    <a:bodyPr/>
-                    <a:lstStyle/>
-                    <a:p>
-                      <a:pPr algn="ctr"/>
-                      <a:r>
-                        <a:rPr lang="sv-SE" sz="5400" b="1" dirty="0" smtClean="0"/>
-                        <a:t>0</a:t>
-                      </a:r>
-                      <a:endParaRPr lang="en-GB" sz="5400" b="1" dirty="0"/>
-                    </a:p>
-                  </a:txBody>
-                  <a:tcPr/>
-                </a:tc>
-              </a:tr>
-            </a:tbl>
-          </a:graphicData>
-        </a:graphic>
-      </p:graphicFrame>
-      <p:graphicFrame>
-        <p:nvGraphicFramePr>
-          <p:cNvPr id="26" name="Table 25"/>
-          <p:cNvGraphicFramePr>
-            <a:graphicFrameLocks noGrp="1"/>
-          </p:cNvGraphicFramePr>
-          <p:nvPr>
-            <p:extLst>
-              <p:ext uri="{D42A27DB-BD31-4B8C-83A1-F6EECF244321}">
-                <p14:modId xmlns:p14="http://schemas.microsoft.com/office/powerpoint/2010/main" val="814342614"/>
-              </p:ext>
-            </p:extLst>
-          </p:nvPr>
-        </p:nvGraphicFramePr>
-        <p:xfrm>
-          <a:off x="10799069" y="15116958"/>
-          <a:ext cx="3672408" cy="3460487"/>
-        </p:xfrm>
-        <a:graphic>
-          <a:graphicData uri="http://schemas.openxmlformats.org/drawingml/2006/table">
-            <a:tbl>
-              <a:tblPr firstRow="1" bandRow="1">
-                <a:tableStyleId>{5940675A-B579-460E-94D1-54222C63F5DA}</a:tableStyleId>
-              </a:tblPr>
-              <a:tblGrid>
-                <a:gridCol w="1224136"/>
-                <a:gridCol w="1224136"/>
-                <a:gridCol w="1224136"/>
-              </a:tblGrid>
-              <a:tr h="1142913">
-                <a:tc>
-                  <a:txBody>
-                    <a:bodyPr/>
-                    <a:lstStyle/>
-                    <a:p>
-                      <a:pPr algn="ctr"/>
-                      <a:r>
-                        <a:rPr lang="sv-SE" sz="5400" b="1" dirty="0" smtClean="0"/>
-                        <a:t>1</a:t>
-                      </a:r>
-                      <a:endParaRPr lang="en-GB" sz="5400" b="1" dirty="0"/>
-                    </a:p>
-                  </a:txBody>
-                  <a:tcPr/>
-                </a:tc>
-                <a:tc>
-                  <a:txBody>
-                    <a:bodyPr/>
-                    <a:lstStyle/>
-                    <a:p>
-                      <a:pPr algn="ctr"/>
-                      <a:r>
-                        <a:rPr lang="sv-SE" sz="5400" b="1" dirty="0" smtClean="0"/>
-                        <a:t>1</a:t>
-                      </a:r>
-                      <a:endParaRPr lang="en-GB" sz="5400" b="1" dirty="0"/>
-                    </a:p>
-                  </a:txBody>
-                  <a:tcPr/>
-                </a:tc>
-                <a:tc>
-                  <a:txBody>
-                    <a:bodyPr/>
-                    <a:lstStyle/>
-                    <a:p>
-                      <a:pPr algn="ctr"/>
-                      <a:r>
-                        <a:rPr lang="sv-SE" sz="5400" b="1" dirty="0" smtClean="0"/>
-                        <a:t>0</a:t>
-                      </a:r>
-                      <a:endParaRPr lang="en-GB" sz="5400" b="1" dirty="0"/>
-                    </a:p>
-                  </a:txBody>
-                  <a:tcPr/>
-                </a:tc>
-              </a:tr>
-              <a:tr h="1158787">
-                <a:tc>
-                  <a:txBody>
-                    <a:bodyPr/>
-                    <a:lstStyle/>
-                    <a:p>
-                      <a:pPr algn="ctr"/>
-                      <a:r>
-                        <a:rPr lang="sv-SE" sz="5400" b="1" dirty="0" smtClean="0"/>
-                        <a:t>0</a:t>
-                      </a:r>
-                      <a:endParaRPr lang="en-GB" sz="5400" b="1" dirty="0"/>
-                    </a:p>
-                  </a:txBody>
-                  <a:tcPr/>
-                </a:tc>
-                <a:tc>
-                  <a:txBody>
-                    <a:bodyPr/>
-                    <a:lstStyle/>
-                    <a:p>
-                      <a:pPr algn="ctr"/>
-                      <a:r>
-                        <a:rPr lang="sv-SE" sz="5400" b="1" dirty="0" smtClean="0"/>
-                        <a:t>0</a:t>
-                      </a:r>
-                      <a:endParaRPr lang="en-GB" sz="5400" b="1" dirty="0"/>
-                    </a:p>
-                  </a:txBody>
-                  <a:tcPr/>
-                </a:tc>
-                <a:tc>
-                  <a:txBody>
-                    <a:bodyPr/>
-                    <a:lstStyle/>
-                    <a:p>
-                      <a:pPr algn="ctr"/>
-                      <a:r>
-                        <a:rPr lang="sv-SE" sz="5400" b="1" dirty="0" smtClean="0"/>
-                        <a:t>0</a:t>
-                      </a:r>
-                      <a:endParaRPr lang="en-GB" sz="5400" b="1" dirty="0"/>
-                    </a:p>
-                  </a:txBody>
-                  <a:tcPr/>
-                </a:tc>
-              </a:tr>
-              <a:tr h="1158787">
-                <a:tc>
-                  <a:txBody>
-                    <a:bodyPr/>
-                    <a:lstStyle/>
-                    <a:p>
-                      <a:pPr algn="ctr"/>
-                      <a:r>
-                        <a:rPr lang="sv-SE" sz="5400" b="1" dirty="0" smtClean="0"/>
-                        <a:t>0</a:t>
-                      </a:r>
-                      <a:endParaRPr lang="en-GB" sz="5400" b="1" dirty="0"/>
-                    </a:p>
-                  </a:txBody>
-                  <a:tcPr/>
-                </a:tc>
-                <a:tc>
-                  <a:txBody>
-                    <a:bodyPr/>
-                    <a:lstStyle/>
-                    <a:p>
-                      <a:pPr algn="ctr"/>
-                      <a:r>
-                        <a:rPr lang="sv-SE" sz="5400" b="1" dirty="0" smtClean="0"/>
-                        <a:t>0</a:t>
-                      </a:r>
-                      <a:endParaRPr lang="en-GB" sz="5400" b="1" dirty="0"/>
-                    </a:p>
-                  </a:txBody>
-                  <a:tcPr/>
-                </a:tc>
-                <a:tc>
-                  <a:txBody>
-                    <a:bodyPr/>
-                    <a:lstStyle/>
-                    <a:p>
-                      <a:pPr algn="ctr"/>
-                      <a:r>
-                        <a:rPr lang="sv-SE" sz="5400" b="1" dirty="0" smtClean="0"/>
-                        <a:t>0</a:t>
-                      </a:r>
-                      <a:endParaRPr lang="en-GB" sz="5400" b="1" dirty="0"/>
-                    </a:p>
-                  </a:txBody>
-                  <a:tcPr/>
-                </a:tc>
-              </a:tr>
-            </a:tbl>
-          </a:graphicData>
-        </a:graphic>
-      </p:graphicFrame>
-      <mc:AlternateContent xmlns:mc="http://schemas.openxmlformats.org/markup-compatibility/2006" xmlns:a14="http://schemas.microsoft.com/office/drawing/2010/main">
-        <mc:Choice Requires="a14">
-          <p:sp>
-            <p:nvSpPr>
-              <p:cNvPr id="4" name="TextBox 3"/>
-              <p:cNvSpPr txBox="1"/>
-              <p:nvPr/>
-            </p:nvSpPr>
-            <p:spPr>
-              <a:xfrm>
-                <a:off x="18215893" y="15843503"/>
-                <a:ext cx="3024336" cy="3551678"/>
-              </a:xfrm>
-              <a:prstGeom prst="rect">
-                <a:avLst/>
-              </a:prstGeom>
-              <a:noFill/>
-            </p:spPr>
-            <p:txBody>
-              <a:bodyPr wrap="square" rtlCol="0">
-                <a:spAutoFit/>
-              </a:bodyPr>
-              <a:lstStyle/>
-              <a:p>
-                <a:pPr/>
-                <a14:m>
-                  <m:oMathPara xmlns:m="http://schemas.openxmlformats.org/officeDocument/2006/math">
-                    <m:oMathParaPr>
-                      <m:jc m:val="centerGroup"/>
-                    </m:oMathParaPr>
-                    <m:oMath xmlns:m="http://schemas.openxmlformats.org/officeDocument/2006/math">
-                      <m:nary>
-                        <m:naryPr>
-                          <m:chr m:val="∑"/>
-                          <m:ctrlPr>
-                            <a:rPr lang="pt-BR" sz="8000" i="1" smtClean="0">
-                              <a:latin typeface="Cambria Math"/>
-                            </a:rPr>
-                          </m:ctrlPr>
-                        </m:naryPr>
-                        <m:sub>
-                          <m:r>
-                            <a:rPr lang="pt-BR" sz="8000" i="1" smtClean="0">
-                              <a:latin typeface="Cambria Math"/>
-                            </a:rPr>
-                            <m:t>𝑘</m:t>
-                          </m:r>
-                          <m:r>
-                            <a:rPr lang="pt-BR" sz="8000" i="1" smtClean="0">
-                              <a:latin typeface="Cambria Math"/>
-                            </a:rPr>
-                            <m:t>=0</m:t>
-                          </m:r>
-                        </m:sub>
-                        <m:sup>
-                          <m:r>
-                            <a:rPr lang="pt-BR" sz="8000" i="1" smtClean="0">
-                              <a:latin typeface="Cambria Math"/>
-                            </a:rPr>
-                            <m:t>𝑛</m:t>
-                          </m:r>
-                          <m:r>
-                            <a:rPr lang="en-GB" sz="8000" b="0" i="1" smtClean="0">
-                              <a:latin typeface="Cambria Math"/>
-                            </a:rPr>
-                            <m:t>−1</m:t>
-                          </m:r>
-                        </m:sup>
-                        <m:e>
-                          <m:sSub>
-                            <m:sSubPr>
-                              <m:ctrlPr>
-                                <a:rPr lang="en-GB" sz="8000" b="0" i="1" smtClean="0">
-                                  <a:latin typeface="Cambria Math"/>
-                                </a:rPr>
-                              </m:ctrlPr>
-                            </m:sSubPr>
-                            <m:e>
-                              <m:r>
-                                <a:rPr lang="en-GB" sz="8000" b="0" i="1" smtClean="0">
-                                  <a:latin typeface="Cambria Math"/>
-                                </a:rPr>
-                                <m:t>𝑣</m:t>
-                              </m:r>
-                            </m:e>
-                            <m:sub>
-                              <m:r>
-                                <a:rPr lang="en-GB" sz="8000" b="0" i="1" smtClean="0">
-                                  <a:latin typeface="Cambria Math"/>
-                                </a:rPr>
-                                <m:t>𝑘</m:t>
-                              </m:r>
-                            </m:sub>
-                          </m:sSub>
-                          <m:r>
-                            <a:rPr lang="pt-BR" sz="8000" i="1" smtClean="0">
-                              <a:latin typeface="Cambria Math"/>
-                              <a:ea typeface="Cambria Math"/>
-                            </a:rPr>
-                            <m:t>𝜎</m:t>
-                          </m:r>
-                          <m:r>
-                            <a:rPr lang="en-GB" sz="8000" b="0" i="1" smtClean="0">
-                              <a:latin typeface="Cambria Math"/>
-                              <a:ea typeface="Cambria Math"/>
-                            </a:rPr>
-                            <m:t>(</m:t>
-                          </m:r>
-                          <m:sSub>
-                            <m:sSubPr>
-                              <m:ctrlPr>
-                                <a:rPr lang="en-GB" sz="8000" b="0" i="1" smtClean="0">
-                                  <a:latin typeface="Cambria Math"/>
-                                  <a:ea typeface="Cambria Math"/>
-                                </a:rPr>
-                              </m:ctrlPr>
-                            </m:sSubPr>
-                            <m:e>
-                              <m:r>
-                                <a:rPr lang="en-GB" sz="8000" b="0" i="1" smtClean="0">
-                                  <a:latin typeface="Cambria Math"/>
-                                  <a:ea typeface="Cambria Math"/>
-                                </a:rPr>
-                                <m:t>𝑓</m:t>
-                              </m:r>
-                            </m:e>
-                            <m:sub>
-                              <m:r>
-                                <a:rPr lang="en-GB" sz="8000" b="0" i="1" smtClean="0">
-                                  <a:latin typeface="Cambria Math"/>
-                                  <a:ea typeface="Cambria Math"/>
-                                </a:rPr>
-                                <m:t>𝑘</m:t>
-                              </m:r>
-                            </m:sub>
-                          </m:sSub>
-                          <m:r>
-                            <a:rPr lang="en-GB" sz="8000" b="0" i="1" smtClean="0">
-                              <a:latin typeface="Cambria Math"/>
-                              <a:ea typeface="Cambria Math"/>
-                            </a:rPr>
-                            <m:t>)</m:t>
-                          </m:r>
-                        </m:e>
-                      </m:nary>
-                    </m:oMath>
-                  </m:oMathPara>
-                </a14:m>
-                <a:endParaRPr lang="en-GB" sz="8000" dirty="0"/>
-              </a:p>
-            </p:txBody>
-          </p:sp>
-        </mc:Choice>
-        <mc:Fallback xmlns="">
-          <p:sp>
-            <p:nvSpPr>
-              <p:cNvPr id="4" name="TextBox 3"/>
-              <p:cNvSpPr txBox="1">
-                <a:spLocks noRot="1" noChangeAspect="1" noMove="1" noResize="1" noEditPoints="1" noAdjustHandles="1" noChangeArrowheads="1" noChangeShapeType="1" noTextEdit="1"/>
-              </p:cNvSpPr>
-              <p:nvPr/>
-            </p:nvSpPr>
-            <p:spPr>
-              <a:xfrm>
-                <a:off x="18215893" y="15843503"/>
-                <a:ext cx="3024336" cy="3551678"/>
-              </a:xfrm>
-              <a:prstGeom prst="rect">
-                <a:avLst/>
-              </a:prstGeom>
-              <a:blipFill rotWithShape="1">
-                <a:blip r:embed="rId3"/>
-                <a:stretch>
-                  <a:fillRect r="-67742"/>
-                </a:stretch>
-              </a:blipFill>
-            </p:spPr>
-            <p:txBody>
-              <a:bodyPr/>
-              <a:lstStyle/>
-              <a:p>
-                <a:r>
-                  <a:rPr lang="en-GB">
-                    <a:noFill/>
-                  </a:rPr>
-                  <a:t> </a:t>
-                </a:r>
-              </a:p>
-            </p:txBody>
-          </p:sp>
-        </mc:Fallback>
-      </mc:AlternateContent>
-      <p:sp>
-        <p:nvSpPr>
-          <p:cNvPr id="5" name="Right Arrow 4"/>
-          <p:cNvSpPr/>
-          <p:nvPr/>
-        </p:nvSpPr>
-        <p:spPr bwMode="auto">
-          <a:xfrm>
-            <a:off x="15551597" y="16913789"/>
-            <a:ext cx="1584176" cy="1303616"/>
-          </a:xfrm>
-          <a:prstGeom prst="rightArrow">
-            <a:avLst/>
-          </a:prstGeom>
-          <a:solidFill>
-            <a:srgbClr val="FF0000"/>
-          </a:solidFill>
-          <a:ln w="38100">
-            <a:headEnd type="none" w="med" len="med"/>
-            <a:tailEnd type="none" w="med" len="med"/>
-          </a:ln>
-          <a:extLst/>
-        </p:spPr>
-        <p:style>
-          <a:lnRef idx="2">
-            <a:schemeClr val="accent4"/>
-          </a:lnRef>
-          <a:fillRef idx="1">
-            <a:schemeClr val="lt1"/>
-          </a:fillRef>
-          <a:effectRef idx="0">
-            <a:schemeClr val="accent4"/>
-          </a:effectRef>
-          <a:fontRef idx="minor">
-            <a:schemeClr val="dk1"/>
-          </a:fontRef>
-        </p:style>
-        <p:txBody>
-          <a:bodyPr vert="horz" wrap="square" lIns="457200" tIns="228600" rIns="457200" bIns="228600" numCol="1" rtlCol="0" anchor="t" anchorCtr="0" compatLnSpc="1">
-            <a:prstTxWarp prst="textNoShape">
-              <a:avLst/>
-            </a:prstTxWarp>
-          </a:bodyPr>
-          <a:lstStyle/>
-          <a:p>
-            <a:pPr marL="0" marR="0" indent="0" algn="l" defTabSz="914400" rtl="0" eaLnBrk="1" fontAlgn="base" latinLnBrk="0" hangingPunct="1">
-              <a:lnSpc>
-                <a:spcPct val="100000"/>
-              </a:lnSpc>
-              <a:spcBef>
-                <a:spcPct val="20000"/>
-              </a:spcBef>
-              <a:spcAft>
-                <a:spcPct val="0"/>
-              </a:spcAft>
-              <a:buClrTx/>
-              <a:buSzTx/>
-              <a:buFontTx/>
-              <a:buNone/>
-              <a:tabLst/>
-            </a:pPr>
-            <a:endParaRPr kumimoji="0" lang="en-GB" sz="4600" b="0" i="0" u="none" strike="noStrike" cap="none" normalizeH="0" baseline="0" dirty="0" smtClean="0">
-              <a:ln>
-                <a:noFill/>
-              </a:ln>
-              <a:solidFill>
-                <a:srgbClr val="000000"/>
-              </a:solidFill>
-              <a:effectLst/>
-              <a:latin typeface="Arial" charset="0"/>
-            </a:endParaRPr>
-          </a:p>
-        </p:txBody>
-      </p:sp>
-      <mc:AlternateContent xmlns:mc="http://schemas.openxmlformats.org/markup-compatibility/2006" xmlns:a14="http://schemas.microsoft.com/office/drawing/2010/main">
-        <mc:Choice Requires="a14">
-          <p:sp>
-            <p:nvSpPr>
-              <p:cNvPr id="6" name="TextBox 5"/>
-              <p:cNvSpPr txBox="1"/>
-              <p:nvPr/>
-            </p:nvSpPr>
-            <p:spPr>
-              <a:xfrm>
-                <a:off x="11807181" y="19475474"/>
-                <a:ext cx="1135247" cy="1200329"/>
-              </a:xfrm>
-              <a:prstGeom prst="rect">
-                <a:avLst/>
-              </a:prstGeom>
-              <a:noFill/>
-            </p:spPr>
-            <p:txBody>
-              <a:bodyPr wrap="none" rtlCol="0">
-                <a:spAutoFit/>
-              </a:bodyPr>
-              <a:lstStyle/>
-              <a:p>
-                <a:pPr/>
-                <a14:m>
-                  <m:oMathPara xmlns:m="http://schemas.openxmlformats.org/officeDocument/2006/math">
-                    <m:oMathParaPr>
-                      <m:jc m:val="centerGroup"/>
-                    </m:oMathParaPr>
-                    <m:oMath xmlns:m="http://schemas.openxmlformats.org/officeDocument/2006/math">
-                      <m:r>
-                        <a:rPr lang="en-GB" sz="7200" b="0" i="1" smtClean="0">
-                          <a:latin typeface="Cambria Math"/>
-                        </a:rPr>
-                        <m:t>…</m:t>
-                      </m:r>
-                    </m:oMath>
-                  </m:oMathPara>
-                </a14:m>
-                <a:endParaRPr lang="en-GB" dirty="0"/>
-              </a:p>
-            </p:txBody>
-          </p:sp>
-        </mc:Choice>
-        <mc:Fallback xmlns="">
-          <p:sp>
-            <p:nvSpPr>
-              <p:cNvPr id="6" name="TextBox 5"/>
-              <p:cNvSpPr txBox="1">
-                <a:spLocks noRot="1" noChangeAspect="1" noMove="1" noResize="1" noEditPoints="1" noAdjustHandles="1" noChangeArrowheads="1" noChangeShapeType="1" noTextEdit="1"/>
-              </p:cNvSpPr>
-              <p:nvPr/>
-            </p:nvSpPr>
-            <p:spPr>
-              <a:xfrm>
-                <a:off x="11807181" y="19475474"/>
-                <a:ext cx="1135247" cy="1200329"/>
-              </a:xfrm>
-              <a:prstGeom prst="rect">
-                <a:avLst/>
-              </a:prstGeom>
-              <a:blipFill rotWithShape="1">
-                <a:blip r:embed="rId4"/>
-                <a:stretch>
-                  <a:fillRect/>
-                </a:stretch>
-              </a:blipFill>
-            </p:spPr>
-            <p:txBody>
-              <a:bodyPr/>
-              <a:lstStyle/>
-              <a:p>
-                <a:r>
-                  <a:rPr lang="en-GB">
-                    <a:noFill/>
-                  </a:rPr>
-                  <a:t> </a:t>
-                </a:r>
-              </a:p>
-            </p:txBody>
-          </p:sp>
-        </mc:Fallback>
-      </mc:AlternateContent>
-      <p:sp>
-        <p:nvSpPr>
-          <p:cNvPr id="10" name="Right Arrow 9"/>
-          <p:cNvSpPr/>
-          <p:nvPr/>
-        </p:nvSpPr>
-        <p:spPr bwMode="auto">
-          <a:xfrm rot="21600000">
-            <a:off x="25056653" y="16985797"/>
-            <a:ext cx="1584176" cy="1303616"/>
-          </a:xfrm>
-          <a:prstGeom prst="rightArrow">
-            <a:avLst/>
-          </a:prstGeom>
-          <a:solidFill>
-            <a:srgbClr val="FF0000"/>
-          </a:solidFill>
-          <a:ln w="38100">
-            <a:headEnd type="none" w="med" len="med"/>
-            <a:tailEnd type="none" w="med" len="med"/>
-          </a:ln>
-          <a:extLst/>
-        </p:spPr>
-        <p:style>
-          <a:lnRef idx="2">
-            <a:schemeClr val="accent4"/>
-          </a:lnRef>
-          <a:fillRef idx="1">
-            <a:schemeClr val="lt1"/>
-          </a:fillRef>
-          <a:effectRef idx="0">
-            <a:schemeClr val="accent4"/>
-          </a:effectRef>
-          <a:fontRef idx="minor">
-            <a:schemeClr val="dk1"/>
-          </a:fontRef>
-        </p:style>
-        <p:txBody>
-          <a:bodyPr vert="horz" wrap="square" lIns="457200" tIns="228600" rIns="457200" bIns="228600" numCol="1" rtlCol="0" anchor="t" anchorCtr="0" compatLnSpc="1">
-            <a:prstTxWarp prst="textNoShape">
-              <a:avLst/>
-            </a:prstTxWarp>
-          </a:bodyPr>
-          <a:lstStyle/>
-          <a:p>
-            <a:pPr marL="0" marR="0" indent="0" algn="l" defTabSz="914400" rtl="0" eaLnBrk="1" fontAlgn="base" latinLnBrk="0" hangingPunct="1">
-              <a:lnSpc>
-                <a:spcPct val="100000"/>
-              </a:lnSpc>
-              <a:spcBef>
-                <a:spcPct val="20000"/>
-              </a:spcBef>
-              <a:spcAft>
-                <a:spcPct val="0"/>
-              </a:spcAft>
-              <a:buClrTx/>
-              <a:buSzTx/>
-              <a:buFontTx/>
-              <a:buNone/>
-              <a:tabLst/>
-            </a:pPr>
-            <a:endParaRPr kumimoji="0" lang="en-GB" sz="4600" b="0" i="0" u="none" strike="noStrike" cap="none" normalizeH="0" baseline="0" dirty="0" smtClean="0">
-              <a:ln>
-                <a:noFill/>
-              </a:ln>
-              <a:solidFill>
-                <a:srgbClr val="000000"/>
-              </a:solidFill>
-              <a:effectLst/>
-              <a:latin typeface="Arial" charset="0"/>
-            </a:endParaRPr>
-          </a:p>
-        </p:txBody>
-      </p:sp>
-      <p:graphicFrame>
-        <p:nvGraphicFramePr>
-          <p:cNvPr id="11" name="Table 10"/>
-          <p:cNvGraphicFramePr>
-            <a:graphicFrameLocks noGrp="1"/>
-          </p:cNvGraphicFramePr>
-          <p:nvPr>
-            <p:extLst>
-              <p:ext uri="{D42A27DB-BD31-4B8C-83A1-F6EECF244321}">
-                <p14:modId xmlns:p14="http://schemas.microsoft.com/office/powerpoint/2010/main" val="2423670753"/>
-              </p:ext>
-            </p:extLst>
-          </p:nvPr>
-        </p:nvGraphicFramePr>
-        <p:xfrm>
-          <a:off x="28369021" y="15855841"/>
-          <a:ext cx="4896540" cy="3960440"/>
-        </p:xfrm>
-        <a:graphic>
-          <a:graphicData uri="http://schemas.openxmlformats.org/drawingml/2006/table">
-            <a:tbl>
-              <a:tblPr firstRow="1" bandRow="1">
-                <a:tableStyleId>{5940675A-B579-460E-94D1-54222C63F5DA}</a:tableStyleId>
-              </a:tblPr>
-              <a:tblGrid>
-                <a:gridCol w="489654"/>
-                <a:gridCol w="489654"/>
-                <a:gridCol w="489654"/>
-                <a:gridCol w="489654"/>
-                <a:gridCol w="489654"/>
-                <a:gridCol w="489654"/>
-                <a:gridCol w="489654"/>
-                <a:gridCol w="489654"/>
-                <a:gridCol w="489654"/>
-                <a:gridCol w="489654"/>
-              </a:tblGrid>
-              <a:tr h="396044">
-                <a:tc>
-                  <a:txBody>
-                    <a:bodyPr/>
-                    <a:lstStyle/>
-                    <a:p>
-                      <a:pPr algn="ctr"/>
-                      <a:endParaRPr lang="en-GB" sz="1000" b="1" dirty="0"/>
-                    </a:p>
-                  </a:txBody>
-                  <a:tcPr/>
-                </a:tc>
-                <a:tc>
-                  <a:txBody>
-                    <a:bodyPr/>
-                    <a:lstStyle/>
-                    <a:p>
-                      <a:pPr algn="ctr"/>
-                      <a:endParaRPr lang="en-GB" sz="1000" b="1" dirty="0"/>
-                    </a:p>
-                  </a:txBody>
-                  <a:tcPr/>
-                </a:tc>
-                <a:tc>
-                  <a:txBody>
-                    <a:bodyPr/>
-                    <a:lstStyle/>
-                    <a:p>
-                      <a:pPr algn="ctr"/>
-                      <a:endParaRPr lang="en-GB" sz="1000" b="1" dirty="0"/>
-                    </a:p>
-                  </a:txBody>
-                  <a:tcPr/>
-                </a:tc>
-                <a:tc>
-                  <a:txBody>
-                    <a:bodyPr/>
-                    <a:lstStyle/>
-                    <a:p>
-                      <a:pPr algn="ctr"/>
-                      <a:endParaRPr lang="en-GB" sz="1000" b="1" dirty="0"/>
-                    </a:p>
-                  </a:txBody>
-                  <a:tcPr/>
-                </a:tc>
-                <a:tc>
-                  <a:txBody>
-                    <a:bodyPr/>
-                    <a:lstStyle/>
-                    <a:p>
-                      <a:pPr algn="ctr"/>
-                      <a:endParaRPr lang="en-GB" sz="1000" b="1" dirty="0"/>
-                    </a:p>
-                  </a:txBody>
-                  <a:tcPr/>
-                </a:tc>
-                <a:tc>
-                  <a:txBody>
-                    <a:bodyPr/>
-                    <a:lstStyle/>
-                    <a:p>
-                      <a:pPr algn="ctr"/>
-                      <a:endParaRPr lang="en-GB" sz="1000" b="1" dirty="0"/>
-                    </a:p>
-                  </a:txBody>
-                  <a:tcPr/>
-                </a:tc>
-                <a:tc>
-                  <a:txBody>
-                    <a:bodyPr/>
-                    <a:lstStyle/>
-                    <a:p>
-                      <a:pPr algn="ctr"/>
-                      <a:endParaRPr lang="en-GB" sz="1000" b="1" dirty="0"/>
-                    </a:p>
-                  </a:txBody>
-                  <a:tcPr/>
-                </a:tc>
-                <a:tc>
-                  <a:txBody>
-                    <a:bodyPr/>
-                    <a:lstStyle/>
-                    <a:p>
-                      <a:pPr algn="ctr"/>
-                      <a:endParaRPr lang="en-GB" sz="1000" b="1" dirty="0"/>
-                    </a:p>
-                  </a:txBody>
-                  <a:tcPr/>
-                </a:tc>
-                <a:tc>
-                  <a:txBody>
-                    <a:bodyPr/>
-                    <a:lstStyle/>
-                    <a:p>
-                      <a:pPr algn="ctr"/>
-                      <a:endParaRPr lang="en-GB" sz="1000" b="1" dirty="0"/>
-                    </a:p>
-                  </a:txBody>
-                  <a:tcPr/>
-                </a:tc>
-                <a:tc>
-                  <a:txBody>
-                    <a:bodyPr/>
-                    <a:lstStyle/>
-                    <a:p>
-                      <a:pPr algn="ctr"/>
-                      <a:endParaRPr lang="en-GB" sz="1000" b="1" dirty="0"/>
-                    </a:p>
-                  </a:txBody>
-                  <a:tcPr/>
-                </a:tc>
-              </a:tr>
-              <a:tr h="396044">
-                <a:tc>
-                  <a:txBody>
-                    <a:bodyPr/>
-                    <a:lstStyle/>
-                    <a:p>
-                      <a:pPr algn="ctr"/>
-                      <a:endParaRPr lang="en-GB" sz="1000" b="1" dirty="0"/>
-                    </a:p>
-                  </a:txBody>
-                  <a:tcPr/>
-                </a:tc>
-                <a:tc>
-                  <a:txBody>
-                    <a:bodyPr/>
-                    <a:lstStyle/>
-                    <a:p>
-                      <a:pPr algn="ctr"/>
-                      <a:endParaRPr lang="en-GB" sz="1000" b="1" dirty="0"/>
-                    </a:p>
-                  </a:txBody>
-                  <a:tcPr/>
-                </a:tc>
-                <a:tc>
-                  <a:txBody>
-                    <a:bodyPr/>
-                    <a:lstStyle/>
-                    <a:p>
-                      <a:pPr algn="ctr"/>
-                      <a:endParaRPr lang="en-GB" sz="1000" b="1" dirty="0"/>
-                    </a:p>
-                  </a:txBody>
-                  <a:tcPr/>
-                </a:tc>
-                <a:tc>
-                  <a:txBody>
-                    <a:bodyPr/>
-                    <a:lstStyle/>
-                    <a:p>
-                      <a:pPr algn="ctr"/>
-                      <a:endParaRPr lang="en-GB" sz="1000" b="1" dirty="0"/>
-                    </a:p>
-                  </a:txBody>
-                  <a:tcPr/>
-                </a:tc>
-                <a:tc>
-                  <a:txBody>
-                    <a:bodyPr/>
-                    <a:lstStyle/>
-                    <a:p>
-                      <a:pPr algn="ctr"/>
-                      <a:endParaRPr lang="en-GB" sz="1000" b="1" dirty="0"/>
-                    </a:p>
-                  </a:txBody>
-                  <a:tcPr/>
-                </a:tc>
-                <a:tc>
-                  <a:txBody>
-                    <a:bodyPr/>
-                    <a:lstStyle/>
-                    <a:p>
-                      <a:pPr algn="ctr"/>
-                      <a:endParaRPr lang="en-GB" sz="1000" b="1" dirty="0"/>
-                    </a:p>
-                  </a:txBody>
-                  <a:tcPr/>
-                </a:tc>
-                <a:tc>
-                  <a:txBody>
-                    <a:bodyPr/>
-                    <a:lstStyle/>
-                    <a:p>
-                      <a:pPr algn="ctr"/>
-                      <a:endParaRPr lang="en-GB" sz="1000" b="1" dirty="0"/>
-                    </a:p>
-                  </a:txBody>
-                  <a:tcPr/>
-                </a:tc>
-                <a:tc>
-                  <a:txBody>
-                    <a:bodyPr/>
-                    <a:lstStyle/>
-                    <a:p>
-                      <a:pPr algn="ctr"/>
-                      <a:endParaRPr lang="en-GB" sz="1000" b="1" dirty="0"/>
-                    </a:p>
-                  </a:txBody>
-                  <a:tcPr/>
-                </a:tc>
-                <a:tc>
-                  <a:txBody>
-                    <a:bodyPr/>
-                    <a:lstStyle/>
-                    <a:p>
-                      <a:pPr algn="ctr"/>
-                      <a:endParaRPr lang="en-GB" sz="1000" b="1" dirty="0"/>
-                    </a:p>
-                  </a:txBody>
-                  <a:tcPr/>
-                </a:tc>
-                <a:tc>
-                  <a:txBody>
-                    <a:bodyPr/>
-                    <a:lstStyle/>
-                    <a:p>
-                      <a:pPr algn="ctr"/>
-                      <a:endParaRPr lang="en-GB" sz="1000" b="1" dirty="0"/>
-                    </a:p>
-                  </a:txBody>
-                  <a:tcPr/>
-                </a:tc>
-              </a:tr>
-              <a:tr h="396044">
-                <a:tc>
-                  <a:txBody>
-                    <a:bodyPr/>
-                    <a:lstStyle/>
-                    <a:p>
-                      <a:pPr algn="ctr"/>
-                      <a:endParaRPr lang="en-GB" sz="1000" b="1" dirty="0"/>
-                    </a:p>
-                  </a:txBody>
-                  <a:tcPr/>
-                </a:tc>
-                <a:tc>
-                  <a:txBody>
-                    <a:bodyPr/>
-                    <a:lstStyle/>
-                    <a:p>
-                      <a:pPr algn="ctr"/>
-                      <a:endParaRPr lang="en-GB" sz="1000" b="1" dirty="0"/>
-                    </a:p>
-                  </a:txBody>
-                  <a:tcPr/>
-                </a:tc>
-                <a:tc>
-                  <a:txBody>
-                    <a:bodyPr/>
-                    <a:lstStyle/>
-                    <a:p>
-                      <a:pPr algn="ctr"/>
-                      <a:endParaRPr lang="en-GB" sz="1000" b="1" dirty="0"/>
-                    </a:p>
-                  </a:txBody>
-                  <a:tcPr/>
-                </a:tc>
-                <a:tc>
-                  <a:txBody>
-                    <a:bodyPr/>
-                    <a:lstStyle/>
-                    <a:p>
-                      <a:pPr algn="ctr"/>
-                      <a:endParaRPr lang="en-GB" sz="1000" b="1" dirty="0"/>
-                    </a:p>
-                  </a:txBody>
-                  <a:tcPr/>
-                </a:tc>
-                <a:tc>
-                  <a:txBody>
-                    <a:bodyPr/>
-                    <a:lstStyle/>
-                    <a:p>
-                      <a:pPr algn="ctr"/>
-                      <a:endParaRPr lang="en-GB" sz="1000" b="1" dirty="0"/>
-                    </a:p>
-                  </a:txBody>
-                  <a:tcPr/>
-                </a:tc>
-                <a:tc>
-                  <a:txBody>
-                    <a:bodyPr/>
-                    <a:lstStyle/>
-                    <a:p>
-                      <a:pPr algn="ctr"/>
-                      <a:endParaRPr lang="en-GB" sz="1000" b="1" dirty="0"/>
-                    </a:p>
-                  </a:txBody>
-                  <a:tcPr/>
-                </a:tc>
-                <a:tc>
-                  <a:txBody>
-                    <a:bodyPr/>
-                    <a:lstStyle/>
-                    <a:p>
-                      <a:pPr algn="ctr"/>
-                      <a:endParaRPr lang="en-GB" sz="1000" b="1" dirty="0"/>
-                    </a:p>
-                  </a:txBody>
-                  <a:tcPr/>
-                </a:tc>
-                <a:tc>
-                  <a:txBody>
-                    <a:bodyPr/>
-                    <a:lstStyle/>
-                    <a:p>
-                      <a:pPr algn="ctr"/>
-                      <a:endParaRPr lang="en-GB" sz="1000" b="1" dirty="0"/>
-                    </a:p>
-                  </a:txBody>
-                  <a:tcPr/>
-                </a:tc>
-                <a:tc>
-                  <a:txBody>
-                    <a:bodyPr/>
-                    <a:lstStyle/>
-                    <a:p>
-                      <a:pPr algn="ctr"/>
-                      <a:endParaRPr lang="en-GB" sz="1000" b="1" dirty="0"/>
-                    </a:p>
-                  </a:txBody>
-                  <a:tcPr/>
-                </a:tc>
-                <a:tc>
-                  <a:txBody>
-                    <a:bodyPr/>
-                    <a:lstStyle/>
-                    <a:p>
-                      <a:pPr algn="ctr"/>
-                      <a:endParaRPr lang="en-GB" sz="1000" b="1" dirty="0"/>
-                    </a:p>
-                  </a:txBody>
-                  <a:tcPr/>
-                </a:tc>
-              </a:tr>
-              <a:tr h="396044">
-                <a:tc>
-                  <a:txBody>
-                    <a:bodyPr/>
-                    <a:lstStyle/>
-                    <a:p>
-                      <a:pPr algn="ctr"/>
-                      <a:endParaRPr lang="en-GB" sz="1000" b="1" dirty="0"/>
-                    </a:p>
-                  </a:txBody>
-                  <a:tcPr/>
-                </a:tc>
-                <a:tc>
-                  <a:txBody>
-                    <a:bodyPr/>
-                    <a:lstStyle/>
-                    <a:p>
-                      <a:pPr algn="ctr"/>
-                      <a:endParaRPr lang="en-GB" sz="1000" b="1" dirty="0"/>
-                    </a:p>
-                  </a:txBody>
-                  <a:tcPr/>
-                </a:tc>
-                <a:tc>
-                  <a:txBody>
-                    <a:bodyPr/>
-                    <a:lstStyle/>
-                    <a:p>
-                      <a:pPr algn="ctr"/>
-                      <a:endParaRPr lang="en-GB" sz="1000" b="1" dirty="0"/>
-                    </a:p>
-                  </a:txBody>
-                  <a:tcPr/>
-                </a:tc>
-                <a:tc>
-                  <a:txBody>
-                    <a:bodyPr/>
-                    <a:lstStyle/>
-                    <a:p>
-                      <a:pPr algn="ctr"/>
-                      <a:endParaRPr lang="en-GB" sz="1000" b="1" dirty="0"/>
-                    </a:p>
-                  </a:txBody>
-                  <a:tcPr/>
-                </a:tc>
-                <a:tc>
-                  <a:txBody>
-                    <a:bodyPr/>
-                    <a:lstStyle/>
-                    <a:p>
-                      <a:pPr algn="ctr"/>
-                      <a:endParaRPr lang="en-GB" sz="1000" b="1" dirty="0"/>
-                    </a:p>
-                  </a:txBody>
-                  <a:tcPr/>
-                </a:tc>
-                <a:tc>
-                  <a:txBody>
-                    <a:bodyPr/>
-                    <a:lstStyle/>
-                    <a:p>
-                      <a:pPr algn="ctr"/>
-                      <a:endParaRPr lang="en-GB" sz="1000" b="1" dirty="0"/>
-                    </a:p>
-                  </a:txBody>
-                  <a:tcPr/>
-                </a:tc>
-                <a:tc>
-                  <a:txBody>
-                    <a:bodyPr/>
-                    <a:lstStyle/>
-                    <a:p>
-                      <a:pPr algn="ctr"/>
-                      <a:endParaRPr lang="en-GB" sz="1000" b="1" dirty="0"/>
-                    </a:p>
-                  </a:txBody>
-                  <a:tcPr/>
-                </a:tc>
-                <a:tc>
-                  <a:txBody>
-                    <a:bodyPr/>
-                    <a:lstStyle/>
-                    <a:p>
-                      <a:pPr algn="ctr"/>
-                      <a:endParaRPr lang="en-GB" sz="1000" b="1" dirty="0"/>
-                    </a:p>
-                  </a:txBody>
-                  <a:tcPr/>
-                </a:tc>
-                <a:tc>
-                  <a:txBody>
-                    <a:bodyPr/>
-                    <a:lstStyle/>
-                    <a:p>
-                      <a:pPr algn="ctr"/>
-                      <a:endParaRPr lang="en-GB" sz="1000" b="1" dirty="0"/>
-                    </a:p>
-                  </a:txBody>
-                  <a:tcPr/>
-                </a:tc>
-                <a:tc>
-                  <a:txBody>
-                    <a:bodyPr/>
-                    <a:lstStyle/>
-                    <a:p>
-                      <a:pPr algn="ctr"/>
-                      <a:endParaRPr lang="en-GB" sz="1000" b="1" dirty="0"/>
-                    </a:p>
-                  </a:txBody>
-                  <a:tcPr/>
-                </a:tc>
-              </a:tr>
-              <a:tr h="396044">
-                <a:tc>
-                  <a:txBody>
-                    <a:bodyPr/>
-                    <a:lstStyle/>
-                    <a:p>
-                      <a:pPr algn="ctr"/>
-                      <a:endParaRPr lang="en-GB" sz="1000" b="1" dirty="0"/>
-                    </a:p>
-                  </a:txBody>
-                  <a:tcPr/>
-                </a:tc>
-                <a:tc>
-                  <a:txBody>
-                    <a:bodyPr/>
-                    <a:lstStyle/>
-                    <a:p>
-                      <a:pPr algn="ctr"/>
-                      <a:endParaRPr lang="en-GB" sz="1000" b="1" dirty="0"/>
-                    </a:p>
-                  </a:txBody>
-                  <a:tcPr/>
-                </a:tc>
-                <a:tc>
-                  <a:txBody>
-                    <a:bodyPr/>
-                    <a:lstStyle/>
-                    <a:p>
-                      <a:pPr algn="ctr"/>
-                      <a:endParaRPr lang="en-GB" sz="1000" b="1" dirty="0"/>
-                    </a:p>
-                  </a:txBody>
-                  <a:tcPr/>
-                </a:tc>
-                <a:tc>
-                  <a:txBody>
-                    <a:bodyPr/>
-                    <a:lstStyle/>
-                    <a:p>
-                      <a:pPr algn="ctr"/>
-                      <a:endParaRPr lang="en-GB" sz="1000" b="1" dirty="0"/>
-                    </a:p>
-                  </a:txBody>
-                  <a:tcPr/>
-                </a:tc>
-                <a:tc>
-                  <a:txBody>
-                    <a:bodyPr/>
-                    <a:lstStyle/>
-                    <a:p>
-                      <a:pPr algn="ctr"/>
-                      <a:endParaRPr lang="en-GB" sz="1000" b="1" dirty="0"/>
-                    </a:p>
-                  </a:txBody>
-                  <a:tcPr/>
-                </a:tc>
-                <a:tc>
-                  <a:txBody>
-                    <a:bodyPr/>
-                    <a:lstStyle/>
-                    <a:p>
-                      <a:pPr algn="ctr"/>
-                      <a:endParaRPr lang="en-GB" sz="1000" b="1" dirty="0"/>
-                    </a:p>
-                  </a:txBody>
-                  <a:tcPr/>
-                </a:tc>
-                <a:tc>
-                  <a:txBody>
-                    <a:bodyPr/>
-                    <a:lstStyle/>
-                    <a:p>
-                      <a:pPr algn="ctr"/>
-                      <a:endParaRPr lang="en-GB" sz="1000" b="1" dirty="0"/>
-                    </a:p>
-                  </a:txBody>
-                  <a:tcPr/>
-                </a:tc>
-                <a:tc>
-                  <a:txBody>
-                    <a:bodyPr/>
-                    <a:lstStyle/>
-                    <a:p>
-                      <a:pPr algn="ctr"/>
-                      <a:endParaRPr lang="en-GB" sz="1000" b="1" dirty="0"/>
-                    </a:p>
-                  </a:txBody>
-                  <a:tcPr/>
-                </a:tc>
-                <a:tc>
-                  <a:txBody>
-                    <a:bodyPr/>
-                    <a:lstStyle/>
-                    <a:p>
-                      <a:pPr algn="ctr"/>
-                      <a:endParaRPr lang="en-GB" sz="1000" b="1" dirty="0"/>
-                    </a:p>
-                  </a:txBody>
-                  <a:tcPr/>
-                </a:tc>
-                <a:tc>
-                  <a:txBody>
-                    <a:bodyPr/>
-                    <a:lstStyle/>
-                    <a:p>
-                      <a:pPr algn="ctr"/>
-                      <a:endParaRPr lang="en-GB" sz="1000" b="1" dirty="0"/>
-                    </a:p>
-                  </a:txBody>
-                  <a:tcPr/>
-                </a:tc>
-              </a:tr>
-              <a:tr h="396044">
-                <a:tc>
-                  <a:txBody>
-                    <a:bodyPr/>
-                    <a:lstStyle/>
-                    <a:p>
-                      <a:pPr algn="ctr"/>
-                      <a:endParaRPr lang="en-GB" sz="1000" b="1" dirty="0"/>
-                    </a:p>
-                  </a:txBody>
-                  <a:tcPr/>
-                </a:tc>
-                <a:tc>
-                  <a:txBody>
-                    <a:bodyPr/>
-                    <a:lstStyle/>
-                    <a:p>
-                      <a:pPr algn="ctr"/>
-                      <a:endParaRPr lang="en-GB" sz="1000" b="1" dirty="0"/>
-                    </a:p>
-                  </a:txBody>
-                  <a:tcPr/>
-                </a:tc>
-                <a:tc>
-                  <a:txBody>
-                    <a:bodyPr/>
-                    <a:lstStyle/>
-                    <a:p>
-                      <a:pPr algn="ctr"/>
-                      <a:endParaRPr lang="en-GB" sz="1000" b="1" dirty="0"/>
-                    </a:p>
-                  </a:txBody>
-                  <a:tcPr/>
-                </a:tc>
-                <a:tc>
-                  <a:txBody>
-                    <a:bodyPr/>
-                    <a:lstStyle/>
-                    <a:p>
-                      <a:pPr algn="ctr"/>
-                      <a:endParaRPr lang="en-GB" sz="1000" b="1" dirty="0"/>
-                    </a:p>
-                  </a:txBody>
-                  <a:tcPr/>
-                </a:tc>
-                <a:tc>
-                  <a:txBody>
-                    <a:bodyPr/>
-                    <a:lstStyle/>
-                    <a:p>
-                      <a:pPr algn="ctr"/>
-                      <a:endParaRPr lang="en-GB" sz="1000" b="1" dirty="0"/>
-                    </a:p>
-                  </a:txBody>
-                  <a:tcPr/>
-                </a:tc>
-                <a:tc>
-                  <a:txBody>
-                    <a:bodyPr/>
-                    <a:lstStyle/>
-                    <a:p>
-                      <a:pPr algn="ctr"/>
-                      <a:endParaRPr lang="en-GB" sz="1000" b="1" dirty="0"/>
-                    </a:p>
-                  </a:txBody>
-                  <a:tcPr/>
-                </a:tc>
-                <a:tc>
-                  <a:txBody>
-                    <a:bodyPr/>
-                    <a:lstStyle/>
-                    <a:p>
-                      <a:pPr algn="ctr"/>
-                      <a:endParaRPr lang="en-GB" sz="1000" b="1" dirty="0"/>
-                    </a:p>
-                  </a:txBody>
-                  <a:tcPr/>
-                </a:tc>
-                <a:tc>
-                  <a:txBody>
-                    <a:bodyPr/>
-                    <a:lstStyle/>
-                    <a:p>
-                      <a:pPr algn="ctr"/>
-                      <a:endParaRPr lang="en-GB" sz="1000" b="1" dirty="0"/>
-                    </a:p>
-                  </a:txBody>
-                  <a:tcPr/>
-                </a:tc>
-                <a:tc>
-                  <a:txBody>
-                    <a:bodyPr/>
-                    <a:lstStyle/>
-                    <a:p>
-                      <a:pPr algn="ctr"/>
-                      <a:endParaRPr lang="en-GB" sz="1000" b="1" dirty="0"/>
-                    </a:p>
-                  </a:txBody>
-                  <a:tcPr/>
-                </a:tc>
-                <a:tc>
-                  <a:txBody>
-                    <a:bodyPr/>
-                    <a:lstStyle/>
-                    <a:p>
-                      <a:pPr algn="ctr"/>
-                      <a:endParaRPr lang="en-GB" sz="1000" b="1" dirty="0"/>
-                    </a:p>
-                  </a:txBody>
-                  <a:tcPr/>
-                </a:tc>
-              </a:tr>
-              <a:tr h="396044">
-                <a:tc>
-                  <a:txBody>
-                    <a:bodyPr/>
-                    <a:lstStyle/>
-                    <a:p>
-                      <a:pPr algn="ctr"/>
-                      <a:endParaRPr lang="en-GB" sz="1000" b="1" dirty="0"/>
-                    </a:p>
-                  </a:txBody>
-                  <a:tcPr/>
-                </a:tc>
-                <a:tc>
-                  <a:txBody>
-                    <a:bodyPr/>
-                    <a:lstStyle/>
-                    <a:p>
-                      <a:pPr algn="ctr"/>
-                      <a:endParaRPr lang="en-GB" sz="1000" b="1" dirty="0"/>
-                    </a:p>
-                  </a:txBody>
-                  <a:tcPr/>
-                </a:tc>
-                <a:tc>
-                  <a:txBody>
-                    <a:bodyPr/>
-                    <a:lstStyle/>
-                    <a:p>
-                      <a:pPr algn="ctr"/>
-                      <a:endParaRPr lang="en-GB" sz="1000" b="1" dirty="0"/>
-                    </a:p>
-                  </a:txBody>
-                  <a:tcPr/>
-                </a:tc>
-                <a:tc>
-                  <a:txBody>
-                    <a:bodyPr/>
-                    <a:lstStyle/>
-                    <a:p>
-                      <a:pPr algn="ctr"/>
-                      <a:endParaRPr lang="en-GB" sz="1000" b="1" dirty="0"/>
-                    </a:p>
-                  </a:txBody>
-                  <a:tcPr/>
-                </a:tc>
-                <a:tc>
-                  <a:txBody>
-                    <a:bodyPr/>
-                    <a:lstStyle/>
-                    <a:p>
-                      <a:pPr algn="ctr"/>
-                      <a:endParaRPr lang="en-GB" sz="1000" b="1" dirty="0"/>
-                    </a:p>
-                  </a:txBody>
-                  <a:tcPr/>
-                </a:tc>
-                <a:tc>
-                  <a:txBody>
-                    <a:bodyPr/>
-                    <a:lstStyle/>
-                    <a:p>
-                      <a:pPr algn="ctr"/>
-                      <a:endParaRPr lang="en-GB" sz="1000" b="1" dirty="0"/>
-                    </a:p>
-                  </a:txBody>
-                  <a:tcPr/>
-                </a:tc>
-                <a:tc>
-                  <a:txBody>
-                    <a:bodyPr/>
-                    <a:lstStyle/>
-                    <a:p>
-                      <a:pPr algn="ctr"/>
-                      <a:endParaRPr lang="en-GB" sz="1000" b="1" dirty="0"/>
-                    </a:p>
-                  </a:txBody>
-                  <a:tcPr/>
-                </a:tc>
-                <a:tc>
-                  <a:txBody>
-                    <a:bodyPr/>
-                    <a:lstStyle/>
-                    <a:p>
-                      <a:pPr algn="ctr"/>
-                      <a:endParaRPr lang="en-GB" sz="1000" b="1" dirty="0"/>
-                    </a:p>
-                  </a:txBody>
-                  <a:tcPr/>
-                </a:tc>
-                <a:tc>
-                  <a:txBody>
-                    <a:bodyPr/>
-                    <a:lstStyle/>
-                    <a:p>
-                      <a:pPr algn="ctr"/>
-                      <a:endParaRPr lang="en-GB" sz="1000" b="1" dirty="0"/>
-                    </a:p>
-                  </a:txBody>
-                  <a:tcPr/>
-                </a:tc>
-                <a:tc>
-                  <a:txBody>
-                    <a:bodyPr/>
-                    <a:lstStyle/>
-                    <a:p>
-                      <a:pPr algn="ctr"/>
-                      <a:endParaRPr lang="en-GB" sz="1000" b="1" dirty="0"/>
-                    </a:p>
-                  </a:txBody>
-                  <a:tcPr/>
-                </a:tc>
-              </a:tr>
-              <a:tr h="396044">
-                <a:tc>
-                  <a:txBody>
-                    <a:bodyPr/>
-                    <a:lstStyle/>
-                    <a:p>
-                      <a:pPr algn="ctr"/>
-                      <a:endParaRPr lang="en-GB" sz="1000" b="1" dirty="0"/>
-                    </a:p>
-                  </a:txBody>
-                  <a:tcPr/>
-                </a:tc>
-                <a:tc>
-                  <a:txBody>
-                    <a:bodyPr/>
-                    <a:lstStyle/>
-                    <a:p>
-                      <a:pPr algn="ctr"/>
-                      <a:endParaRPr lang="en-GB" sz="1000" b="1" dirty="0"/>
-                    </a:p>
-                  </a:txBody>
-                  <a:tcPr/>
-                </a:tc>
-                <a:tc>
-                  <a:txBody>
-                    <a:bodyPr/>
-                    <a:lstStyle/>
-                    <a:p>
-                      <a:pPr algn="ctr"/>
-                      <a:endParaRPr lang="en-GB" sz="1000" b="1" dirty="0"/>
-                    </a:p>
-                  </a:txBody>
-                  <a:tcPr/>
-                </a:tc>
-                <a:tc>
-                  <a:txBody>
-                    <a:bodyPr/>
-                    <a:lstStyle/>
-                    <a:p>
-                      <a:pPr algn="ctr"/>
-                      <a:endParaRPr lang="en-GB" sz="1000" b="1" dirty="0"/>
-                    </a:p>
-                  </a:txBody>
-                  <a:tcPr/>
-                </a:tc>
-                <a:tc>
-                  <a:txBody>
-                    <a:bodyPr/>
-                    <a:lstStyle/>
-                    <a:p>
-                      <a:pPr algn="ctr"/>
-                      <a:endParaRPr lang="en-GB" sz="1000" b="1" dirty="0"/>
-                    </a:p>
-                  </a:txBody>
-                  <a:tcPr/>
-                </a:tc>
-                <a:tc>
-                  <a:txBody>
-                    <a:bodyPr/>
-                    <a:lstStyle/>
-                    <a:p>
-                      <a:pPr algn="ctr"/>
-                      <a:endParaRPr lang="en-GB" sz="1000" b="1" dirty="0"/>
-                    </a:p>
-                  </a:txBody>
-                  <a:tcPr/>
-                </a:tc>
-                <a:tc>
-                  <a:txBody>
-                    <a:bodyPr/>
-                    <a:lstStyle/>
-                    <a:p>
-                      <a:pPr algn="ctr"/>
-                      <a:endParaRPr lang="en-GB" sz="1000" b="1" dirty="0"/>
-                    </a:p>
-                  </a:txBody>
-                  <a:tcPr/>
-                </a:tc>
-                <a:tc>
-                  <a:txBody>
-                    <a:bodyPr/>
-                    <a:lstStyle/>
-                    <a:p>
-                      <a:pPr algn="ctr"/>
-                      <a:endParaRPr lang="en-GB" sz="1000" b="1" dirty="0"/>
-                    </a:p>
-                  </a:txBody>
-                  <a:tcPr/>
-                </a:tc>
-                <a:tc>
-                  <a:txBody>
-                    <a:bodyPr/>
-                    <a:lstStyle/>
-                    <a:p>
-                      <a:pPr algn="ctr"/>
-                      <a:endParaRPr lang="en-GB" sz="1000" b="1" dirty="0"/>
-                    </a:p>
-                  </a:txBody>
-                  <a:tcPr/>
-                </a:tc>
-                <a:tc>
-                  <a:txBody>
-                    <a:bodyPr/>
-                    <a:lstStyle/>
-                    <a:p>
-                      <a:pPr algn="ctr"/>
-                      <a:endParaRPr lang="en-GB" sz="1000" b="1" dirty="0"/>
-                    </a:p>
-                  </a:txBody>
-                  <a:tcPr/>
-                </a:tc>
-              </a:tr>
-              <a:tr h="396044">
-                <a:tc>
-                  <a:txBody>
-                    <a:bodyPr/>
-                    <a:lstStyle/>
-                    <a:p>
-                      <a:pPr algn="ctr"/>
-                      <a:endParaRPr lang="en-GB" sz="1000" b="1" dirty="0"/>
-                    </a:p>
-                  </a:txBody>
-                  <a:tcPr/>
-                </a:tc>
-                <a:tc>
-                  <a:txBody>
-                    <a:bodyPr/>
-                    <a:lstStyle/>
-                    <a:p>
-                      <a:pPr algn="ctr"/>
-                      <a:endParaRPr lang="en-GB" sz="1000" b="1" dirty="0"/>
-                    </a:p>
-                  </a:txBody>
-                  <a:tcPr/>
-                </a:tc>
-                <a:tc>
-                  <a:txBody>
-                    <a:bodyPr/>
-                    <a:lstStyle/>
-                    <a:p>
-                      <a:pPr algn="ctr"/>
-                      <a:endParaRPr lang="en-GB" sz="1000" b="1" dirty="0"/>
-                    </a:p>
-                  </a:txBody>
-                  <a:tcPr/>
-                </a:tc>
-                <a:tc>
-                  <a:txBody>
-                    <a:bodyPr/>
-                    <a:lstStyle/>
-                    <a:p>
-                      <a:pPr algn="ctr"/>
-                      <a:endParaRPr lang="en-GB" sz="1000" b="1" dirty="0"/>
-                    </a:p>
-                  </a:txBody>
-                  <a:tcPr/>
-                </a:tc>
-                <a:tc>
-                  <a:txBody>
-                    <a:bodyPr/>
-                    <a:lstStyle/>
-                    <a:p>
-                      <a:pPr algn="ctr"/>
-                      <a:endParaRPr lang="en-GB" sz="1000" b="1" dirty="0"/>
-                    </a:p>
-                  </a:txBody>
-                  <a:tcPr/>
-                </a:tc>
-                <a:tc>
-                  <a:txBody>
-                    <a:bodyPr/>
-                    <a:lstStyle/>
-                    <a:p>
-                      <a:pPr algn="ctr"/>
-                      <a:endParaRPr lang="en-GB" sz="1000" b="1" dirty="0"/>
-                    </a:p>
-                  </a:txBody>
-                  <a:tcPr/>
-                </a:tc>
-                <a:tc>
-                  <a:txBody>
-                    <a:bodyPr/>
-                    <a:lstStyle/>
-                    <a:p>
-                      <a:pPr algn="ctr"/>
-                      <a:endParaRPr lang="en-GB" sz="1000" b="1" dirty="0"/>
-                    </a:p>
-                  </a:txBody>
-                  <a:tcPr/>
-                </a:tc>
-                <a:tc>
-                  <a:txBody>
-                    <a:bodyPr/>
-                    <a:lstStyle/>
-                    <a:p>
-                      <a:pPr algn="ctr"/>
-                      <a:endParaRPr lang="en-GB" sz="1000" b="1" dirty="0"/>
-                    </a:p>
-                  </a:txBody>
-                  <a:tcPr/>
-                </a:tc>
-                <a:tc>
-                  <a:txBody>
-                    <a:bodyPr/>
-                    <a:lstStyle/>
-                    <a:p>
-                      <a:pPr algn="ctr"/>
-                      <a:endParaRPr lang="en-GB" sz="1000" b="1" dirty="0"/>
-                    </a:p>
-                  </a:txBody>
-                  <a:tcPr/>
-                </a:tc>
-                <a:tc>
-                  <a:txBody>
-                    <a:bodyPr/>
-                    <a:lstStyle/>
-                    <a:p>
-                      <a:pPr algn="ctr"/>
-                      <a:endParaRPr lang="en-GB" sz="1000" b="1" dirty="0"/>
-                    </a:p>
-                  </a:txBody>
-                  <a:tcPr/>
-                </a:tc>
-              </a:tr>
-              <a:tr h="396044">
-                <a:tc>
-                  <a:txBody>
-                    <a:bodyPr/>
-                    <a:lstStyle/>
-                    <a:p>
-                      <a:pPr algn="ctr"/>
-                      <a:endParaRPr lang="en-GB" sz="1000" b="1" dirty="0"/>
-                    </a:p>
-                  </a:txBody>
-                  <a:tcPr/>
-                </a:tc>
-                <a:tc>
-                  <a:txBody>
-                    <a:bodyPr/>
-                    <a:lstStyle/>
-                    <a:p>
-                      <a:pPr algn="ctr"/>
-                      <a:endParaRPr lang="en-GB" sz="1000" b="1" dirty="0"/>
-                    </a:p>
-                  </a:txBody>
-                  <a:tcPr/>
-                </a:tc>
-                <a:tc>
-                  <a:txBody>
-                    <a:bodyPr/>
-                    <a:lstStyle/>
-                    <a:p>
-                      <a:pPr algn="ctr"/>
-                      <a:endParaRPr lang="en-GB" sz="1000" b="1" dirty="0"/>
-                    </a:p>
-                  </a:txBody>
-                  <a:tcPr/>
-                </a:tc>
-                <a:tc>
-                  <a:txBody>
-                    <a:bodyPr/>
-                    <a:lstStyle/>
-                    <a:p>
-                      <a:pPr algn="ctr"/>
-                      <a:endParaRPr lang="en-GB" sz="1000" b="1" dirty="0"/>
-                    </a:p>
-                  </a:txBody>
-                  <a:tcPr/>
-                </a:tc>
-                <a:tc>
-                  <a:txBody>
-                    <a:bodyPr/>
-                    <a:lstStyle/>
-                    <a:p>
-                      <a:pPr algn="ctr"/>
-                      <a:endParaRPr lang="en-GB" sz="1000" b="1" dirty="0"/>
-                    </a:p>
-                  </a:txBody>
-                  <a:tcPr/>
-                </a:tc>
-                <a:tc>
-                  <a:txBody>
-                    <a:bodyPr/>
-                    <a:lstStyle/>
-                    <a:p>
-                      <a:pPr algn="ctr"/>
-                      <a:endParaRPr lang="en-GB" sz="1000" b="1" dirty="0"/>
-                    </a:p>
-                  </a:txBody>
-                  <a:tcPr/>
-                </a:tc>
-                <a:tc>
-                  <a:txBody>
-                    <a:bodyPr/>
-                    <a:lstStyle/>
-                    <a:p>
-                      <a:pPr algn="ctr"/>
-                      <a:endParaRPr lang="en-GB" sz="1000" b="1" dirty="0"/>
-                    </a:p>
-                  </a:txBody>
-                  <a:tcPr/>
-                </a:tc>
-                <a:tc>
-                  <a:txBody>
-                    <a:bodyPr/>
-                    <a:lstStyle/>
-                    <a:p>
-                      <a:pPr algn="ctr"/>
-                      <a:endParaRPr lang="en-GB" sz="1000" b="1" dirty="0"/>
-                    </a:p>
-                  </a:txBody>
-                  <a:tcPr/>
-                </a:tc>
-                <a:tc>
-                  <a:txBody>
-                    <a:bodyPr/>
-                    <a:lstStyle/>
-                    <a:p>
-                      <a:pPr algn="ctr"/>
-                      <a:endParaRPr lang="en-GB" sz="1000" b="1" dirty="0"/>
-                    </a:p>
-                  </a:txBody>
-                  <a:tcPr/>
-                </a:tc>
-                <a:tc>
-                  <a:txBody>
-                    <a:bodyPr/>
-                    <a:lstStyle/>
-                    <a:p>
-                      <a:pPr algn="ctr"/>
-                      <a:endParaRPr lang="en-GB" sz="1000" b="1" dirty="0"/>
-                    </a:p>
-                  </a:txBody>
-                  <a:tcPr/>
-                </a:tc>
-              </a:tr>
-            </a:tbl>
-          </a:graphicData>
-        </a:graphic>
-      </p:graphicFrame>
-      <mc:AlternateContent xmlns:mc="http://schemas.openxmlformats.org/markup-compatibility/2006" xmlns:a14="http://schemas.microsoft.com/office/drawing/2010/main">
-        <mc:Choice Requires="a14">
-          <p:sp>
-            <p:nvSpPr>
-              <p:cNvPr id="7" name="TextBox 6"/>
-              <p:cNvSpPr txBox="1"/>
-              <p:nvPr/>
-            </p:nvSpPr>
-            <p:spPr>
-              <a:xfrm>
-                <a:off x="5653623" y="22129703"/>
-                <a:ext cx="9393918" cy="2123658"/>
-              </a:xfrm>
-              <a:prstGeom prst="rect">
-                <a:avLst/>
-              </a:prstGeom>
-              <a:noFill/>
-            </p:spPr>
-            <p:txBody>
-              <a:bodyPr wrap="none" rtlCol="0">
-                <a:spAutoFit/>
-              </a:bodyPr>
-              <a:lstStyle/>
-              <a:p>
-                <a:pPr algn="ctr"/>
-                <a:r>
-                  <a:rPr lang="sv-SE" sz="4800" dirty="0" smtClean="0"/>
-                  <a:t>Apply </a:t>
-                </a:r>
-                <a:r>
-                  <a:rPr lang="sv-SE" sz="6000" dirty="0"/>
-                  <a:t>𝑛</a:t>
-                </a:r>
-                <a:r>
-                  <a:rPr lang="sv-SE" sz="4800" dirty="0"/>
-                  <a:t> </a:t>
-                </a:r>
-                <a:r>
-                  <a:rPr lang="sv-SE" sz="4800" dirty="0" smtClean="0"/>
-                  <a:t>fixed convolutional filters </a:t>
-                </a:r>
-              </a:p>
-              <a:p>
-                <a:pPr algn="ctr"/>
-                <a:r>
-                  <a:rPr lang="sv-SE" sz="4800" dirty="0" smtClean="0"/>
-                  <a:t>to image, giving outputs </a:t>
-                </a:r>
-                <a14:m>
-                  <m:oMath xmlns:m="http://schemas.openxmlformats.org/officeDocument/2006/math">
-                    <m:r>
-                      <a:rPr lang="en-GB" sz="6000" i="1">
-                        <a:latin typeface="Cambria Math"/>
-                        <a:ea typeface="Cambria Math"/>
-                      </a:rPr>
-                      <m:t>𝑓</m:t>
-                    </m:r>
-                  </m:oMath>
-                </a14:m>
-                <a:endParaRPr lang="sv-SE" sz="4800" dirty="0"/>
-              </a:p>
-            </p:txBody>
-          </p:sp>
-        </mc:Choice>
-        <mc:Fallback xmlns="">
-          <p:sp>
-            <p:nvSpPr>
-              <p:cNvPr id="7" name="TextBox 6"/>
-              <p:cNvSpPr txBox="1">
-                <a:spLocks noRot="1" noChangeAspect="1" noMove="1" noResize="1" noEditPoints="1" noAdjustHandles="1" noChangeArrowheads="1" noChangeShapeType="1" noTextEdit="1"/>
-              </p:cNvSpPr>
-              <p:nvPr/>
-            </p:nvSpPr>
-            <p:spPr>
-              <a:xfrm>
-                <a:off x="5653623" y="22129703"/>
-                <a:ext cx="9393918" cy="2123658"/>
-              </a:xfrm>
-              <a:prstGeom prst="rect">
-                <a:avLst/>
-              </a:prstGeom>
-              <a:blipFill rotWithShape="1">
-                <a:blip r:embed="rId5"/>
-                <a:stretch>
-                  <a:fillRect l="-2466" t="-8309" r="-2466" b="-12321"/>
-                </a:stretch>
-              </a:blipFill>
-            </p:spPr>
-            <p:txBody>
-              <a:bodyPr/>
-              <a:lstStyle/>
-              <a:p>
-                <a:r>
-                  <a:rPr lang="en-GB">
-                    <a:noFill/>
-                  </a:rPr>
-                  <a:t> </a:t>
-                </a:r>
-              </a:p>
-            </p:txBody>
-          </p:sp>
-        </mc:Fallback>
-      </mc:AlternateContent>
-      <p:sp>
-        <p:nvSpPr>
-          <p:cNvPr id="13" name="TextBox 12"/>
-          <p:cNvSpPr txBox="1"/>
-          <p:nvPr/>
-        </p:nvSpPr>
-        <p:spPr>
-          <a:xfrm>
-            <a:off x="16680438" y="22203276"/>
-            <a:ext cx="7584127" cy="2566857"/>
-          </a:xfrm>
-          <a:prstGeom prst="rect">
-            <a:avLst/>
-          </a:prstGeom>
-          <a:noFill/>
-        </p:spPr>
-        <p:txBody>
-          <a:bodyPr wrap="none" rtlCol="0">
-            <a:spAutoFit/>
-          </a:bodyPr>
-          <a:lstStyle/>
-          <a:p>
-            <a:pPr algn="ctr"/>
-            <a:r>
-              <a:rPr lang="sv-SE" sz="4800" dirty="0" smtClean="0"/>
-              <a:t>Calculate weighted sum of</a:t>
-            </a:r>
-          </a:p>
-          <a:p>
-            <a:pPr algn="ctr"/>
-            <a:r>
-              <a:rPr lang="sv-SE" sz="4800" dirty="0" smtClean="0"/>
-              <a:t>outputs for each pixel</a:t>
-            </a:r>
-            <a:endParaRPr lang="sv-SE" sz="4800" dirty="0"/>
-          </a:p>
-          <a:p>
-            <a:endParaRPr lang="en-GB" dirty="0"/>
-          </a:p>
-        </p:txBody>
-      </p:sp>
-      <p:sp>
-        <p:nvSpPr>
-          <p:cNvPr id="14" name="TextBox 13"/>
-          <p:cNvSpPr txBox="1"/>
-          <p:nvPr/>
-        </p:nvSpPr>
-        <p:spPr>
-          <a:xfrm>
-            <a:off x="27144885" y="21892944"/>
-            <a:ext cx="7451079" cy="3453253"/>
-          </a:xfrm>
-          <a:prstGeom prst="rect">
-            <a:avLst/>
-          </a:prstGeom>
-          <a:noFill/>
-        </p:spPr>
-        <p:txBody>
-          <a:bodyPr wrap="none" rtlCol="0">
-            <a:spAutoFit/>
-          </a:bodyPr>
-          <a:lstStyle/>
-          <a:p>
-            <a:pPr algn="ctr"/>
-            <a:r>
-              <a:rPr lang="sv-SE" sz="4800" dirty="0" smtClean="0"/>
-              <a:t>These form a feature map</a:t>
-            </a:r>
-          </a:p>
-          <a:p>
-            <a:pPr algn="ctr"/>
-            <a:r>
-              <a:rPr lang="sv-SE" sz="4800" dirty="0" smtClean="0"/>
-              <a:t>which can be used in</a:t>
-            </a:r>
-          </a:p>
-          <a:p>
-            <a:pPr algn="ctr"/>
-            <a:r>
-              <a:rPr lang="sv-SE" sz="4800" dirty="0" smtClean="0"/>
-              <a:t>further layers</a:t>
-            </a:r>
-            <a:endParaRPr lang="sv-SE" sz="4800" dirty="0"/>
-          </a:p>
-          <a:p>
-            <a:endParaRPr lang="en-GB" dirty="0"/>
-          </a:p>
-        </p:txBody>
-      </p:sp>
-    </p:spTree>
-    <p:extLst>
-      <p:ext uri="{BB962C8B-B14F-4D97-AF65-F5344CB8AC3E}">
-        <p14:creationId xmlns:p14="http://schemas.microsoft.com/office/powerpoint/2010/main" val="171060525"/>
-      </p:ext>
-    </p:extLst>
-  </p:cSld>
-  <p:clrMapOvr>
-    <a:masterClrMapping/>
-  </p:clrMapOvr>
-  <p:timing>
-    <p:tnLst>
-      <p:par>
-        <p:cTn id="1" dur="indefinite" restart="never" nodeType="tmRoot"/>
-      </p:par>
-    </p:tnLst>
-  </p:timing>
-</p:sld>
-</file>
-
-<file path=ppt/slides/slide4.xml><?xml version="1.0" encoding="utf-8"?>
-<p:sld xmlns:a="http://schemas.openxmlformats.org/drawingml/2006/main" xmlns:r="http://schemas.openxmlformats.org/officeDocument/2006/relationships" xmlns:p="http://schemas.openxmlformats.org/presentationml/2006/main" showMasterSp="0">
-  <p:cSld>
-    <p:spTree>
-      <p:nvGrpSpPr>
-        <p:cNvPr id="1" name=""/>
-        <p:cNvGrpSpPr/>
-        <p:nvPr/>
-      </p:nvGrpSpPr>
-      <p:grpSpPr>
-        <a:xfrm>
-          <a:off x="0" y="0"/>
-          <a:ext cx="0" cy="0"/>
-          <a:chOff x="0" y="0"/>
-          <a:chExt cx="0" cy="0"/>
-        </a:xfrm>
-      </p:grpSpPr>
-      <p:sp>
-        <p:nvSpPr>
           <p:cNvPr id="27" name="Rounded Rectangle 26"/>
           <p:cNvSpPr/>
           <p:nvPr/>
         </p:nvSpPr>
         <p:spPr bwMode="auto">
           <a:xfrm>
-            <a:off x="6447007" y="3999326"/>
+            <a:off x="4318349" y="3999326"/>
             <a:ext cx="29451338" cy="16189227"/>
           </a:xfrm>
           <a:prstGeom prst="roundRect">
@@ -9340,7 +6078,7 @@
           </a:prstGeom>
           <a:solidFill>
             <a:srgbClr val="CAA774">
-              <a:alpha val="26000"/>
+              <a:alpha val="45000"/>
             </a:srgbClr>
           </a:solidFill>
           <a:ln w="101600" cap="flat" cmpd="sng" algn="ctr">
@@ -9400,7 +6138,7 @@
         </p:nvSpPr>
         <p:spPr bwMode="auto">
           <a:xfrm>
-            <a:off x="24048821" y="16664542"/>
+            <a:off x="21920163" y="16664542"/>
             <a:ext cx="2520000" cy="2520000"/>
           </a:xfrm>
           <a:prstGeom prst="rect">
@@ -9467,13 +6205,13 @@
           <p:nvPr>
             <p:extLst>
               <p:ext uri="{D42A27DB-BD31-4B8C-83A1-F6EECF244321}">
-                <p14:modId xmlns:p14="http://schemas.microsoft.com/office/powerpoint/2010/main" val="4123977731"/>
+                <p14:modId xmlns:p14="http://schemas.microsoft.com/office/powerpoint/2010/main" val="258891414"/>
               </p:ext>
             </p:extLst>
           </p:nvPr>
         </p:nvGraphicFramePr>
         <p:xfrm>
-          <a:off x="9613228" y="4830733"/>
+          <a:off x="7484570" y="4830733"/>
           <a:ext cx="3016800" cy="3017520"/>
         </p:xfrm>
         <a:graphic>
@@ -9677,13 +6415,13 @@
           <p:nvPr>
             <p:extLst>
               <p:ext uri="{D42A27DB-BD31-4B8C-83A1-F6EECF244321}">
-                <p14:modId xmlns:p14="http://schemas.microsoft.com/office/powerpoint/2010/main" val="1773671821"/>
+                <p14:modId xmlns:p14="http://schemas.microsoft.com/office/powerpoint/2010/main" val="301935394"/>
               </p:ext>
             </p:extLst>
           </p:nvPr>
         </p:nvGraphicFramePr>
         <p:xfrm>
-          <a:off x="9692772" y="9792469"/>
+          <a:off x="7564114" y="9792469"/>
           <a:ext cx="3016800" cy="3017520"/>
         </p:xfrm>
         <a:graphic>
@@ -9887,13 +6625,13 @@
           <p:nvPr>
             <p:extLst>
               <p:ext uri="{D42A27DB-BD31-4B8C-83A1-F6EECF244321}">
-                <p14:modId xmlns:p14="http://schemas.microsoft.com/office/powerpoint/2010/main" val="816968110"/>
+                <p14:modId xmlns:p14="http://schemas.microsoft.com/office/powerpoint/2010/main" val="2244186460"/>
               </p:ext>
             </p:extLst>
           </p:nvPr>
         </p:nvGraphicFramePr>
         <p:xfrm>
-          <a:off x="9763143" y="14328973"/>
+          <a:off x="7634485" y="14328973"/>
           <a:ext cx="3016800" cy="3017520"/>
         </p:xfrm>
         <a:graphic>
@@ -10096,7 +6834,7 @@
         </p:nvCxnSpPr>
         <p:spPr bwMode="auto">
           <a:xfrm>
-            <a:off x="8823271" y="8266891"/>
+            <a:off x="6694613" y="8266891"/>
             <a:ext cx="0" cy="10063834"/>
           </a:xfrm>
           <a:prstGeom prst="line">
@@ -10128,7 +6866,7 @@
         </p:nvCxnSpPr>
         <p:spPr bwMode="auto">
           <a:xfrm>
-            <a:off x="6447007" y="17479269"/>
+            <a:off x="4318349" y="17479269"/>
             <a:ext cx="3384376" cy="72008"/>
           </a:xfrm>
           <a:prstGeom prst="straightConnector1">
@@ -10179,7 +6917,7 @@
         </p:nvCxnSpPr>
         <p:spPr bwMode="auto">
           <a:xfrm>
-            <a:off x="6982645" y="13193400"/>
+            <a:off x="4853987" y="13193400"/>
             <a:ext cx="1624602" cy="0"/>
           </a:xfrm>
           <a:prstGeom prst="straightConnector1">
@@ -10224,7 +6962,7 @@
         </p:nvCxnSpPr>
         <p:spPr bwMode="auto">
           <a:xfrm flipV="1">
-            <a:off x="8679255" y="8242704"/>
+            <a:off x="6550597" y="8242704"/>
             <a:ext cx="5184576" cy="24187"/>
           </a:xfrm>
           <a:prstGeom prst="straightConnector1">
@@ -10269,7 +7007,7 @@
         </p:nvCxnSpPr>
         <p:spPr bwMode="auto">
           <a:xfrm>
-            <a:off x="8823271" y="13248853"/>
+            <a:off x="6694613" y="13248853"/>
             <a:ext cx="5112568" cy="0"/>
           </a:xfrm>
           <a:prstGeom prst="straightConnector1">
@@ -10314,7 +7052,7 @@
         </p:nvCxnSpPr>
         <p:spPr bwMode="auto">
           <a:xfrm>
-            <a:off x="8679255" y="18204920"/>
+            <a:off x="6550597" y="18204920"/>
             <a:ext cx="5256584" cy="1"/>
           </a:xfrm>
           <a:prstGeom prst="straightConnector1">
@@ -10359,7 +7097,7 @@
         </p:nvSpPr>
         <p:spPr>
           <a:xfrm>
-            <a:off x="15087967" y="13423796"/>
+            <a:off x="12959309" y="13423796"/>
             <a:ext cx="1728192" cy="2554545"/>
           </a:xfrm>
           <a:prstGeom prst="rect">
@@ -10389,7 +7127,7 @@
         </p:nvSpPr>
         <p:spPr>
           <a:xfrm>
-            <a:off x="15087967" y="14328973"/>
+            <a:off x="12959309" y="14328973"/>
             <a:ext cx="1728192" cy="2554545"/>
           </a:xfrm>
           <a:prstGeom prst="rect">
@@ -10419,7 +7157,7 @@
         </p:nvSpPr>
         <p:spPr>
           <a:xfrm>
-            <a:off x="15087967" y="13862660"/>
+            <a:off x="12959309" y="13862660"/>
             <a:ext cx="1728192" cy="2554545"/>
           </a:xfrm>
           <a:prstGeom prst="rect">
@@ -10449,7 +7187,7 @@
         </p:nvCxnSpPr>
         <p:spPr bwMode="auto">
           <a:xfrm>
-            <a:off x="17104191" y="8339985"/>
+            <a:off x="14975533" y="8339985"/>
             <a:ext cx="1800000" cy="0"/>
           </a:xfrm>
           <a:prstGeom prst="straightConnector1">
@@ -10494,7 +7232,7 @@
         </p:nvCxnSpPr>
         <p:spPr bwMode="auto">
           <a:xfrm>
-            <a:off x="17176199" y="13314045"/>
+            <a:off x="15047541" y="13314045"/>
             <a:ext cx="1800000" cy="0"/>
           </a:xfrm>
           <a:prstGeom prst="straightConnector1">
@@ -10539,7 +7277,7 @@
         </p:nvCxnSpPr>
         <p:spPr bwMode="auto">
           <a:xfrm>
-            <a:off x="17174068" y="18258717"/>
+            <a:off x="15045410" y="18258717"/>
             <a:ext cx="1800000" cy="0"/>
           </a:xfrm>
           <a:prstGeom prst="straightConnector1">
@@ -10584,7 +7322,7 @@
         </p:nvSpPr>
         <p:spPr bwMode="auto">
           <a:xfrm>
-            <a:off x="18902260" y="6674928"/>
+            <a:off x="16773602" y="6674928"/>
             <a:ext cx="2988332" cy="3143383"/>
           </a:xfrm>
           <a:prstGeom prst="ellipse">
@@ -10650,7 +7388,7 @@
         </p:nvSpPr>
         <p:spPr>
           <a:xfrm>
-            <a:off x="19399957" y="7431011"/>
+            <a:off x="17271299" y="7431011"/>
             <a:ext cx="2158042" cy="1631216"/>
           </a:xfrm>
           <a:prstGeom prst="rect">
@@ -10680,7 +7418,7 @@
         </p:nvSpPr>
         <p:spPr bwMode="auto">
           <a:xfrm>
-            <a:off x="13935839" y="11729869"/>
+            <a:off x="11807181" y="11729869"/>
             <a:ext cx="2520000" cy="2520000"/>
           </a:xfrm>
           <a:prstGeom prst="rect">
@@ -10746,7 +7484,7 @@
         </p:nvSpPr>
         <p:spPr bwMode="auto">
           <a:xfrm>
-            <a:off x="14223871" y="12017901"/>
+            <a:off x="12095213" y="12017901"/>
             <a:ext cx="2520000" cy="2520000"/>
           </a:xfrm>
           <a:prstGeom prst="rect">
@@ -10812,7 +7550,7 @@
         </p:nvSpPr>
         <p:spPr bwMode="auto">
           <a:xfrm>
-            <a:off x="14511903" y="12377941"/>
+            <a:off x="12383245" y="12377941"/>
             <a:ext cx="2520000" cy="2520000"/>
           </a:xfrm>
           <a:prstGeom prst="rect">
@@ -10878,7 +7616,7 @@
         </p:nvSpPr>
         <p:spPr bwMode="auto">
           <a:xfrm>
-            <a:off x="13863831" y="6696125"/>
+            <a:off x="11735173" y="6696125"/>
             <a:ext cx="2520000" cy="2520000"/>
           </a:xfrm>
           <a:prstGeom prst="rect">
@@ -10944,7 +7682,7 @@
         </p:nvSpPr>
         <p:spPr bwMode="auto">
           <a:xfrm>
-            <a:off x="14151863" y="6986620"/>
+            <a:off x="12023205" y="6986620"/>
             <a:ext cx="2520000" cy="2520000"/>
           </a:xfrm>
           <a:prstGeom prst="rect">
@@ -11010,7 +7748,7 @@
         </p:nvSpPr>
         <p:spPr bwMode="auto">
           <a:xfrm>
-            <a:off x="14439895" y="7346660"/>
+            <a:off x="12311237" y="7346660"/>
             <a:ext cx="2520000" cy="2520000"/>
           </a:xfrm>
           <a:prstGeom prst="rect">
@@ -11076,7 +7814,7 @@
         </p:nvSpPr>
         <p:spPr bwMode="auto">
           <a:xfrm>
-            <a:off x="13933708" y="16674821"/>
+            <a:off x="11805050" y="16674821"/>
             <a:ext cx="2520000" cy="2520000"/>
           </a:xfrm>
           <a:prstGeom prst="rect">
@@ -11144,7 +7882,7 @@
         </p:nvSpPr>
         <p:spPr bwMode="auto">
           <a:xfrm>
-            <a:off x="14221740" y="16962853"/>
+            <a:off x="12093082" y="16962853"/>
             <a:ext cx="2520000" cy="2520000"/>
           </a:xfrm>
           <a:prstGeom prst="rect">
@@ -11210,7 +7948,7 @@
         </p:nvSpPr>
         <p:spPr bwMode="auto">
           <a:xfrm>
-            <a:off x="14509772" y="17322893"/>
+            <a:off x="12381114" y="17322893"/>
             <a:ext cx="2520000" cy="2520000"/>
           </a:xfrm>
           <a:prstGeom prst="rect">
@@ -11278,7 +8016,7 @@
         </p:nvCxnSpPr>
         <p:spPr bwMode="auto">
           <a:xfrm>
-            <a:off x="28339232" y="7989756"/>
+            <a:off x="26210574" y="7989756"/>
             <a:ext cx="33773" cy="10340969"/>
           </a:xfrm>
           <a:prstGeom prst="line">
@@ -11323,7 +8061,7 @@
         </p:nvSpPr>
         <p:spPr bwMode="auto">
           <a:xfrm>
-            <a:off x="19044145" y="16633229"/>
+            <a:off x="16915487" y="16633229"/>
             <a:ext cx="2988332" cy="3143383"/>
           </a:xfrm>
           <a:prstGeom prst="ellipse">
@@ -11389,7 +8127,7 @@
         </p:nvSpPr>
         <p:spPr>
           <a:xfrm>
-            <a:off x="19541842" y="17389312"/>
+            <a:off x="17413184" y="17389312"/>
             <a:ext cx="2158042" cy="1631216"/>
           </a:xfrm>
           <a:prstGeom prst="rect">
@@ -11419,7 +8157,7 @@
         </p:nvSpPr>
         <p:spPr bwMode="auto">
           <a:xfrm>
-            <a:off x="19010272" y="11729869"/>
+            <a:off x="16881614" y="11729869"/>
             <a:ext cx="2988332" cy="3143383"/>
           </a:xfrm>
           <a:prstGeom prst="ellipse">
@@ -11485,7 +8223,7 @@
         </p:nvSpPr>
         <p:spPr>
           <a:xfrm>
-            <a:off x="19480522" y="12546925"/>
+            <a:off x="17351864" y="12546925"/>
             <a:ext cx="2158042" cy="1631216"/>
           </a:xfrm>
           <a:prstGeom prst="rect">
@@ -11515,7 +8253,7 @@
         </p:nvCxnSpPr>
         <p:spPr bwMode="auto">
           <a:xfrm>
-            <a:off x="22068481" y="8242704"/>
+            <a:off x="19939823" y="8242704"/>
             <a:ext cx="1800000" cy="0"/>
           </a:xfrm>
           <a:prstGeom prst="straightConnector1">
@@ -11560,7 +8298,7 @@
         </p:nvCxnSpPr>
         <p:spPr bwMode="auto">
           <a:xfrm>
-            <a:off x="22068481" y="13176845"/>
+            <a:off x="19939823" y="13176845"/>
             <a:ext cx="1800000" cy="0"/>
           </a:xfrm>
           <a:prstGeom prst="straightConnector1">
@@ -11605,7 +8343,7 @@
         </p:nvCxnSpPr>
         <p:spPr bwMode="auto">
           <a:xfrm>
-            <a:off x="22131932" y="18161436"/>
+            <a:off x="20003274" y="18161436"/>
             <a:ext cx="1800000" cy="0"/>
           </a:xfrm>
           <a:prstGeom prst="straightConnector1">
@@ -11650,7 +8388,7 @@
         </p:nvSpPr>
         <p:spPr bwMode="auto">
           <a:xfrm>
-            <a:off x="23934263" y="6696125"/>
+            <a:off x="21805605" y="6696125"/>
             <a:ext cx="2520000" cy="2520000"/>
           </a:xfrm>
           <a:prstGeom prst="rect">
@@ -11719,7 +8457,7 @@
         </p:nvSpPr>
         <p:spPr bwMode="auto">
           <a:xfrm>
-            <a:off x="24222295" y="6986620"/>
+            <a:off x="22093637" y="6986620"/>
             <a:ext cx="2520000" cy="2520000"/>
           </a:xfrm>
           <a:prstGeom prst="rect">
@@ -11785,7 +8523,7 @@
         </p:nvSpPr>
         <p:spPr bwMode="auto">
           <a:xfrm>
-            <a:off x="24510327" y="7346660"/>
+            <a:off x="22381669" y="7346660"/>
             <a:ext cx="2520000" cy="2520000"/>
           </a:xfrm>
           <a:prstGeom prst="rect">
@@ -11851,7 +8589,7 @@
         </p:nvSpPr>
         <p:spPr bwMode="auto">
           <a:xfrm>
-            <a:off x="24086836" y="11734661"/>
+            <a:off x="21958178" y="11734661"/>
             <a:ext cx="2520000" cy="2520000"/>
           </a:xfrm>
           <a:prstGeom prst="rect">
@@ -11917,7 +8655,7 @@
         </p:nvSpPr>
         <p:spPr bwMode="auto">
           <a:xfrm>
-            <a:off x="24374868" y="12025156"/>
+            <a:off x="22246210" y="12025156"/>
             <a:ext cx="2520000" cy="2520000"/>
           </a:xfrm>
           <a:prstGeom prst="rect">
@@ -11983,7 +8721,7 @@
         </p:nvSpPr>
         <p:spPr bwMode="auto">
           <a:xfrm>
-            <a:off x="24662900" y="12385196"/>
+            <a:off x="22534242" y="12385196"/>
             <a:ext cx="2520000" cy="2520000"/>
           </a:xfrm>
           <a:prstGeom prst="rect">
@@ -12049,7 +8787,7 @@
         </p:nvSpPr>
         <p:spPr bwMode="auto">
           <a:xfrm>
-            <a:off x="24364460" y="16962853"/>
+            <a:off x="22235802" y="16962853"/>
             <a:ext cx="2520000" cy="2520000"/>
           </a:xfrm>
           <a:prstGeom prst="rect">
@@ -12115,7 +8853,7 @@
         </p:nvCxnSpPr>
         <p:spPr bwMode="auto">
           <a:xfrm>
-            <a:off x="27291292" y="8136285"/>
+            <a:off x="25162634" y="8136285"/>
             <a:ext cx="1081713" cy="0"/>
           </a:xfrm>
           <a:prstGeom prst="line">
@@ -12160,7 +8898,7 @@
         </p:nvCxnSpPr>
         <p:spPr bwMode="auto">
           <a:xfrm>
-            <a:off x="27441805" y="13248853"/>
+            <a:off x="25313147" y="13248853"/>
             <a:ext cx="900000" cy="0"/>
           </a:xfrm>
           <a:prstGeom prst="line">
@@ -12205,7 +8943,7 @@
         </p:nvCxnSpPr>
         <p:spPr bwMode="auto">
           <a:xfrm>
-            <a:off x="27460453" y="18330725"/>
+            <a:off x="25331795" y="18330725"/>
             <a:ext cx="1052584" cy="0"/>
           </a:xfrm>
           <a:prstGeom prst="line">
@@ -12250,7 +8988,7 @@
         </p:nvSpPr>
         <p:spPr>
           <a:xfrm>
-            <a:off x="12243651" y="3972394"/>
+            <a:off x="10114993" y="3972394"/>
             <a:ext cx="5904376" cy="2462213"/>
           </a:xfrm>
           <a:prstGeom prst="rect">
@@ -12288,7 +9026,7 @@
         </p:nvSpPr>
         <p:spPr>
           <a:xfrm>
-            <a:off x="23582780" y="5094526"/>
+            <a:off x="21454122" y="5094526"/>
             <a:ext cx="3951045" cy="1169551"/>
           </a:xfrm>
           <a:prstGeom prst="rect">
@@ -12318,7 +9056,7 @@
         </p:nvCxnSpPr>
         <p:spPr bwMode="auto">
           <a:xfrm flipV="1">
-            <a:off x="28335308" y="13248853"/>
+            <a:off x="26206650" y="13248853"/>
             <a:ext cx="1872208" cy="0"/>
           </a:xfrm>
           <a:prstGeom prst="straightConnector1">
@@ -12363,7 +9101,7 @@
         </p:nvSpPr>
         <p:spPr bwMode="auto">
           <a:xfrm>
-            <a:off x="30421409" y="11734502"/>
+            <a:off x="28292751" y="11734502"/>
             <a:ext cx="2520000" cy="2520000"/>
           </a:xfrm>
           <a:prstGeom prst="rect">
@@ -12429,7 +9167,7 @@
         </p:nvSpPr>
         <p:spPr bwMode="auto">
           <a:xfrm>
-            <a:off x="30709441" y="12024997"/>
+            <a:off x="28580783" y="12024997"/>
             <a:ext cx="2520000" cy="2520000"/>
           </a:xfrm>
           <a:prstGeom prst="rect">
@@ -12495,7 +9233,7 @@
         </p:nvSpPr>
         <p:spPr bwMode="auto">
           <a:xfrm>
-            <a:off x="30997473" y="12385037"/>
+            <a:off x="28868815" y="12385037"/>
             <a:ext cx="2520000" cy="2520000"/>
           </a:xfrm>
           <a:prstGeom prst="rect">
@@ -12561,7 +9299,7 @@
         </p:nvSpPr>
         <p:spPr>
           <a:xfrm>
-            <a:off x="29415428" y="10207094"/>
+            <a:off x="27286770" y="10207094"/>
             <a:ext cx="5326461" cy="1169551"/>
           </a:xfrm>
           <a:prstGeom prst="rect">
@@ -12591,7 +9329,7 @@
         </p:nvSpPr>
         <p:spPr bwMode="auto">
           <a:xfrm>
-            <a:off x="29377133" y="17281301"/>
+            <a:off x="27248475" y="17281301"/>
             <a:ext cx="4968272" cy="2571091"/>
           </a:xfrm>
           <a:prstGeom prst="ellipse">
@@ -12655,7 +9393,7 @@
         </p:nvSpPr>
         <p:spPr>
           <a:xfrm>
-            <a:off x="30120258" y="17641341"/>
+            <a:off x="27991600" y="17641341"/>
             <a:ext cx="3721371" cy="2702278"/>
           </a:xfrm>
           <a:prstGeom prst="rect">
@@ -12696,7 +9434,7 @@
         </p:nvSpPr>
         <p:spPr bwMode="auto">
           <a:xfrm rot="18515249" flipV="1">
-            <a:off x="29045797" y="15937169"/>
+            <a:off x="26917139" y="15937169"/>
             <a:ext cx="692638" cy="2164593"/>
           </a:xfrm>
           <a:prstGeom prst="arc">
@@ -12780,7 +9518,7 @@
         </p:nvCxnSpPr>
         <p:spPr bwMode="auto">
           <a:xfrm>
-            <a:off x="8103191" y="13248853"/>
+            <a:off x="5974533" y="13248853"/>
             <a:ext cx="900000" cy="0"/>
           </a:xfrm>
           <a:prstGeom prst="line">
@@ -12825,7 +9563,7 @@
         </p:nvCxnSpPr>
         <p:spPr bwMode="auto">
           <a:xfrm flipV="1">
-            <a:off x="33697773" y="13175732"/>
+            <a:off x="31569115" y="13175732"/>
             <a:ext cx="1728000" cy="17668"/>
           </a:xfrm>
           <a:prstGeom prst="straightConnector1">
@@ -12870,7 +9608,7 @@
         </p:nvSpPr>
         <p:spPr>
           <a:xfrm>
-            <a:off x="29737173" y="4463877"/>
+            <a:off x="27608515" y="4463877"/>
             <a:ext cx="5908952" cy="3139321"/>
           </a:xfrm>
           <a:prstGeom prst="rect">
@@ -12930,7 +9668,7 @@
         </p:nvSpPr>
         <p:spPr bwMode="auto">
           <a:xfrm>
-            <a:off x="24661049" y="17322893"/>
+            <a:off x="22532391" y="17322893"/>
             <a:ext cx="2520000" cy="2520000"/>
           </a:xfrm>
           <a:prstGeom prst="rect">
@@ -13008,7 +9746,7 @@
 </p:sld>
 </file>
 
-<file path=ppt/slides/slide5.xml><?xml version="1.0" encoding="utf-8"?>
+<file path=ppt/slides/slide3.xml><?xml version="1.0" encoding="utf-8"?>
 <p:sld xmlns:a="http://schemas.openxmlformats.org/drawingml/2006/main" xmlns:r="http://schemas.openxmlformats.org/officeDocument/2006/relationships" xmlns:p="http://schemas.openxmlformats.org/presentationml/2006/main" showMasterSp="0">
   <p:cSld>
     <p:spTree>
@@ -19804,7 +16542,7 @@
 </p:sld>
 </file>
 
-<file path=ppt/slides/slide6.xml><?xml version="1.0" encoding="utf-8"?>
+<file path=ppt/slides/slide4.xml><?xml version="1.0" encoding="utf-8"?>
 <p:sld xmlns:a="http://schemas.openxmlformats.org/drawingml/2006/main" xmlns:r="http://schemas.openxmlformats.org/officeDocument/2006/relationships" xmlns:p="http://schemas.openxmlformats.org/presentationml/2006/main" showMasterSp="0">
   <p:cSld>
     <p:spTree>
@@ -19823,115 +16561,598 @@
       </p:grpSpPr>
       <p:sp>
         <p:nvSpPr>
-          <p:cNvPr id="2" name="Title 1"/>
-          <p:cNvSpPr>
-            <a:spLocks noGrp="1"/>
-          </p:cNvSpPr>
-          <p:nvPr>
-            <p:ph type="title"/>
-          </p:nvPr>
-        </p:nvSpPr>
-        <p:spPr/>
-        <p:txBody>
-          <a:bodyPr/>
+          <p:cNvPr id="4" name="Rounded Rectangle 3"/>
+          <p:cNvSpPr/>
+          <p:nvPr/>
+        </p:nvSpPr>
+        <p:spPr bwMode="auto">
+          <a:xfrm>
+            <a:off x="2842185" y="7056165"/>
+            <a:ext cx="23870652" cy="12342844"/>
+          </a:xfrm>
+          <a:prstGeom prst="roundRect">
+            <a:avLst/>
+          </a:prstGeom>
+          <a:solidFill>
+            <a:srgbClr val="DDDDDD">
+              <a:alpha val="43000"/>
+            </a:srgbClr>
+          </a:solidFill>
+          <a:ln w="101600" cap="flat" cmpd="sng" algn="ctr">
+            <a:solidFill>
+              <a:schemeClr val="tx1"/>
+            </a:solidFill>
+            <a:prstDash val="lgDash"/>
+            <a:round/>
+            <a:headEnd type="none" w="med" len="med"/>
+            <a:tailEnd type="none" w="med" len="med"/>
+          </a:ln>
+          <a:effectLst/>
+          <a:extLst/>
+        </p:spPr>
+        <p:txBody>
+          <a:bodyPr vert="horz" wrap="square" lIns="457200" tIns="228600" rIns="457200" bIns="228600" numCol="1" rtlCol="0" anchor="t" anchorCtr="0" compatLnSpc="1">
+            <a:prstTxWarp prst="textNoShape">
+              <a:avLst/>
+            </a:prstTxWarp>
+          </a:bodyPr>
           <a:lstStyle/>
           <a:p>
+            <a:pPr marL="0" marR="0" indent="0" algn="l" defTabSz="914400" rtl="0" eaLnBrk="1" fontAlgn="base" latinLnBrk="0" hangingPunct="1">
+              <a:lnSpc>
+                <a:spcPct val="100000"/>
+              </a:lnSpc>
+              <a:spcBef>
+                <a:spcPct val="20000"/>
+              </a:spcBef>
+              <a:spcAft>
+                <a:spcPct val="0"/>
+              </a:spcAft>
+              <a:buClrTx/>
+              <a:buSzTx/>
+              <a:buFontTx/>
+              <a:buNone/>
+              <a:tabLst/>
+            </a:pPr>
+            <a:endParaRPr kumimoji="0" lang="en-GB" sz="4600" b="0" i="0" u="none" strike="noStrike" cap="none" normalizeH="0" baseline="0" smtClean="0">
+              <a:ln>
+                <a:noFill/>
+              </a:ln>
+              <a:solidFill>
+                <a:srgbClr val="000000"/>
+              </a:solidFill>
+              <a:effectLst/>
+              <a:latin typeface="Arial" charset="0"/>
+            </a:endParaRPr>
+          </a:p>
+        </p:txBody>
+      </p:sp>
+      <p:sp>
+        <p:nvSpPr>
+          <p:cNvPr id="5" name="TextBox 4"/>
+          <p:cNvSpPr txBox="1"/>
+          <p:nvPr/>
+        </p:nvSpPr>
+        <p:spPr>
+          <a:xfrm>
+            <a:off x="16271677" y="7796763"/>
+            <a:ext cx="9361040" cy="1477328"/>
+          </a:xfrm>
+          <a:prstGeom prst="rect">
+            <a:avLst/>
+          </a:prstGeom>
+          <a:noFill/>
+        </p:spPr>
+        <p:txBody>
+          <a:bodyPr wrap="square" rtlCol="0">
+            <a:spAutoFit/>
+          </a:bodyPr>
+          <a:lstStyle/>
+          <a:p>
             <a:r>
-              <a:rPr lang="sv-SE" sz="14400" dirty="0" smtClean="0"/>
-              <a:t>Model 3: Marcos et al.</a:t>
+              <a:rPr lang="sv-SE" sz="9000" b="1" dirty="0">
+                <a:effectLst>
+                  <a:outerShdw blurRad="38100" dist="38100" dir="2700000" algn="tl">
+                    <a:srgbClr val="000000">
+                      <a:alpha val="43137"/>
+                    </a:srgbClr>
+                  </a:outerShdw>
+                </a:effectLst>
+              </a:rPr>
+              <a:t>4</a:t>
             </a:r>
-            <a:endParaRPr lang="en-GB" sz="14400" dirty="0"/>
-          </a:p>
-        </p:txBody>
-      </p:sp>
-      <p:sp>
-        <p:nvSpPr>
-          <p:cNvPr id="3" name="Content Placeholder 2"/>
-          <p:cNvSpPr>
-            <a:spLocks noGrp="1"/>
-          </p:cNvSpPr>
-          <p:nvPr>
-            <p:ph idx="1"/>
-          </p:nvPr>
+            <a:r>
+              <a:rPr lang="sv-SE" sz="9000" b="1" dirty="0" smtClean="0">
+                <a:effectLst>
+                  <a:outerShdw blurRad="38100" dist="38100" dir="2700000" algn="tl">
+                    <a:srgbClr val="000000">
+                      <a:alpha val="43137"/>
+                    </a:srgbClr>
+                  </a:outerShdw>
+                </a:effectLst>
+              </a:rPr>
+              <a:t>. </a:t>
+            </a:r>
+            <a:r>
+              <a:rPr lang="sv-SE" sz="9000" b="1" dirty="0" smtClean="0">
+                <a:effectLst>
+                  <a:outerShdw blurRad="38100" dist="38100" dir="2700000" algn="tl">
+                    <a:srgbClr val="000000">
+                      <a:alpha val="43137"/>
+                    </a:srgbClr>
+                  </a:outerShdw>
+                </a:effectLst>
+              </a:rPr>
+              <a:t>Dense Layers</a:t>
+            </a:r>
+            <a:endParaRPr lang="en-GB" sz="9000" b="1" dirty="0">
+              <a:effectLst>
+                <a:outerShdw blurRad="38100" dist="38100" dir="2700000" algn="tl">
+                  <a:srgbClr val="000000">
+                    <a:alpha val="43137"/>
+                  </a:srgbClr>
+                </a:outerShdw>
+              </a:effectLst>
+            </a:endParaRPr>
+          </a:p>
+        </p:txBody>
+      </p:sp>
+      <p:sp>
+        <p:nvSpPr>
+          <p:cNvPr id="8" name="Oval 7"/>
+          <p:cNvSpPr/>
+          <p:nvPr/>
+        </p:nvSpPr>
+        <p:spPr bwMode="auto">
+          <a:xfrm>
+            <a:off x="5686501" y="9562760"/>
+            <a:ext cx="900000" cy="900000"/>
+          </a:xfrm>
+          <a:prstGeom prst="ellipse">
+            <a:avLst/>
+          </a:prstGeom>
+          <a:solidFill>
+            <a:schemeClr val="bg2">
+              <a:lumMod val="75000"/>
+            </a:schemeClr>
+          </a:solidFill>
+          <a:ln w="63500" cap="flat" cmpd="sng" algn="ctr">
+            <a:solidFill>
+              <a:schemeClr val="tx1"/>
+            </a:solidFill>
+            <a:prstDash val="solid"/>
+            <a:round/>
+            <a:headEnd type="none" w="med" len="med"/>
+            <a:tailEnd type="none" w="med" len="med"/>
+          </a:ln>
+          <a:effectLst/>
+          <a:extLst/>
+        </p:spPr>
+        <p:txBody>
+          <a:bodyPr vert="horz" wrap="square" lIns="457200" tIns="228600" rIns="457200" bIns="228600" numCol="1" rtlCol="0" anchor="t" anchorCtr="0" compatLnSpc="1">
+            <a:prstTxWarp prst="textNoShape">
+              <a:avLst/>
+            </a:prstTxWarp>
+          </a:bodyPr>
+          <a:lstStyle/>
+          <a:p>
+            <a:pPr marL="0" marR="0" indent="0" algn="l" defTabSz="914400" rtl="0" eaLnBrk="1" fontAlgn="base" latinLnBrk="0" hangingPunct="1">
+              <a:lnSpc>
+                <a:spcPct val="100000"/>
+              </a:lnSpc>
+              <a:spcBef>
+                <a:spcPct val="20000"/>
+              </a:spcBef>
+              <a:spcAft>
+                <a:spcPct val="0"/>
+              </a:spcAft>
+              <a:buClrTx/>
+              <a:buSzTx/>
+              <a:buFontTx/>
+              <a:buNone/>
+              <a:tabLst/>
+            </a:pPr>
+            <a:endParaRPr kumimoji="0" lang="en-GB" sz="4600" b="0" i="0" u="none" strike="noStrike" cap="none" normalizeH="0" baseline="0" smtClean="0">
+              <a:ln>
+                <a:noFill/>
+              </a:ln>
+              <a:solidFill>
+                <a:srgbClr val="000000"/>
+              </a:solidFill>
+              <a:effectLst/>
+              <a:latin typeface="Arial" charset="0"/>
+            </a:endParaRPr>
+          </a:p>
+        </p:txBody>
+      </p:sp>
+      <p:sp>
+        <p:nvSpPr>
+          <p:cNvPr id="9" name="Oval 8"/>
+          <p:cNvSpPr/>
+          <p:nvPr/>
+        </p:nvSpPr>
+        <p:spPr bwMode="auto">
+          <a:xfrm>
+            <a:off x="5686501" y="11196725"/>
+            <a:ext cx="900000" cy="900000"/>
+          </a:xfrm>
+          <a:prstGeom prst="ellipse">
+            <a:avLst/>
+          </a:prstGeom>
+          <a:solidFill>
+            <a:srgbClr val="64BEA5"/>
+          </a:solidFill>
+          <a:ln w="63500" cap="flat" cmpd="sng" algn="ctr">
+            <a:solidFill>
+              <a:schemeClr val="tx1"/>
+            </a:solidFill>
+            <a:prstDash val="solid"/>
+            <a:round/>
+            <a:headEnd type="none" w="med" len="med"/>
+            <a:tailEnd type="none" w="med" len="med"/>
+          </a:ln>
+          <a:effectLst/>
+          <a:extLst/>
+        </p:spPr>
+        <p:txBody>
+          <a:bodyPr vert="horz" wrap="square" lIns="457200" tIns="228600" rIns="457200" bIns="228600" numCol="1" rtlCol="0" anchor="t" anchorCtr="0" compatLnSpc="1">
+            <a:prstTxWarp prst="textNoShape">
+              <a:avLst/>
+            </a:prstTxWarp>
+          </a:bodyPr>
+          <a:lstStyle/>
+          <a:p>
+            <a:pPr marL="0" marR="0" indent="0" algn="l" defTabSz="914400" rtl="0" eaLnBrk="1" fontAlgn="base" latinLnBrk="0" hangingPunct="1">
+              <a:lnSpc>
+                <a:spcPct val="100000"/>
+              </a:lnSpc>
+              <a:spcBef>
+                <a:spcPct val="20000"/>
+              </a:spcBef>
+              <a:spcAft>
+                <a:spcPct val="0"/>
+              </a:spcAft>
+              <a:buClrTx/>
+              <a:buSzTx/>
+              <a:buFontTx/>
+              <a:buNone/>
+              <a:tabLst/>
+            </a:pPr>
+            <a:endParaRPr kumimoji="0" lang="en-GB" sz="4600" b="0" i="0" u="none" strike="noStrike" cap="none" normalizeH="0" baseline="0" smtClean="0">
+              <a:ln>
+                <a:noFill/>
+              </a:ln>
+              <a:solidFill>
+                <a:srgbClr val="000000"/>
+              </a:solidFill>
+              <a:effectLst/>
+              <a:latin typeface="Arial" charset="0"/>
+            </a:endParaRPr>
+          </a:p>
+        </p:txBody>
+      </p:sp>
+      <p:sp>
+        <p:nvSpPr>
+          <p:cNvPr id="10" name="Oval 9"/>
+          <p:cNvSpPr/>
+          <p:nvPr/>
+        </p:nvSpPr>
+        <p:spPr bwMode="auto">
+          <a:xfrm>
+            <a:off x="5686501" y="12924817"/>
+            <a:ext cx="900000" cy="900000"/>
+          </a:xfrm>
+          <a:prstGeom prst="ellipse">
+            <a:avLst/>
+          </a:prstGeom>
+          <a:solidFill>
+            <a:schemeClr val="bg2">
+              <a:lumMod val="75000"/>
+            </a:schemeClr>
+          </a:solidFill>
+          <a:ln w="63500" cap="flat" cmpd="sng" algn="ctr">
+            <a:solidFill>
+              <a:schemeClr val="tx1"/>
+            </a:solidFill>
+            <a:prstDash val="solid"/>
+            <a:round/>
+            <a:headEnd type="none" w="med" len="med"/>
+            <a:tailEnd type="none" w="med" len="med"/>
+          </a:ln>
+          <a:effectLst/>
+          <a:extLst/>
+        </p:spPr>
+        <p:txBody>
+          <a:bodyPr vert="horz" wrap="square" lIns="457200" tIns="228600" rIns="457200" bIns="228600" numCol="1" rtlCol="0" anchor="t" anchorCtr="0" compatLnSpc="1">
+            <a:prstTxWarp prst="textNoShape">
+              <a:avLst/>
+            </a:prstTxWarp>
+          </a:bodyPr>
+          <a:lstStyle/>
+          <a:p>
+            <a:pPr marL="0" marR="0" indent="0" algn="l" defTabSz="914400" rtl="0" eaLnBrk="1" fontAlgn="base" latinLnBrk="0" hangingPunct="1">
+              <a:lnSpc>
+                <a:spcPct val="100000"/>
+              </a:lnSpc>
+              <a:spcBef>
+                <a:spcPct val="20000"/>
+              </a:spcBef>
+              <a:spcAft>
+                <a:spcPct val="0"/>
+              </a:spcAft>
+              <a:buClrTx/>
+              <a:buSzTx/>
+              <a:buFontTx/>
+              <a:buNone/>
+              <a:tabLst/>
+            </a:pPr>
+            <a:endParaRPr kumimoji="0" lang="en-GB" sz="4600" b="0" i="0" u="none" strike="noStrike" cap="none" normalizeH="0" baseline="0" smtClean="0">
+              <a:ln>
+                <a:noFill/>
+              </a:ln>
+              <a:solidFill>
+                <a:srgbClr val="000000"/>
+              </a:solidFill>
+              <a:effectLst/>
+              <a:latin typeface="Arial" charset="0"/>
+            </a:endParaRPr>
+          </a:p>
+        </p:txBody>
+      </p:sp>
+      <p:sp>
+        <p:nvSpPr>
+          <p:cNvPr id="11" name="Oval 10"/>
+          <p:cNvSpPr/>
+          <p:nvPr/>
+        </p:nvSpPr>
+        <p:spPr bwMode="auto">
+          <a:xfrm>
+            <a:off x="5686501" y="14558782"/>
+            <a:ext cx="900000" cy="900000"/>
+          </a:xfrm>
+          <a:prstGeom prst="ellipse">
+            <a:avLst/>
+          </a:prstGeom>
+          <a:solidFill>
+            <a:srgbClr val="64BEA5"/>
+          </a:solidFill>
+          <a:ln w="63500" cap="flat" cmpd="sng" algn="ctr">
+            <a:solidFill>
+              <a:schemeClr val="tx1"/>
+            </a:solidFill>
+            <a:prstDash val="solid"/>
+            <a:round/>
+            <a:headEnd type="none" w="med" len="med"/>
+            <a:tailEnd type="none" w="med" len="med"/>
+          </a:ln>
+          <a:effectLst/>
+          <a:extLst/>
+        </p:spPr>
+        <p:txBody>
+          <a:bodyPr vert="horz" wrap="square" lIns="457200" tIns="228600" rIns="457200" bIns="228600" numCol="1" rtlCol="0" anchor="t" anchorCtr="0" compatLnSpc="1">
+            <a:prstTxWarp prst="textNoShape">
+              <a:avLst/>
+            </a:prstTxWarp>
+          </a:bodyPr>
+          <a:lstStyle/>
+          <a:p>
+            <a:pPr marL="0" marR="0" indent="0" algn="l" defTabSz="914400" rtl="0" eaLnBrk="1" fontAlgn="base" latinLnBrk="0" hangingPunct="1">
+              <a:lnSpc>
+                <a:spcPct val="100000"/>
+              </a:lnSpc>
+              <a:spcBef>
+                <a:spcPct val="20000"/>
+              </a:spcBef>
+              <a:spcAft>
+                <a:spcPct val="0"/>
+              </a:spcAft>
+              <a:buClrTx/>
+              <a:buSzTx/>
+              <a:buFontTx/>
+              <a:buNone/>
+              <a:tabLst/>
+            </a:pPr>
+            <a:endParaRPr kumimoji="0" lang="en-GB" sz="4600" b="0" i="0" u="none" strike="noStrike" cap="none" normalizeH="0" baseline="0" smtClean="0">
+              <a:ln>
+                <a:noFill/>
+              </a:ln>
+              <a:solidFill>
+                <a:srgbClr val="000000"/>
+              </a:solidFill>
+              <a:effectLst/>
+              <a:latin typeface="Arial" charset="0"/>
+            </a:endParaRPr>
+          </a:p>
+        </p:txBody>
+      </p:sp>
+      <p:sp>
+        <p:nvSpPr>
+          <p:cNvPr id="12" name="Oval 11"/>
+          <p:cNvSpPr/>
+          <p:nvPr/>
+        </p:nvSpPr>
+        <p:spPr bwMode="auto">
+          <a:xfrm>
+            <a:off x="5686501" y="16259504"/>
+            <a:ext cx="900000" cy="900000"/>
+          </a:xfrm>
+          <a:prstGeom prst="ellipse">
+            <a:avLst/>
+          </a:prstGeom>
+          <a:solidFill>
+            <a:schemeClr val="bg2">
+              <a:lumMod val="75000"/>
+            </a:schemeClr>
+          </a:solidFill>
+          <a:ln w="63500" cap="flat" cmpd="sng" algn="ctr">
+            <a:solidFill>
+              <a:schemeClr val="tx1"/>
+            </a:solidFill>
+            <a:prstDash val="solid"/>
+            <a:round/>
+            <a:headEnd type="none" w="med" len="med"/>
+            <a:tailEnd type="none" w="med" len="med"/>
+          </a:ln>
+          <a:effectLst/>
+          <a:extLst/>
+        </p:spPr>
+        <p:txBody>
+          <a:bodyPr vert="horz" wrap="square" lIns="457200" tIns="228600" rIns="457200" bIns="228600" numCol="1" rtlCol="0" anchor="t" anchorCtr="0" compatLnSpc="1">
+            <a:prstTxWarp prst="textNoShape">
+              <a:avLst/>
+            </a:prstTxWarp>
+          </a:bodyPr>
+          <a:lstStyle/>
+          <a:p>
+            <a:pPr marL="0" marR="0" indent="0" algn="l" defTabSz="914400" rtl="0" eaLnBrk="1" fontAlgn="base" latinLnBrk="0" hangingPunct="1">
+              <a:lnSpc>
+                <a:spcPct val="100000"/>
+              </a:lnSpc>
+              <a:spcBef>
+                <a:spcPct val="20000"/>
+              </a:spcBef>
+              <a:spcAft>
+                <a:spcPct val="0"/>
+              </a:spcAft>
+              <a:buClrTx/>
+              <a:buSzTx/>
+              <a:buFontTx/>
+              <a:buNone/>
+              <a:tabLst/>
+            </a:pPr>
+            <a:endParaRPr kumimoji="0" lang="en-GB" sz="4600" b="0" i="0" u="none" strike="noStrike" cap="none" normalizeH="0" baseline="0" smtClean="0">
+              <a:ln>
+                <a:noFill/>
+              </a:ln>
+              <a:solidFill>
+                <a:srgbClr val="000000"/>
+              </a:solidFill>
+              <a:effectLst/>
+              <a:latin typeface="Arial" charset="0"/>
+            </a:endParaRPr>
+          </a:p>
+        </p:txBody>
+      </p:sp>
+      <p:sp>
+        <p:nvSpPr>
+          <p:cNvPr id="13" name="Oval 12"/>
+          <p:cNvSpPr/>
+          <p:nvPr/>
+        </p:nvSpPr>
+        <p:spPr bwMode="auto">
+          <a:xfrm>
+            <a:off x="5686501" y="17893469"/>
+            <a:ext cx="900000" cy="900000"/>
+          </a:xfrm>
+          <a:prstGeom prst="ellipse">
+            <a:avLst/>
+          </a:prstGeom>
+          <a:solidFill>
+            <a:srgbClr val="64BEA5"/>
+          </a:solidFill>
+          <a:ln w="63500" cap="flat" cmpd="sng" algn="ctr">
+            <a:solidFill>
+              <a:schemeClr val="tx1"/>
+            </a:solidFill>
+            <a:prstDash val="solid"/>
+            <a:round/>
+            <a:headEnd type="none" w="med" len="med"/>
+            <a:tailEnd type="none" w="med" len="med"/>
+          </a:ln>
+          <a:effectLst/>
+          <a:extLst/>
+        </p:spPr>
+        <p:txBody>
+          <a:bodyPr vert="horz" wrap="square" lIns="457200" tIns="228600" rIns="457200" bIns="228600" numCol="1" rtlCol="0" anchor="t" anchorCtr="0" compatLnSpc="1">
+            <a:prstTxWarp prst="textNoShape">
+              <a:avLst/>
+            </a:prstTxWarp>
+          </a:bodyPr>
+          <a:lstStyle/>
+          <a:p>
+            <a:pPr marL="0" marR="0" indent="0" algn="l" defTabSz="914400" rtl="0" eaLnBrk="1" fontAlgn="base" latinLnBrk="0" hangingPunct="1">
+              <a:lnSpc>
+                <a:spcPct val="100000"/>
+              </a:lnSpc>
+              <a:spcBef>
+                <a:spcPct val="20000"/>
+              </a:spcBef>
+              <a:spcAft>
+                <a:spcPct val="0"/>
+              </a:spcAft>
+              <a:buClrTx/>
+              <a:buSzTx/>
+              <a:buFontTx/>
+              <a:buNone/>
+              <a:tabLst/>
+            </a:pPr>
+            <a:endParaRPr kumimoji="0" lang="en-GB" sz="4600" b="0" i="0" u="none" strike="noStrike" cap="none" normalizeH="0" baseline="0" smtClean="0">
+              <a:ln>
+                <a:noFill/>
+              </a:ln>
+              <a:solidFill>
+                <a:srgbClr val="000000"/>
+              </a:solidFill>
+              <a:effectLst/>
+              <a:latin typeface="Arial" charset="0"/>
+            </a:endParaRPr>
+          </a:p>
+        </p:txBody>
+      </p:sp>
+      <p:sp>
+        <p:nvSpPr>
+          <p:cNvPr id="14" name="TextBox 13"/>
+          <p:cNvSpPr txBox="1"/>
+          <p:nvPr/>
         </p:nvSpPr>
         <p:spPr>
           <a:xfrm>
-            <a:off x="6044563" y="16489213"/>
-            <a:ext cx="28875676" cy="5912000"/>
-          </a:xfrm>
-        </p:spPr>
-        <p:txBody>
-          <a:bodyPr/>
+            <a:off x="3256321" y="7689314"/>
+            <a:ext cx="5904376" cy="1169551"/>
+          </a:xfrm>
+          <a:prstGeom prst="rect">
+            <a:avLst/>
+          </a:prstGeom>
+          <a:noFill/>
+        </p:spPr>
+        <p:txBody>
+          <a:bodyPr wrap="square" rtlCol="0">
+            <a:spAutoFit/>
+          </a:bodyPr>
           <a:lstStyle/>
           <a:p>
+            <a:pPr algn="ctr"/>
             <a:r>
-              <a:rPr lang="sv-SE" sz="8800" dirty="0" smtClean="0"/>
-              <a:t>The result contains the magnitude and direction of the maximum activation of any filter in the group</a:t>
+              <a:rPr lang="sv-SE" sz="7000" b="1" dirty="0" smtClean="0"/>
+              <a:t>512 Nodes</a:t>
             </a:r>
-          </a:p>
-          <a:p>
-            <a:r>
-              <a:rPr lang="sv-SE" sz="8800" dirty="0" smtClean="0"/>
-              <a:t>This is passed on to the next layer</a:t>
-            </a:r>
-          </a:p>
-          <a:p>
-            <a:r>
-              <a:rPr lang="sv-SE" sz="8800" dirty="0" smtClean="0"/>
-              <a:t>4 RotEqNet layers are used in our model</a:t>
-            </a:r>
-          </a:p>
-        </p:txBody>
-      </p:sp>
-      <p:pic>
-        <p:nvPicPr>
-          <p:cNvPr id="4" name="Picture 3"/>
-          <p:cNvPicPr>
-            <a:picLocks noChangeAspect="1"/>
-          </p:cNvPicPr>
-          <p:nvPr/>
-        </p:nvPicPr>
-        <p:blipFill>
-          <a:blip r:embed="rId2">
-            <a:extLst>
-              <a:ext uri="{28A0092B-C50C-407E-A947-70E740481C1C}">
-                <a14:useLocalDpi xmlns:a14="http://schemas.microsoft.com/office/drawing/2010/main" val="0"/>
-              </a:ext>
-            </a:extLst>
-          </a:blip>
-          <a:stretch>
-            <a:fillRect/>
-          </a:stretch>
-        </p:blipFill>
-        <p:spPr>
-          <a:xfrm>
-            <a:off x="7228264" y="4535885"/>
-            <a:ext cx="10843613" cy="10801200"/>
-          </a:xfrm>
-          <a:prstGeom prst="rect">
-            <a:avLst/>
-          </a:prstGeom>
-        </p:spPr>
-      </p:pic>
-      <p:sp>
-        <p:nvSpPr>
-          <p:cNvPr id="5" name="Content Placeholder 2"/>
-          <p:cNvSpPr txBox="1">
-            <a:spLocks/>
-          </p:cNvSpPr>
-          <p:nvPr/>
-        </p:nvSpPr>
-        <p:spPr bwMode="auto">
-          <a:xfrm>
-            <a:off x="18359908" y="4337171"/>
-            <a:ext cx="15985777" cy="11287946"/>
-          </a:xfrm>
-          <a:prstGeom prst="rect">
+            <a:endParaRPr lang="en-GB" sz="7000" b="1" dirty="0"/>
+          </a:p>
+        </p:txBody>
+      </p:sp>
+      <p:cxnSp>
+        <p:nvCxnSpPr>
+          <p:cNvPr id="15" name="Straight Arrow Connector 14"/>
+          <p:cNvCxnSpPr/>
+          <p:nvPr/>
+        </p:nvCxnSpPr>
+        <p:spPr bwMode="auto">
+          <a:xfrm>
+            <a:off x="7126661" y="14127027"/>
+            <a:ext cx="5040560" cy="0"/>
+          </a:xfrm>
+          <a:prstGeom prst="straightConnector1">
             <a:avLst/>
           </a:prstGeom>
           <a:noFill/>
-          <a:ln>
-            <a:noFill/>
+          <a:ln w="317500" cap="flat" cmpd="sng" algn="ctr">
+            <a:solidFill>
+              <a:schemeClr val="tx1"/>
+            </a:solidFill>
+            <a:prstDash val="solid"/>
+            <a:round/>
+            <a:headEnd type="none" w="med" len="med"/>
+            <a:tailEnd type="triangle" w="med" len="med"/>
           </a:ln>
           <a:effectLst/>
           <a:extLst>
@@ -19941,16 +17162,6 @@
                   <a:schemeClr val="accent1"/>
                 </a:solidFill>
               </a14:hiddenFill>
-            </a:ext>
-            <a:ext uri="{91240B29-F687-4F45-9708-019B960494DF}">
-              <a14:hiddenLine xmlns:a14="http://schemas.microsoft.com/office/drawing/2010/main" w="9525">
-                <a:solidFill>
-                  <a:schemeClr val="tx1"/>
-                </a:solidFill>
-                <a:miter lim="800000"/>
-                <a:headEnd/>
-                <a:tailEnd/>
-              </a14:hiddenLine>
             </a:ext>
             <a:ext uri="{AF507438-7753-43E0-B8FC-AC1667EBCBE1}">
               <a14:hiddenEffects xmlns:a14="http://schemas.microsoft.com/office/drawing/2010/main">
@@ -19963,194 +17174,886 @@
             </a:ext>
           </a:extLst>
         </p:spPr>
-        <p:txBody>
-          <a:bodyPr vert="horz" wrap="square" lIns="349592" tIns="174796" rIns="349592" bIns="174796" numCol="1" anchor="t" anchorCtr="0" compatLnSpc="1">
+      </p:cxnSp>
+      <p:sp>
+        <p:nvSpPr>
+          <p:cNvPr id="20" name="Oval 19"/>
+          <p:cNvSpPr/>
+          <p:nvPr/>
+        </p:nvSpPr>
+        <p:spPr bwMode="auto">
+          <a:xfrm>
+            <a:off x="12779389" y="9562760"/>
+            <a:ext cx="900000" cy="900000"/>
+          </a:xfrm>
+          <a:prstGeom prst="ellipse">
+            <a:avLst/>
+          </a:prstGeom>
+          <a:solidFill>
+            <a:schemeClr val="accent1">
+              <a:lumMod val="90000"/>
+            </a:schemeClr>
+          </a:solidFill>
+          <a:ln w="63500" cap="flat" cmpd="sng" algn="ctr">
+            <a:solidFill>
+              <a:schemeClr val="tx1"/>
+            </a:solidFill>
+            <a:prstDash val="solid"/>
+            <a:round/>
+            <a:headEnd type="none" w="med" len="med"/>
+            <a:tailEnd type="none" w="med" len="med"/>
+          </a:ln>
+          <a:effectLst/>
+          <a:extLst/>
+        </p:spPr>
+        <p:txBody>
+          <a:bodyPr vert="horz" wrap="square" lIns="457200" tIns="228600" rIns="457200" bIns="228600" numCol="1" rtlCol="0" anchor="t" anchorCtr="0" compatLnSpc="1">
             <a:prstTxWarp prst="textNoShape">
               <a:avLst/>
             </a:prstTxWarp>
           </a:bodyPr>
-          <a:lstStyle>
-            <a:lvl1pPr marL="1311275" indent="-1311275" algn="l" defTabSz="3495675" rtl="0" fontAlgn="base">
+          <a:lstStyle/>
+          <a:p>
+            <a:pPr marL="0" marR="0" indent="0" algn="l" defTabSz="914400" rtl="0" eaLnBrk="1" fontAlgn="base" latinLnBrk="0" hangingPunct="1">
+              <a:lnSpc>
+                <a:spcPct val="100000"/>
+              </a:lnSpc>
               <a:spcBef>
                 <a:spcPct val="20000"/>
               </a:spcBef>
               <a:spcAft>
                 <a:spcPct val="0"/>
               </a:spcAft>
-              <a:buChar char="•"/>
-              <a:defRPr sz="10200">
-                <a:solidFill>
-                  <a:schemeClr val="tx1"/>
-                </a:solidFill>
-                <a:latin typeface="+mn-lt"/>
-                <a:ea typeface="+mn-ea"/>
-                <a:cs typeface="+mn-cs"/>
-              </a:defRPr>
-            </a:lvl1pPr>
-            <a:lvl2pPr marL="2838450" indent="-1089025" algn="l" defTabSz="3495675" rtl="0" fontAlgn="base">
+              <a:buClrTx/>
+              <a:buSzTx/>
+              <a:buFontTx/>
+              <a:buNone/>
+              <a:tabLst/>
+            </a:pPr>
+            <a:endParaRPr kumimoji="0" lang="en-GB" sz="4600" b="0" i="0" u="none" strike="noStrike" cap="none" normalizeH="0" baseline="0" smtClean="0">
+              <a:ln>
+                <a:noFill/>
+              </a:ln>
+              <a:solidFill>
+                <a:srgbClr val="000000"/>
+              </a:solidFill>
+              <a:effectLst/>
+              <a:latin typeface="Arial" charset="0"/>
+            </a:endParaRPr>
+          </a:p>
+        </p:txBody>
+      </p:sp>
+      <p:sp>
+        <p:nvSpPr>
+          <p:cNvPr id="21" name="Oval 20"/>
+          <p:cNvSpPr/>
+          <p:nvPr/>
+        </p:nvSpPr>
+        <p:spPr bwMode="auto">
+          <a:xfrm>
+            <a:off x="12779389" y="11196725"/>
+            <a:ext cx="900000" cy="900000"/>
+          </a:xfrm>
+          <a:prstGeom prst="ellipse">
+            <a:avLst/>
+          </a:prstGeom>
+          <a:solidFill>
+            <a:schemeClr val="bg2">
+              <a:lumMod val="75000"/>
+              <a:alpha val="42000"/>
+            </a:schemeClr>
+          </a:solidFill>
+          <a:ln w="63500" cap="flat" cmpd="sng" algn="ctr">
+            <a:solidFill>
+              <a:schemeClr val="tx1"/>
+            </a:solidFill>
+            <a:prstDash val="solid"/>
+            <a:round/>
+            <a:headEnd type="none" w="med" len="med"/>
+            <a:tailEnd type="none" w="med" len="med"/>
+          </a:ln>
+          <a:effectLst/>
+          <a:extLst/>
+        </p:spPr>
+        <p:txBody>
+          <a:bodyPr vert="horz" wrap="square" lIns="457200" tIns="228600" rIns="457200" bIns="228600" numCol="1" rtlCol="0" anchor="t" anchorCtr="0" compatLnSpc="1">
+            <a:prstTxWarp prst="textNoShape">
+              <a:avLst/>
+            </a:prstTxWarp>
+          </a:bodyPr>
+          <a:lstStyle/>
+          <a:p>
+            <a:pPr marL="0" marR="0" indent="0" algn="l" defTabSz="914400" rtl="0" eaLnBrk="1" fontAlgn="base" latinLnBrk="0" hangingPunct="1">
+              <a:lnSpc>
+                <a:spcPct val="100000"/>
+              </a:lnSpc>
               <a:spcBef>
                 <a:spcPct val="20000"/>
               </a:spcBef>
               <a:spcAft>
                 <a:spcPct val="0"/>
               </a:spcAft>
-              <a:buChar char="–"/>
-              <a:defRPr sz="9000">
-                <a:solidFill>
-                  <a:schemeClr val="tx1"/>
-                </a:solidFill>
-                <a:latin typeface="+mn-lt"/>
-              </a:defRPr>
-            </a:lvl2pPr>
-            <a:lvl3pPr marL="4368800" indent="-873125" algn="l" defTabSz="3495675" rtl="0" fontAlgn="base">
+              <a:buClrTx/>
+              <a:buSzTx/>
+              <a:buFontTx/>
+              <a:buNone/>
+              <a:tabLst/>
+            </a:pPr>
+            <a:endParaRPr kumimoji="0" lang="en-GB" sz="4600" b="0" i="0" u="none" strike="noStrike" cap="none" normalizeH="0" baseline="0" smtClean="0">
+              <a:ln>
+                <a:noFill/>
+              </a:ln>
+              <a:solidFill>
+                <a:srgbClr val="000000"/>
+              </a:solidFill>
+              <a:effectLst/>
+              <a:latin typeface="Arial" charset="0"/>
+            </a:endParaRPr>
+          </a:p>
+        </p:txBody>
+      </p:sp>
+      <p:sp>
+        <p:nvSpPr>
+          <p:cNvPr id="22" name="Oval 21"/>
+          <p:cNvSpPr/>
+          <p:nvPr/>
+        </p:nvSpPr>
+        <p:spPr bwMode="auto">
+          <a:xfrm>
+            <a:off x="12779389" y="12924817"/>
+            <a:ext cx="900000" cy="900000"/>
+          </a:xfrm>
+          <a:prstGeom prst="ellipse">
+            <a:avLst/>
+          </a:prstGeom>
+          <a:solidFill>
+            <a:schemeClr val="accent1">
+              <a:lumMod val="90000"/>
+            </a:schemeClr>
+          </a:solidFill>
+          <a:ln w="63500" cap="flat" cmpd="sng" algn="ctr">
+            <a:solidFill>
+              <a:schemeClr val="tx1"/>
+            </a:solidFill>
+            <a:prstDash val="solid"/>
+            <a:round/>
+            <a:headEnd type="none" w="med" len="med"/>
+            <a:tailEnd type="none" w="med" len="med"/>
+          </a:ln>
+          <a:effectLst/>
+          <a:extLst/>
+        </p:spPr>
+        <p:txBody>
+          <a:bodyPr vert="horz" wrap="square" lIns="457200" tIns="228600" rIns="457200" bIns="228600" numCol="1" rtlCol="0" anchor="t" anchorCtr="0" compatLnSpc="1">
+            <a:prstTxWarp prst="textNoShape">
+              <a:avLst/>
+            </a:prstTxWarp>
+          </a:bodyPr>
+          <a:lstStyle/>
+          <a:p>
+            <a:pPr marL="0" marR="0" indent="0" algn="l" defTabSz="914400" rtl="0" eaLnBrk="1" fontAlgn="base" latinLnBrk="0" hangingPunct="1">
+              <a:lnSpc>
+                <a:spcPct val="100000"/>
+              </a:lnSpc>
               <a:spcBef>
                 <a:spcPct val="20000"/>
               </a:spcBef>
               <a:spcAft>
                 <a:spcPct val="0"/>
               </a:spcAft>
-              <a:buChar char="•"/>
-              <a:defRPr sz="7500">
-                <a:solidFill>
-                  <a:schemeClr val="tx1"/>
-                </a:solidFill>
-                <a:latin typeface="+mn-lt"/>
-              </a:defRPr>
-            </a:lvl3pPr>
-            <a:lvl4pPr marL="6119813" indent="-876300" algn="l" defTabSz="3495675" rtl="0" fontAlgn="base">
+              <a:buClrTx/>
+              <a:buSzTx/>
+              <a:buFontTx/>
+              <a:buNone/>
+              <a:tabLst/>
+            </a:pPr>
+            <a:endParaRPr kumimoji="0" lang="en-GB" sz="4600" b="0" i="0" u="none" strike="noStrike" cap="none" normalizeH="0" baseline="0" smtClean="0">
+              <a:ln>
+                <a:noFill/>
+              </a:ln>
+              <a:solidFill>
+                <a:srgbClr val="000000"/>
+              </a:solidFill>
+              <a:effectLst/>
+              <a:latin typeface="Arial" charset="0"/>
+            </a:endParaRPr>
+          </a:p>
+        </p:txBody>
+      </p:sp>
+      <p:sp>
+        <p:nvSpPr>
+          <p:cNvPr id="23" name="Oval 22"/>
+          <p:cNvSpPr/>
+          <p:nvPr/>
+        </p:nvSpPr>
+        <p:spPr bwMode="auto">
+          <a:xfrm>
+            <a:off x="12779389" y="14558782"/>
+            <a:ext cx="900000" cy="900000"/>
+          </a:xfrm>
+          <a:prstGeom prst="ellipse">
+            <a:avLst/>
+          </a:prstGeom>
+          <a:solidFill>
+            <a:schemeClr val="bg2">
+              <a:lumMod val="75000"/>
+              <a:alpha val="42000"/>
+            </a:schemeClr>
+          </a:solidFill>
+          <a:ln w="63500" cap="flat" cmpd="sng" algn="ctr">
+            <a:solidFill>
+              <a:schemeClr val="tx1"/>
+            </a:solidFill>
+            <a:prstDash val="solid"/>
+            <a:round/>
+            <a:headEnd type="none" w="med" len="med"/>
+            <a:tailEnd type="none" w="med" len="med"/>
+          </a:ln>
+          <a:effectLst/>
+          <a:extLst/>
+        </p:spPr>
+        <p:txBody>
+          <a:bodyPr vert="horz" wrap="square" lIns="457200" tIns="228600" rIns="457200" bIns="228600" numCol="1" rtlCol="0" anchor="t" anchorCtr="0" compatLnSpc="1">
+            <a:prstTxWarp prst="textNoShape">
+              <a:avLst/>
+            </a:prstTxWarp>
+          </a:bodyPr>
+          <a:lstStyle/>
+          <a:p>
+            <a:pPr marL="0" marR="0" indent="0" algn="l" defTabSz="914400" rtl="0" eaLnBrk="1" fontAlgn="base" latinLnBrk="0" hangingPunct="1">
+              <a:lnSpc>
+                <a:spcPct val="100000"/>
+              </a:lnSpc>
               <a:spcBef>
                 <a:spcPct val="20000"/>
               </a:spcBef>
               <a:spcAft>
                 <a:spcPct val="0"/>
               </a:spcAft>
-              <a:buChar char="–"/>
-              <a:defRPr sz="6400">
-                <a:solidFill>
-                  <a:schemeClr val="tx1"/>
-                </a:solidFill>
-                <a:latin typeface="+mn-lt"/>
-              </a:defRPr>
-            </a:lvl4pPr>
-            <a:lvl5pPr marL="7867650" indent="-874713" algn="l" defTabSz="3495675" rtl="0" fontAlgn="base">
+              <a:buClrTx/>
+              <a:buSzTx/>
+              <a:buFontTx/>
+              <a:buNone/>
+              <a:tabLst/>
+            </a:pPr>
+            <a:endParaRPr kumimoji="0" lang="en-GB" sz="4600" b="0" i="0" u="none" strike="noStrike" cap="none" normalizeH="0" baseline="0" smtClean="0">
+              <a:ln>
+                <a:noFill/>
+              </a:ln>
+              <a:solidFill>
+                <a:srgbClr val="000000"/>
+              </a:solidFill>
+              <a:effectLst/>
+              <a:latin typeface="Arial" charset="0"/>
+            </a:endParaRPr>
+          </a:p>
+        </p:txBody>
+      </p:sp>
+      <p:sp>
+        <p:nvSpPr>
+          <p:cNvPr id="24" name="Oval 23"/>
+          <p:cNvSpPr/>
+          <p:nvPr/>
+        </p:nvSpPr>
+        <p:spPr bwMode="auto">
+          <a:xfrm>
+            <a:off x="12779389" y="16259504"/>
+            <a:ext cx="900000" cy="900000"/>
+          </a:xfrm>
+          <a:prstGeom prst="ellipse">
+            <a:avLst/>
+          </a:prstGeom>
+          <a:solidFill>
+            <a:schemeClr val="accent1">
+              <a:lumMod val="90000"/>
+            </a:schemeClr>
+          </a:solidFill>
+          <a:ln w="63500" cap="flat" cmpd="sng" algn="ctr">
+            <a:solidFill>
+              <a:schemeClr val="tx1"/>
+            </a:solidFill>
+            <a:prstDash val="solid"/>
+            <a:round/>
+            <a:headEnd type="none" w="med" len="med"/>
+            <a:tailEnd type="none" w="med" len="med"/>
+          </a:ln>
+          <a:effectLst/>
+          <a:extLst/>
+        </p:spPr>
+        <p:txBody>
+          <a:bodyPr vert="horz" wrap="square" lIns="457200" tIns="228600" rIns="457200" bIns="228600" numCol="1" rtlCol="0" anchor="t" anchorCtr="0" compatLnSpc="1">
+            <a:prstTxWarp prst="textNoShape">
+              <a:avLst/>
+            </a:prstTxWarp>
+          </a:bodyPr>
+          <a:lstStyle/>
+          <a:p>
+            <a:pPr marL="0" marR="0" indent="0" algn="l" defTabSz="914400" rtl="0" eaLnBrk="1" fontAlgn="base" latinLnBrk="0" hangingPunct="1">
+              <a:lnSpc>
+                <a:spcPct val="100000"/>
+              </a:lnSpc>
               <a:spcBef>
                 <a:spcPct val="20000"/>
               </a:spcBef>
               <a:spcAft>
                 <a:spcPct val="0"/>
               </a:spcAft>
-              <a:buChar char="»"/>
-              <a:defRPr sz="6400">
-                <a:solidFill>
-                  <a:schemeClr val="tx1"/>
-                </a:solidFill>
-                <a:latin typeface="+mn-lt"/>
-              </a:defRPr>
-            </a:lvl5pPr>
-            <a:lvl6pPr marL="8324850" indent="-874713" algn="l" defTabSz="3495675" rtl="0" fontAlgn="base">
+              <a:buClrTx/>
+              <a:buSzTx/>
+              <a:buFontTx/>
+              <a:buNone/>
+              <a:tabLst/>
+            </a:pPr>
+            <a:endParaRPr kumimoji="0" lang="en-GB" sz="4600" b="0" i="0" u="none" strike="noStrike" cap="none" normalizeH="0" baseline="0" smtClean="0">
+              <a:ln>
+                <a:noFill/>
+              </a:ln>
+              <a:solidFill>
+                <a:srgbClr val="000000"/>
+              </a:solidFill>
+              <a:effectLst/>
+              <a:latin typeface="Arial" charset="0"/>
+            </a:endParaRPr>
+          </a:p>
+        </p:txBody>
+      </p:sp>
+      <p:sp>
+        <p:nvSpPr>
+          <p:cNvPr id="25" name="Oval 24"/>
+          <p:cNvSpPr/>
+          <p:nvPr/>
+        </p:nvSpPr>
+        <p:spPr bwMode="auto">
+          <a:xfrm>
+            <a:off x="12779389" y="17893469"/>
+            <a:ext cx="900000" cy="900000"/>
+          </a:xfrm>
+          <a:prstGeom prst="ellipse">
+            <a:avLst/>
+          </a:prstGeom>
+          <a:solidFill>
+            <a:schemeClr val="bg2">
+              <a:lumMod val="75000"/>
+              <a:alpha val="42000"/>
+            </a:schemeClr>
+          </a:solidFill>
+          <a:ln w="63500" cap="flat" cmpd="sng" algn="ctr">
+            <a:solidFill>
+              <a:schemeClr val="tx1"/>
+            </a:solidFill>
+            <a:prstDash val="solid"/>
+            <a:round/>
+            <a:headEnd type="none" w="med" len="med"/>
+            <a:tailEnd type="none" w="med" len="med"/>
+          </a:ln>
+          <a:effectLst/>
+          <a:extLst/>
+        </p:spPr>
+        <p:txBody>
+          <a:bodyPr vert="horz" wrap="square" lIns="457200" tIns="228600" rIns="457200" bIns="228600" numCol="1" rtlCol="0" anchor="t" anchorCtr="0" compatLnSpc="1">
+            <a:prstTxWarp prst="textNoShape">
+              <a:avLst/>
+            </a:prstTxWarp>
+          </a:bodyPr>
+          <a:lstStyle/>
+          <a:p>
+            <a:pPr marL="0" marR="0" indent="0" algn="l" defTabSz="914400" rtl="0" eaLnBrk="1" fontAlgn="base" latinLnBrk="0" hangingPunct="1">
+              <a:lnSpc>
+                <a:spcPct val="100000"/>
+              </a:lnSpc>
               <a:spcBef>
                 <a:spcPct val="20000"/>
               </a:spcBef>
               <a:spcAft>
                 <a:spcPct val="0"/>
               </a:spcAft>
-              <a:buChar char="»"/>
-              <a:defRPr sz="6400">
-                <a:solidFill>
-                  <a:schemeClr val="tx1"/>
-                </a:solidFill>
-                <a:latin typeface="+mn-lt"/>
-              </a:defRPr>
-            </a:lvl6pPr>
-            <a:lvl7pPr marL="8782050" indent="-874713" algn="l" defTabSz="3495675" rtl="0" fontAlgn="base">
+              <a:buClrTx/>
+              <a:buSzTx/>
+              <a:buFontTx/>
+              <a:buNone/>
+              <a:tabLst/>
+            </a:pPr>
+            <a:endParaRPr kumimoji="0" lang="en-GB" sz="4600" b="0" i="0" u="none" strike="noStrike" cap="none" normalizeH="0" baseline="0" smtClean="0">
+              <a:ln>
+                <a:noFill/>
+              </a:ln>
+              <a:solidFill>
+                <a:srgbClr val="000000"/>
+              </a:solidFill>
+              <a:effectLst/>
+              <a:latin typeface="Arial" charset="0"/>
+            </a:endParaRPr>
+          </a:p>
+        </p:txBody>
+      </p:sp>
+      <p:sp>
+        <p:nvSpPr>
+          <p:cNvPr id="32" name="TextBox 31"/>
+          <p:cNvSpPr txBox="1"/>
+          <p:nvPr/>
+        </p:nvSpPr>
+        <p:spPr>
+          <a:xfrm>
+            <a:off x="11609109" y="7758822"/>
+            <a:ext cx="3078392" cy="1169551"/>
+          </a:xfrm>
+          <a:prstGeom prst="rect">
+            <a:avLst/>
+          </a:prstGeom>
+          <a:noFill/>
+        </p:spPr>
+        <p:txBody>
+          <a:bodyPr wrap="square" rtlCol="0">
+            <a:spAutoFit/>
+          </a:bodyPr>
+          <a:lstStyle/>
+          <a:p>
+            <a:pPr algn="ctr"/>
+            <a:r>
+              <a:rPr lang="sv-SE" sz="7000" b="1" dirty="0" smtClean="0"/>
+              <a:t>ReLU</a:t>
+            </a:r>
+            <a:endParaRPr lang="en-GB" sz="7000" b="1" dirty="0"/>
+          </a:p>
+        </p:txBody>
+      </p:sp>
+      <p:sp>
+        <p:nvSpPr>
+          <p:cNvPr id="36" name="Oval 35"/>
+          <p:cNvSpPr/>
+          <p:nvPr/>
+        </p:nvSpPr>
+        <p:spPr bwMode="auto">
+          <a:xfrm>
+            <a:off x="8440807" y="10080501"/>
+            <a:ext cx="2502278" cy="2434687"/>
+          </a:xfrm>
+          <a:prstGeom prst="ellipse">
+            <a:avLst/>
+          </a:prstGeom>
+          <a:solidFill>
+            <a:schemeClr val="accent1"/>
+          </a:solidFill>
+          <a:ln w="9525" cap="flat" cmpd="sng" algn="ctr">
+            <a:solidFill>
+              <a:schemeClr val="tx1"/>
+            </a:solidFill>
+            <a:prstDash val="solid"/>
+            <a:round/>
+            <a:headEnd type="none" w="med" len="med"/>
+            <a:tailEnd type="none" w="med" len="med"/>
+          </a:ln>
+          <a:effectLst/>
+          <a:extLst/>
+        </p:spPr>
+        <p:txBody>
+          <a:bodyPr vert="horz" wrap="square" lIns="457200" tIns="228600" rIns="457200" bIns="228600" numCol="1" rtlCol="0" anchor="t" anchorCtr="0" compatLnSpc="1">
+            <a:prstTxWarp prst="textNoShape">
+              <a:avLst/>
+            </a:prstTxWarp>
+          </a:bodyPr>
+          <a:lstStyle/>
+          <a:p>
+            <a:pPr marL="0" marR="0" indent="0" algn="l" defTabSz="914400" rtl="0" eaLnBrk="1" fontAlgn="base" latinLnBrk="0" hangingPunct="1">
+              <a:lnSpc>
+                <a:spcPct val="100000"/>
+              </a:lnSpc>
               <a:spcBef>
                 <a:spcPct val="20000"/>
               </a:spcBef>
               <a:spcAft>
                 <a:spcPct val="0"/>
               </a:spcAft>
-              <a:buChar char="»"/>
-              <a:defRPr sz="6400">
+              <a:buClrTx/>
+              <a:buSzTx/>
+              <a:buFontTx/>
+              <a:buNone/>
+              <a:tabLst/>
+            </a:pPr>
+            <a:endParaRPr kumimoji="0" lang="en-GB" sz="4600" b="0" i="0" u="none" strike="noStrike" cap="none" normalizeH="0" baseline="0" dirty="0" smtClean="0">
+              <a:ln>
+                <a:noFill/>
+              </a:ln>
+              <a:solidFill>
+                <a:srgbClr val="000000"/>
+              </a:solidFill>
+              <a:effectLst/>
+              <a:latin typeface="Arial" charset="0"/>
+            </a:endParaRPr>
+          </a:p>
+        </p:txBody>
+      </p:sp>
+      <p:sp>
+        <p:nvSpPr>
+          <p:cNvPr id="37" name="TextBox 36"/>
+          <p:cNvSpPr txBox="1"/>
+          <p:nvPr/>
+        </p:nvSpPr>
+        <p:spPr>
+          <a:xfrm>
+            <a:off x="8872855" y="10606876"/>
+            <a:ext cx="1807035" cy="1323439"/>
+          </a:xfrm>
+          <a:prstGeom prst="rect">
+            <a:avLst/>
+          </a:prstGeom>
+          <a:noFill/>
+        </p:spPr>
+        <p:txBody>
+          <a:bodyPr wrap="square" rtlCol="0">
+            <a:spAutoFit/>
+          </a:bodyPr>
+          <a:lstStyle/>
+          <a:p>
+            <a:r>
+              <a:rPr lang="sv-SE" sz="8000" dirty="0" smtClean="0"/>
+              <a:t>BN</a:t>
+            </a:r>
+            <a:endParaRPr lang="en-GB" sz="8000" dirty="0"/>
+          </a:p>
+        </p:txBody>
+      </p:sp>
+      <p:cxnSp>
+        <p:nvCxnSpPr>
+          <p:cNvPr id="38" name="Straight Connector 37"/>
+          <p:cNvCxnSpPr/>
+          <p:nvPr/>
+        </p:nvCxnSpPr>
+        <p:spPr bwMode="auto">
+          <a:xfrm>
+            <a:off x="9624616" y="12545170"/>
+            <a:ext cx="0" cy="1351755"/>
+          </a:xfrm>
+          <a:prstGeom prst="line">
+            <a:avLst/>
+          </a:prstGeom>
+          <a:noFill/>
+          <a:ln w="127000" cap="flat" cmpd="sng" algn="ctr">
+            <a:solidFill>
+              <a:schemeClr val="tx1"/>
+            </a:solidFill>
+            <a:prstDash val="sysDot"/>
+            <a:round/>
+            <a:headEnd type="none" w="med" len="med"/>
+            <a:tailEnd type="none" w="med" len="med"/>
+          </a:ln>
+          <a:effectLst/>
+          <a:extLst>
+            <a:ext uri="{909E8E84-426E-40DD-AFC4-6F175D3DCCD1}">
+              <a14:hiddenFill xmlns:a14="http://schemas.microsoft.com/office/drawing/2010/main">
                 <a:solidFill>
-                  <a:schemeClr val="tx1"/>
+                  <a:schemeClr val="accent1"/>
                 </a:solidFill>
-                <a:latin typeface="+mn-lt"/>
-              </a:defRPr>
-            </a:lvl7pPr>
-            <a:lvl8pPr marL="9239250" indent="-874713" algn="l" defTabSz="3495675" rtl="0" fontAlgn="base">
+              </a14:hiddenFill>
+            </a:ext>
+            <a:ext uri="{AF507438-7753-43E0-B8FC-AC1667EBCBE1}">
+              <a14:hiddenEffects xmlns:a14="http://schemas.microsoft.com/office/drawing/2010/main">
+                <a:effectLst>
+                  <a:outerShdw dist="35921" dir="2700000" algn="ctr" rotWithShape="0">
+                    <a:schemeClr val="bg2"/>
+                  </a:outerShdw>
+                </a:effectLst>
+              </a14:hiddenEffects>
+            </a:ext>
+          </a:extLst>
+        </p:spPr>
+      </p:cxnSp>
+      <p:cxnSp>
+        <p:nvCxnSpPr>
+          <p:cNvPr id="41" name="Straight Arrow Connector 40"/>
+          <p:cNvCxnSpPr/>
+          <p:nvPr/>
+        </p:nvCxnSpPr>
+        <p:spPr bwMode="auto">
+          <a:xfrm>
+            <a:off x="14039429" y="14112949"/>
+            <a:ext cx="2808312" cy="0"/>
+          </a:xfrm>
+          <a:prstGeom prst="straightConnector1">
+            <a:avLst/>
+          </a:prstGeom>
+          <a:noFill/>
+          <a:ln w="317500" cap="flat" cmpd="sng" algn="ctr">
+            <a:solidFill>
+              <a:schemeClr val="tx1"/>
+            </a:solidFill>
+            <a:prstDash val="solid"/>
+            <a:round/>
+            <a:headEnd type="none" w="med" len="med"/>
+            <a:tailEnd type="triangle" w="med" len="med"/>
+          </a:ln>
+          <a:effectLst/>
+          <a:extLst>
+            <a:ext uri="{909E8E84-426E-40DD-AFC4-6F175D3DCCD1}">
+              <a14:hiddenFill xmlns:a14="http://schemas.microsoft.com/office/drawing/2010/main">
+                <a:solidFill>
+                  <a:schemeClr val="accent1"/>
+                </a:solidFill>
+              </a14:hiddenFill>
+            </a:ext>
+            <a:ext uri="{AF507438-7753-43E0-B8FC-AC1667EBCBE1}">
+              <a14:hiddenEffects xmlns:a14="http://schemas.microsoft.com/office/drawing/2010/main">
+                <a:effectLst>
+                  <a:outerShdw dist="35921" dir="2700000" algn="ctr" rotWithShape="0">
+                    <a:schemeClr val="bg2"/>
+                  </a:outerShdw>
+                </a:effectLst>
+              </a14:hiddenEffects>
+            </a:ext>
+          </a:extLst>
+        </p:spPr>
+      </p:cxnSp>
+      <p:sp>
+        <p:nvSpPr>
+          <p:cNvPr id="44" name="Oval 43"/>
+          <p:cNvSpPr/>
+          <p:nvPr/>
+        </p:nvSpPr>
+        <p:spPr bwMode="auto">
+          <a:xfrm>
+            <a:off x="18014914" y="13680901"/>
+            <a:ext cx="900000" cy="900000"/>
+          </a:xfrm>
+          <a:prstGeom prst="ellipse">
+            <a:avLst/>
+          </a:prstGeom>
+          <a:solidFill>
+            <a:srgbClr val="C0E43E">
+              <a:alpha val="42000"/>
+            </a:srgbClr>
+          </a:solidFill>
+          <a:ln w="63500" cap="flat" cmpd="sng" algn="ctr">
+            <a:solidFill>
+              <a:schemeClr val="tx1"/>
+            </a:solidFill>
+            <a:prstDash val="solid"/>
+            <a:round/>
+            <a:headEnd type="none" w="med" len="med"/>
+            <a:tailEnd type="none" w="med" len="med"/>
+          </a:ln>
+          <a:effectLst/>
+          <a:extLst/>
+        </p:spPr>
+        <p:txBody>
+          <a:bodyPr vert="horz" wrap="square" lIns="457200" tIns="228600" rIns="457200" bIns="228600" numCol="1" rtlCol="0" anchor="t" anchorCtr="0" compatLnSpc="1">
+            <a:prstTxWarp prst="textNoShape">
+              <a:avLst/>
+            </a:prstTxWarp>
+          </a:bodyPr>
+          <a:lstStyle/>
+          <a:p>
+            <a:pPr marL="0" marR="0" indent="0" algn="l" defTabSz="914400" rtl="0" eaLnBrk="1" fontAlgn="base" latinLnBrk="0" hangingPunct="1">
+              <a:lnSpc>
+                <a:spcPct val="100000"/>
+              </a:lnSpc>
               <a:spcBef>
                 <a:spcPct val="20000"/>
               </a:spcBef>
               <a:spcAft>
                 <a:spcPct val="0"/>
               </a:spcAft>
-              <a:buChar char="»"/>
-              <a:defRPr sz="6400">
+              <a:buClrTx/>
+              <a:buSzTx/>
+              <a:buFontTx/>
+              <a:buNone/>
+              <a:tabLst/>
+            </a:pPr>
+            <a:endParaRPr kumimoji="0" lang="en-GB" sz="4600" b="0" i="0" u="none" strike="noStrike" cap="none" normalizeH="0" baseline="0" smtClean="0">
+              <a:ln>
+                <a:noFill/>
+              </a:ln>
+              <a:solidFill>
+                <a:srgbClr val="000000"/>
+              </a:solidFill>
+              <a:effectLst/>
+              <a:latin typeface="Arial" charset="0"/>
+            </a:endParaRPr>
+          </a:p>
+        </p:txBody>
+      </p:sp>
+      <p:sp>
+        <p:nvSpPr>
+          <p:cNvPr id="46" name="TextBox 45"/>
+          <p:cNvSpPr txBox="1"/>
+          <p:nvPr/>
+        </p:nvSpPr>
+        <p:spPr>
+          <a:xfrm>
+            <a:off x="16559709" y="11980697"/>
+            <a:ext cx="3960439" cy="1169551"/>
+          </a:xfrm>
+          <a:prstGeom prst="rect">
+            <a:avLst/>
+          </a:prstGeom>
+          <a:noFill/>
+        </p:spPr>
+        <p:txBody>
+          <a:bodyPr wrap="square" rtlCol="0">
+            <a:spAutoFit/>
+          </a:bodyPr>
+          <a:lstStyle/>
+          <a:p>
+            <a:pPr algn="ctr"/>
+            <a:r>
+              <a:rPr lang="sv-SE" sz="7000" b="1" dirty="0" smtClean="0"/>
+              <a:t>Sigmoid</a:t>
+            </a:r>
+            <a:endParaRPr lang="en-GB" sz="7000" b="1" dirty="0"/>
+          </a:p>
+        </p:txBody>
+      </p:sp>
+      <p:sp>
+        <p:nvSpPr>
+          <p:cNvPr id="47" name="TextBox 46"/>
+          <p:cNvSpPr txBox="1"/>
+          <p:nvPr/>
+        </p:nvSpPr>
+        <p:spPr>
+          <a:xfrm>
+            <a:off x="19658714" y="14630692"/>
+            <a:ext cx="5857445" cy="3816429"/>
+          </a:xfrm>
+          <a:prstGeom prst="rect">
+            <a:avLst/>
+          </a:prstGeom>
+          <a:noFill/>
+          <a:ln w="50800">
+            <a:solidFill>
+              <a:schemeClr val="tx1"/>
+            </a:solidFill>
+          </a:ln>
+        </p:spPr>
+        <p:txBody>
+          <a:bodyPr wrap="square" rtlCol="0">
+            <a:spAutoFit/>
+          </a:bodyPr>
+          <a:lstStyle/>
+          <a:p>
+            <a:r>
+              <a:rPr lang="sv-SE" sz="5500" b="1" dirty="0" smtClean="0"/>
+              <a:t>Single value x.</a:t>
+            </a:r>
+          </a:p>
+          <a:p>
+            <a:r>
+              <a:rPr lang="sv-SE" sz="5500" b="1" dirty="0"/>
+              <a:t>X</a:t>
+            </a:r>
+            <a:r>
+              <a:rPr lang="sv-SE" sz="5500" b="1" dirty="0" smtClean="0"/>
+              <a:t> &lt;0.5 </a:t>
+            </a:r>
+            <a:r>
+              <a:rPr lang="sv-SE" sz="5500" b="1" dirty="0"/>
+              <a:t>→</a:t>
+            </a:r>
+            <a:r>
+              <a:rPr lang="sv-SE" sz="5500" b="1" dirty="0" smtClean="0"/>
+              <a:t> cancer</a:t>
+            </a:r>
+          </a:p>
+          <a:p>
+            <a:r>
+              <a:rPr lang="sv-SE" sz="5500" b="1" dirty="0" smtClean="0"/>
+              <a:t>X &gt;=0.5 </a:t>
+            </a:r>
+            <a:r>
+              <a:rPr lang="sv-SE" sz="5500" b="1" dirty="0"/>
+              <a:t>→</a:t>
+            </a:r>
+            <a:r>
+              <a:rPr lang="sv-SE" sz="5500" b="1" dirty="0" smtClean="0"/>
+              <a:t> no cancer</a:t>
+            </a:r>
+            <a:endParaRPr lang="en-GB" sz="5500" b="1" dirty="0"/>
+          </a:p>
+        </p:txBody>
+      </p:sp>
+      <p:sp>
+        <p:nvSpPr>
+          <p:cNvPr id="48" name="TextBox 47"/>
+          <p:cNvSpPr txBox="1"/>
+          <p:nvPr/>
+        </p:nvSpPr>
+        <p:spPr>
+          <a:xfrm>
+            <a:off x="18215893" y="13672770"/>
+            <a:ext cx="750813" cy="800219"/>
+          </a:xfrm>
+          <a:prstGeom prst="rect">
+            <a:avLst/>
+          </a:prstGeom>
+          <a:noFill/>
+        </p:spPr>
+        <p:txBody>
+          <a:bodyPr wrap="square" rtlCol="0">
+            <a:spAutoFit/>
+          </a:bodyPr>
+          <a:lstStyle/>
+          <a:p>
+            <a:r>
+              <a:rPr lang="sv-SE" b="1" dirty="0" smtClean="0"/>
+              <a:t>x</a:t>
+            </a:r>
+            <a:endParaRPr lang="en-GB" b="1" dirty="0"/>
+          </a:p>
+        </p:txBody>
+      </p:sp>
+      <p:cxnSp>
+        <p:nvCxnSpPr>
+          <p:cNvPr id="50" name="Straight Arrow Connector 49"/>
+          <p:cNvCxnSpPr/>
+          <p:nvPr/>
+        </p:nvCxnSpPr>
+        <p:spPr bwMode="auto">
+          <a:xfrm>
+            <a:off x="3094213" y="14112949"/>
+            <a:ext cx="2520280" cy="17952"/>
+          </a:xfrm>
+          <a:prstGeom prst="straightConnector1">
+            <a:avLst/>
+          </a:prstGeom>
+          <a:noFill/>
+          <a:ln w="317500" cap="flat" cmpd="sng" algn="ctr">
+            <a:solidFill>
+              <a:schemeClr val="tx1"/>
+            </a:solidFill>
+            <a:prstDash val="solid"/>
+            <a:round/>
+            <a:headEnd type="none" w="med" len="med"/>
+            <a:tailEnd type="triangle" w="med" len="med"/>
+          </a:ln>
+          <a:effectLst/>
+          <a:extLst>
+            <a:ext uri="{909E8E84-426E-40DD-AFC4-6F175D3DCCD1}">
+              <a14:hiddenFill xmlns:a14="http://schemas.microsoft.com/office/drawing/2010/main">
                 <a:solidFill>
-                  <a:schemeClr val="tx1"/>
+                  <a:schemeClr val="accent1"/>
                 </a:solidFill>
-                <a:latin typeface="+mn-lt"/>
-              </a:defRPr>
-            </a:lvl8pPr>
-            <a:lvl9pPr marL="9696450" indent="-874713" algn="l" defTabSz="3495675" rtl="0" fontAlgn="base">
-              <a:spcBef>
-                <a:spcPct val="20000"/>
-              </a:spcBef>
-              <a:spcAft>
-                <a:spcPct val="0"/>
-              </a:spcAft>
-              <a:buChar char="»"/>
-              <a:defRPr sz="6400">
-                <a:solidFill>
-                  <a:schemeClr val="tx1"/>
-                </a:solidFill>
-                <a:latin typeface="+mn-lt"/>
-              </a:defRPr>
-            </a:lvl9pPr>
-          </a:lstStyle>
-          <a:p>
-            <a:r>
-              <a:rPr lang="sv-SE" sz="8800" kern="0" dirty="0" smtClean="0"/>
-              <a:t>Developed rotationally invariant filters with vector field outputs</a:t>
-            </a:r>
-          </a:p>
-          <a:p>
-            <a:r>
-              <a:rPr lang="sv-SE" sz="8800" kern="0" dirty="0" smtClean="0"/>
-              <a:t>Filters are organised in groups consisting of R filters</a:t>
-            </a:r>
-          </a:p>
-          <a:p>
-            <a:r>
-              <a:rPr lang="sv-SE" sz="8800" kern="0" dirty="0" smtClean="0"/>
-              <a:t>Only the first is trainable</a:t>
-            </a:r>
-          </a:p>
-          <a:p>
-            <a:r>
-              <a:rPr lang="sv-SE" sz="8800" kern="0" dirty="0" smtClean="0"/>
-              <a:t>The rest are rotations</a:t>
-            </a:r>
-          </a:p>
-        </p:txBody>
-      </p:sp>
+              </a14:hiddenFill>
+            </a:ext>
+            <a:ext uri="{AF507438-7753-43E0-B8FC-AC1667EBCBE1}">
+              <a14:hiddenEffects xmlns:a14="http://schemas.microsoft.com/office/drawing/2010/main">
+                <a:effectLst>
+                  <a:outerShdw dist="35921" dir="2700000" algn="ctr" rotWithShape="0">
+                    <a:schemeClr val="bg2"/>
+                  </a:outerShdw>
+                </a:effectLst>
+              </a14:hiddenEffects>
+            </a:ext>
+          </a:extLst>
+        </p:spPr>
+      </p:cxnSp>
     </p:spTree>
     <p:extLst>
       <p:ext uri="{BB962C8B-B14F-4D97-AF65-F5344CB8AC3E}">
-        <p14:creationId xmlns:p14="http://schemas.microsoft.com/office/powerpoint/2010/main" val="806055703"/>
+        <p14:creationId xmlns:p14="http://schemas.microsoft.com/office/powerpoint/2010/main" val="2011244234"/>
       </p:ext>
     </p:extLst>
   </p:cSld>
   <p:clrMapOvr>
     <a:masterClrMapping/>
   </p:clrMapOvr>
-  <p:timing>
-    <p:tnLst>
-      <p:par>
-        <p:cTn id="1" dur="indefinite" restart="never" nodeType="tmRoot"/>
-      </p:par>
-    </p:tnLst>
-  </p:timing>
 </p:sld>
 </file>
 

--- a/Presentation_material/figures/figures.pptx
+++ b/Presentation_material/figures/figures.pptx
@@ -9771,7 +9771,7 @@
         </p:nvSpPr>
         <p:spPr bwMode="auto">
           <a:xfrm>
-            <a:off x="5455383" y="3490605"/>
+            <a:off x="5470591" y="3490605"/>
             <a:ext cx="29538374" cy="20127400"/>
           </a:xfrm>
           <a:prstGeom prst="roundRect">
@@ -12095,7 +12095,7 @@
         </p:nvSpPr>
         <p:spPr bwMode="auto">
           <a:xfrm>
-            <a:off x="24624605" y="9646689"/>
+            <a:off x="25112013" y="9991845"/>
             <a:ext cx="1080000" cy="1080000"/>
           </a:xfrm>
           <a:prstGeom prst="rect">
@@ -12161,7 +12161,7 @@
         </p:nvSpPr>
         <p:spPr bwMode="auto">
           <a:xfrm>
-            <a:off x="24777005" y="9799089"/>
+            <a:off x="25264413" y="10144245"/>
             <a:ext cx="1080000" cy="1080000"/>
           </a:xfrm>
           <a:prstGeom prst="rect">
@@ -12227,427 +12227,7 @@
         </p:nvSpPr>
         <p:spPr bwMode="auto">
           <a:xfrm>
-            <a:off x="24929405" y="9951489"/>
-            <a:ext cx="1080000" cy="1080000"/>
-          </a:xfrm>
-          <a:prstGeom prst="rect">
-            <a:avLst/>
-          </a:prstGeom>
-          <a:solidFill>
-            <a:srgbClr val="00B0F0"/>
-          </a:solidFill>
-          <a:ln w="9525" cap="flat" cmpd="sng" algn="ctr">
-            <a:solidFill>
-              <a:schemeClr val="tx1"/>
-            </a:solidFill>
-            <a:prstDash val="solid"/>
-            <a:round/>
-            <a:headEnd type="none" w="med" len="med"/>
-            <a:tailEnd type="none" w="med" len="med"/>
-          </a:ln>
-          <a:effectLst/>
-          <a:extLst/>
-        </p:spPr>
-        <p:txBody>
-          <a:bodyPr vert="horz" wrap="square" lIns="457200" tIns="228600" rIns="457200" bIns="228600" numCol="1" rtlCol="0" anchor="t" anchorCtr="0" compatLnSpc="1">
-            <a:prstTxWarp prst="textNoShape">
-              <a:avLst/>
-            </a:prstTxWarp>
-          </a:bodyPr>
-          <a:lstStyle/>
-          <a:p>
-            <a:pPr marL="0" marR="0" indent="0" algn="l" defTabSz="914400" rtl="0" eaLnBrk="1" fontAlgn="base" latinLnBrk="0" hangingPunct="1">
-              <a:lnSpc>
-                <a:spcPct val="100000"/>
-              </a:lnSpc>
-              <a:spcBef>
-                <a:spcPct val="20000"/>
-              </a:spcBef>
-              <a:spcAft>
-                <a:spcPct val="0"/>
-              </a:spcAft>
-              <a:buClrTx/>
-              <a:buSzTx/>
-              <a:buFontTx/>
-              <a:buNone/>
-              <a:tabLst/>
-            </a:pPr>
-            <a:endParaRPr kumimoji="0" lang="en-GB" sz="4600" b="0" i="0" u="none" strike="noStrike" cap="none" normalizeH="0" baseline="0" dirty="0" smtClean="0">
-              <a:ln>
-                <a:noFill/>
-              </a:ln>
-              <a:solidFill>
-                <a:srgbClr val="FF0000"/>
-              </a:solidFill>
-              <a:effectLst/>
-              <a:latin typeface="Arial" charset="0"/>
-            </a:endParaRPr>
-          </a:p>
-        </p:txBody>
-      </p:sp>
-      <p:sp>
-        <p:nvSpPr>
-          <p:cNvPr id="136" name="Rectangle 135"/>
-          <p:cNvSpPr/>
-          <p:nvPr/>
-        </p:nvSpPr>
-        <p:spPr bwMode="auto">
-          <a:xfrm>
-            <a:off x="25081805" y="10103889"/>
-            <a:ext cx="1080000" cy="1080000"/>
-          </a:xfrm>
-          <a:prstGeom prst="rect">
-            <a:avLst/>
-          </a:prstGeom>
-          <a:solidFill>
-            <a:srgbClr val="FF0000"/>
-          </a:solidFill>
-          <a:ln w="9525" cap="flat" cmpd="sng" algn="ctr">
-            <a:solidFill>
-              <a:schemeClr val="tx1"/>
-            </a:solidFill>
-            <a:prstDash val="solid"/>
-            <a:round/>
-            <a:headEnd type="none" w="med" len="med"/>
-            <a:tailEnd type="none" w="med" len="med"/>
-          </a:ln>
-          <a:effectLst/>
-          <a:extLst/>
-        </p:spPr>
-        <p:txBody>
-          <a:bodyPr vert="horz" wrap="square" lIns="457200" tIns="228600" rIns="457200" bIns="228600" numCol="1" rtlCol="0" anchor="t" anchorCtr="0" compatLnSpc="1">
-            <a:prstTxWarp prst="textNoShape">
-              <a:avLst/>
-            </a:prstTxWarp>
-          </a:bodyPr>
-          <a:lstStyle/>
-          <a:p>
-            <a:pPr marL="0" marR="0" indent="0" algn="l" defTabSz="914400" rtl="0" eaLnBrk="1" fontAlgn="base" latinLnBrk="0" hangingPunct="1">
-              <a:lnSpc>
-                <a:spcPct val="100000"/>
-              </a:lnSpc>
-              <a:spcBef>
-                <a:spcPct val="20000"/>
-              </a:spcBef>
-              <a:spcAft>
-                <a:spcPct val="0"/>
-              </a:spcAft>
-              <a:buClrTx/>
-              <a:buSzTx/>
-              <a:buFontTx/>
-              <a:buNone/>
-              <a:tabLst/>
-            </a:pPr>
-            <a:endParaRPr kumimoji="0" lang="en-GB" sz="4600" b="0" i="0" u="none" strike="noStrike" cap="none" normalizeH="0" baseline="0" dirty="0" smtClean="0">
-              <a:ln>
-                <a:noFill/>
-              </a:ln>
-              <a:solidFill>
-                <a:srgbClr val="FF0000"/>
-              </a:solidFill>
-              <a:effectLst/>
-              <a:latin typeface="Arial" charset="0"/>
-            </a:endParaRPr>
-          </a:p>
-        </p:txBody>
-      </p:sp>
-      <p:sp>
-        <p:nvSpPr>
-          <p:cNvPr id="138" name="Rectangle 137"/>
-          <p:cNvSpPr/>
-          <p:nvPr/>
-        </p:nvSpPr>
-        <p:spPr bwMode="auto">
-          <a:xfrm>
-            <a:off x="25234205" y="10256289"/>
-            <a:ext cx="1080000" cy="1080000"/>
-          </a:xfrm>
-          <a:prstGeom prst="rect">
-            <a:avLst/>
-          </a:prstGeom>
-          <a:solidFill>
-            <a:srgbClr val="13DDED"/>
-          </a:solidFill>
-          <a:ln w="9525" cap="flat" cmpd="sng" algn="ctr">
-            <a:solidFill>
-              <a:schemeClr val="tx1"/>
-            </a:solidFill>
-            <a:prstDash val="solid"/>
-            <a:round/>
-            <a:headEnd type="none" w="med" len="med"/>
-            <a:tailEnd type="none" w="med" len="med"/>
-          </a:ln>
-          <a:effectLst/>
-          <a:extLst/>
-        </p:spPr>
-        <p:txBody>
-          <a:bodyPr vert="horz" wrap="square" lIns="457200" tIns="228600" rIns="457200" bIns="228600" numCol="1" rtlCol="0" anchor="t" anchorCtr="0" compatLnSpc="1">
-            <a:prstTxWarp prst="textNoShape">
-              <a:avLst/>
-            </a:prstTxWarp>
-          </a:bodyPr>
-          <a:lstStyle/>
-          <a:p>
-            <a:pPr marL="0" marR="0" indent="0" algn="l" defTabSz="914400" rtl="0" eaLnBrk="1" fontAlgn="base" latinLnBrk="0" hangingPunct="1">
-              <a:lnSpc>
-                <a:spcPct val="100000"/>
-              </a:lnSpc>
-              <a:spcBef>
-                <a:spcPct val="20000"/>
-              </a:spcBef>
-              <a:spcAft>
-                <a:spcPct val="0"/>
-              </a:spcAft>
-              <a:buClrTx/>
-              <a:buSzTx/>
-              <a:buFontTx/>
-              <a:buNone/>
-              <a:tabLst/>
-            </a:pPr>
-            <a:endParaRPr kumimoji="0" lang="en-GB" sz="4600" b="0" i="0" u="none" strike="noStrike" cap="none" normalizeH="0" baseline="0" dirty="0" smtClean="0">
-              <a:ln>
-                <a:noFill/>
-              </a:ln>
-              <a:solidFill>
-                <a:srgbClr val="FF0000"/>
-              </a:solidFill>
-              <a:effectLst/>
-              <a:latin typeface="Arial" charset="0"/>
-            </a:endParaRPr>
-          </a:p>
-        </p:txBody>
-      </p:sp>
-      <p:sp>
-        <p:nvSpPr>
-          <p:cNvPr id="139" name="TextBox 138"/>
-          <p:cNvSpPr txBox="1"/>
-          <p:nvPr/>
-        </p:nvSpPr>
-        <p:spPr>
-          <a:xfrm>
-            <a:off x="25538910" y="10859539"/>
-            <a:ext cx="540000" cy="1015663"/>
-          </a:xfrm>
-          <a:prstGeom prst="rect">
-            <a:avLst/>
-          </a:prstGeom>
-          <a:noFill/>
-        </p:spPr>
-        <p:txBody>
-          <a:bodyPr wrap="square" rtlCol="0">
-            <a:spAutoFit/>
-          </a:bodyPr>
-          <a:lstStyle/>
-          <a:p>
-            <a:r>
-              <a:rPr lang="sv-SE" sz="6000" b="1" dirty="0" smtClean="0"/>
-              <a:t>.</a:t>
-            </a:r>
-            <a:endParaRPr lang="en-GB" sz="6000" b="1" dirty="0"/>
-          </a:p>
-        </p:txBody>
-      </p:sp>
-      <p:sp>
-        <p:nvSpPr>
-          <p:cNvPr id="141" name="TextBox 140"/>
-          <p:cNvSpPr txBox="1"/>
-          <p:nvPr/>
-        </p:nvSpPr>
-        <p:spPr>
-          <a:xfrm>
-            <a:off x="25691310" y="11011939"/>
-            <a:ext cx="540000" cy="1015663"/>
-          </a:xfrm>
-          <a:prstGeom prst="rect">
-            <a:avLst/>
-          </a:prstGeom>
-          <a:noFill/>
-        </p:spPr>
-        <p:txBody>
-          <a:bodyPr wrap="square" rtlCol="0">
-            <a:spAutoFit/>
-          </a:bodyPr>
-          <a:lstStyle/>
-          <a:p>
-            <a:r>
-              <a:rPr lang="sv-SE" sz="6000" b="1" dirty="0" smtClean="0"/>
-              <a:t>.</a:t>
-            </a:r>
-            <a:endParaRPr lang="en-GB" sz="6000" b="1" dirty="0"/>
-          </a:p>
-        </p:txBody>
-      </p:sp>
-      <p:sp>
-        <p:nvSpPr>
-          <p:cNvPr id="142" name="TextBox 141"/>
-          <p:cNvSpPr txBox="1"/>
-          <p:nvPr/>
-        </p:nvSpPr>
-        <p:spPr>
-          <a:xfrm>
-            <a:off x="25843710" y="11164339"/>
-            <a:ext cx="540000" cy="1015663"/>
-          </a:xfrm>
-          <a:prstGeom prst="rect">
-            <a:avLst/>
-          </a:prstGeom>
-          <a:noFill/>
-        </p:spPr>
-        <p:txBody>
-          <a:bodyPr wrap="square" rtlCol="0">
-            <a:spAutoFit/>
-          </a:bodyPr>
-          <a:lstStyle/>
-          <a:p>
-            <a:r>
-              <a:rPr lang="sv-SE" sz="6000" b="1" dirty="0" smtClean="0"/>
-              <a:t>.</a:t>
-            </a:r>
-            <a:endParaRPr lang="en-GB" sz="6000" b="1" dirty="0"/>
-          </a:p>
-        </p:txBody>
-      </p:sp>
-      <p:sp>
-        <p:nvSpPr>
-          <p:cNvPr id="143" name="Rectangle 142"/>
-          <p:cNvSpPr/>
-          <p:nvPr/>
-        </p:nvSpPr>
-        <p:spPr bwMode="auto">
-          <a:xfrm>
-            <a:off x="26308226" y="11390993"/>
-            <a:ext cx="1080000" cy="1080000"/>
-          </a:xfrm>
-          <a:prstGeom prst="rect">
-            <a:avLst/>
-          </a:prstGeom>
-          <a:solidFill>
-            <a:srgbClr val="92D050"/>
-          </a:solidFill>
-          <a:ln w="9525" cap="flat" cmpd="sng" algn="ctr">
-            <a:solidFill>
-              <a:schemeClr val="tx1"/>
-            </a:solidFill>
-            <a:prstDash val="solid"/>
-            <a:round/>
-            <a:headEnd type="none" w="med" len="med"/>
-            <a:tailEnd type="none" w="med" len="med"/>
-          </a:ln>
-          <a:effectLst/>
-          <a:extLst/>
-        </p:spPr>
-        <p:txBody>
-          <a:bodyPr vert="horz" wrap="square" lIns="457200" tIns="228600" rIns="457200" bIns="228600" numCol="1" rtlCol="0" anchor="t" anchorCtr="0" compatLnSpc="1">
-            <a:prstTxWarp prst="textNoShape">
-              <a:avLst/>
-            </a:prstTxWarp>
-          </a:bodyPr>
-          <a:lstStyle/>
-          <a:p>
-            <a:pPr marL="0" marR="0" indent="0" algn="l" defTabSz="914400" rtl="0" eaLnBrk="1" fontAlgn="base" latinLnBrk="0" hangingPunct="1">
-              <a:lnSpc>
-                <a:spcPct val="100000"/>
-              </a:lnSpc>
-              <a:spcBef>
-                <a:spcPct val="20000"/>
-              </a:spcBef>
-              <a:spcAft>
-                <a:spcPct val="0"/>
-              </a:spcAft>
-              <a:buClrTx/>
-              <a:buSzTx/>
-              <a:buFontTx/>
-              <a:buNone/>
-              <a:tabLst/>
-            </a:pPr>
-            <a:endParaRPr kumimoji="0" lang="en-GB" sz="4600" b="0" i="0" u="none" strike="noStrike" cap="none" normalizeH="0" baseline="0" dirty="0" smtClean="0">
-              <a:ln>
-                <a:noFill/>
-              </a:ln>
-              <a:solidFill>
-                <a:srgbClr val="FF0000"/>
-              </a:solidFill>
-              <a:effectLst/>
-              <a:latin typeface="Arial" charset="0"/>
-            </a:endParaRPr>
-          </a:p>
-        </p:txBody>
-      </p:sp>
-      <p:sp>
-        <p:nvSpPr>
-          <p:cNvPr id="144" name="Rectangle 143"/>
-          <p:cNvSpPr/>
-          <p:nvPr/>
-        </p:nvSpPr>
-        <p:spPr bwMode="auto">
-          <a:xfrm>
-            <a:off x="26460626" y="11543393"/>
-            <a:ext cx="1080000" cy="1080000"/>
-          </a:xfrm>
-          <a:prstGeom prst="rect">
-            <a:avLst/>
-          </a:prstGeom>
-          <a:solidFill>
-            <a:srgbClr val="FFFF00"/>
-          </a:solidFill>
-          <a:ln w="9525" cap="flat" cmpd="sng" algn="ctr">
-            <a:solidFill>
-              <a:schemeClr val="tx1"/>
-            </a:solidFill>
-            <a:prstDash val="solid"/>
-            <a:round/>
-            <a:headEnd type="none" w="med" len="med"/>
-            <a:tailEnd type="none" w="med" len="med"/>
-          </a:ln>
-          <a:effectLst/>
-          <a:extLst/>
-        </p:spPr>
-        <p:txBody>
-          <a:bodyPr vert="horz" wrap="square" lIns="457200" tIns="228600" rIns="457200" bIns="228600" numCol="1" rtlCol="0" anchor="t" anchorCtr="0" compatLnSpc="1">
-            <a:prstTxWarp prst="textNoShape">
-              <a:avLst/>
-            </a:prstTxWarp>
-          </a:bodyPr>
-          <a:lstStyle/>
-          <a:p>
-            <a:pPr marL="0" marR="0" indent="0" algn="l" defTabSz="914400" rtl="0" eaLnBrk="1" fontAlgn="base" latinLnBrk="0" hangingPunct="1">
-              <a:lnSpc>
-                <a:spcPct val="100000"/>
-              </a:lnSpc>
-              <a:spcBef>
-                <a:spcPct val="20000"/>
-              </a:spcBef>
-              <a:spcAft>
-                <a:spcPct val="0"/>
-              </a:spcAft>
-              <a:buClrTx/>
-              <a:buSzTx/>
-              <a:buFontTx/>
-              <a:buNone/>
-              <a:tabLst/>
-            </a:pPr>
-            <a:endParaRPr kumimoji="0" lang="en-GB" sz="4600" b="0" i="0" u="none" strike="noStrike" cap="none" normalizeH="0" baseline="0" dirty="0" smtClean="0">
-              <a:ln>
-                <a:noFill/>
-              </a:ln>
-              <a:solidFill>
-                <a:srgbClr val="FF0000"/>
-              </a:solidFill>
-              <a:effectLst/>
-              <a:latin typeface="Arial" charset="0"/>
-            </a:endParaRPr>
-          </a:p>
-        </p:txBody>
-      </p:sp>
-      <p:sp>
-        <p:nvSpPr>
-          <p:cNvPr id="145" name="Rectangle 144"/>
-          <p:cNvSpPr/>
-          <p:nvPr/>
-        </p:nvSpPr>
-        <p:spPr bwMode="auto">
-          <a:xfrm>
-            <a:off x="26613026" y="11695793"/>
+            <a:off x="25416813" y="10296645"/>
             <a:ext cx="1080000" cy="1080000"/>
           </a:xfrm>
           <a:prstGeom prst="rect">
@@ -12866,7 +12446,7 @@
         </p:nvSpPr>
         <p:spPr bwMode="auto">
           <a:xfrm>
-            <a:off x="24624605" y="14624640"/>
+            <a:off x="25400045" y="15536461"/>
             <a:ext cx="1080000" cy="1080000"/>
           </a:xfrm>
           <a:prstGeom prst="rect">
@@ -12932,7 +12512,7 @@
         </p:nvSpPr>
         <p:spPr bwMode="auto">
           <a:xfrm>
-            <a:off x="24777005" y="14777040"/>
+            <a:off x="25552445" y="15688861"/>
             <a:ext cx="1080000" cy="1080000"/>
           </a:xfrm>
           <a:prstGeom prst="rect">
@@ -12998,7 +12578,7 @@
         </p:nvSpPr>
         <p:spPr bwMode="auto">
           <a:xfrm>
-            <a:off x="24929405" y="14929440"/>
+            <a:off x="25704845" y="15841261"/>
             <a:ext cx="1080000" cy="1080000"/>
           </a:xfrm>
           <a:prstGeom prst="rect">
@@ -13058,13 +12638,43 @@
       </p:sp>
       <p:sp>
         <p:nvSpPr>
-          <p:cNvPr id="168" name="Rectangle 167"/>
+          <p:cNvPr id="172" name="TextBox 171"/>
+          <p:cNvSpPr txBox="1"/>
+          <p:nvPr/>
+        </p:nvSpPr>
+        <p:spPr>
+          <a:xfrm>
+            <a:off x="32433051" y="15035273"/>
+            <a:ext cx="540000" cy="1015663"/>
+          </a:xfrm>
+          <a:prstGeom prst="rect">
+            <a:avLst/>
+          </a:prstGeom>
+          <a:noFill/>
+        </p:spPr>
+        <p:txBody>
+          <a:bodyPr wrap="square" rtlCol="0">
+            <a:spAutoFit/>
+          </a:bodyPr>
+          <a:lstStyle/>
+          <a:p>
+            <a:r>
+              <a:rPr lang="sv-SE" sz="6000" b="1" dirty="0" smtClean="0"/>
+              <a:t>.</a:t>
+            </a:r>
+            <a:endParaRPr lang="en-GB" sz="6000" b="1" dirty="0"/>
+          </a:p>
+        </p:txBody>
+      </p:sp>
+      <p:sp>
+        <p:nvSpPr>
+          <p:cNvPr id="176" name="Rectangle 175"/>
           <p:cNvSpPr/>
           <p:nvPr/>
         </p:nvSpPr>
         <p:spPr bwMode="auto">
           <a:xfrm>
-            <a:off x="25081805" y="15081840"/>
+            <a:off x="25616069" y="21009069"/>
             <a:ext cx="1080000" cy="1080000"/>
           </a:xfrm>
           <a:prstGeom prst="rect">
@@ -13072,72 +12682,6 @@
           </a:prstGeom>
           <a:solidFill>
             <a:srgbClr val="92D050"/>
-          </a:solidFill>
-          <a:ln w="9525" cap="flat" cmpd="sng" algn="ctr">
-            <a:solidFill>
-              <a:schemeClr val="tx1"/>
-            </a:solidFill>
-            <a:prstDash val="solid"/>
-            <a:round/>
-            <a:headEnd type="none" w="med" len="med"/>
-            <a:tailEnd type="none" w="med" len="med"/>
-          </a:ln>
-          <a:effectLst/>
-          <a:extLst/>
-        </p:spPr>
-        <p:txBody>
-          <a:bodyPr vert="horz" wrap="square" lIns="457200" tIns="228600" rIns="457200" bIns="228600" numCol="1" rtlCol="0" anchor="t" anchorCtr="0" compatLnSpc="1">
-            <a:prstTxWarp prst="textNoShape">
-              <a:avLst/>
-            </a:prstTxWarp>
-          </a:bodyPr>
-          <a:lstStyle/>
-          <a:p>
-            <a:pPr marL="0" marR="0" indent="0" algn="l" defTabSz="914400" rtl="0" eaLnBrk="1" fontAlgn="base" latinLnBrk="0" hangingPunct="1">
-              <a:lnSpc>
-                <a:spcPct val="100000"/>
-              </a:lnSpc>
-              <a:spcBef>
-                <a:spcPct val="20000"/>
-              </a:spcBef>
-              <a:spcAft>
-                <a:spcPct val="0"/>
-              </a:spcAft>
-              <a:buClrTx/>
-              <a:buSzTx/>
-              <a:buFontTx/>
-              <a:buNone/>
-              <a:tabLst/>
-            </a:pPr>
-            <a:endParaRPr kumimoji="0" lang="en-GB" sz="4600" b="0" i="0" u="none" strike="noStrike" cap="none" normalizeH="0" baseline="0" dirty="0" smtClean="0">
-              <a:ln>
-                <a:noFill/>
-              </a:ln>
-              <a:solidFill>
-                <a:srgbClr val="FFC000"/>
-              </a:solidFill>
-              <a:effectLst/>
-              <a:latin typeface="Arial" charset="0"/>
-            </a:endParaRPr>
-          </a:p>
-        </p:txBody>
-      </p:sp>
-      <p:sp>
-        <p:nvSpPr>
-          <p:cNvPr id="169" name="Rectangle 168"/>
-          <p:cNvSpPr/>
-          <p:nvPr/>
-        </p:nvSpPr>
-        <p:spPr bwMode="auto">
-          <a:xfrm>
-            <a:off x="25234205" y="15234240"/>
-            <a:ext cx="1080000" cy="1080000"/>
-          </a:xfrm>
-          <a:prstGeom prst="rect">
-            <a:avLst/>
-          </a:prstGeom>
-          <a:solidFill>
-            <a:srgbClr val="FF0000"/>
           </a:solidFill>
           <a:ln w="9525" cap="flat" cmpd="sng" algn="ctr">
             <a:solidFill>
@@ -13190,110 +12734,20 @@
       </p:sp>
       <p:sp>
         <p:nvSpPr>
-          <p:cNvPr id="170" name="TextBox 169"/>
-          <p:cNvSpPr txBox="1"/>
-          <p:nvPr/>
-        </p:nvSpPr>
-        <p:spPr>
-          <a:xfrm>
-            <a:off x="25538910" y="15837490"/>
-            <a:ext cx="540000" cy="1015663"/>
+          <p:cNvPr id="177" name="Rectangle 176"/>
+          <p:cNvSpPr/>
+          <p:nvPr/>
+        </p:nvSpPr>
+        <p:spPr bwMode="auto">
+          <a:xfrm>
+            <a:off x="25768469" y="21161469"/>
+            <a:ext cx="1080000" cy="1080000"/>
           </a:xfrm>
           <a:prstGeom prst="rect">
             <a:avLst/>
           </a:prstGeom>
-          <a:noFill/>
-        </p:spPr>
-        <p:txBody>
-          <a:bodyPr wrap="square" rtlCol="0">
-            <a:spAutoFit/>
-          </a:bodyPr>
-          <a:lstStyle/>
-          <a:p>
-            <a:r>
-              <a:rPr lang="sv-SE" sz="6000" b="1" dirty="0" smtClean="0"/>
-              <a:t>.</a:t>
-            </a:r>
-            <a:endParaRPr lang="en-GB" sz="6000" b="1" dirty="0"/>
-          </a:p>
-        </p:txBody>
-      </p:sp>
-      <p:sp>
-        <p:nvSpPr>
-          <p:cNvPr id="171" name="TextBox 170"/>
-          <p:cNvSpPr txBox="1"/>
-          <p:nvPr/>
-        </p:nvSpPr>
-        <p:spPr>
-          <a:xfrm>
-            <a:off x="25691310" y="15989890"/>
-            <a:ext cx="540000" cy="1015663"/>
-          </a:xfrm>
-          <a:prstGeom prst="rect">
-            <a:avLst/>
-          </a:prstGeom>
-          <a:noFill/>
-        </p:spPr>
-        <p:txBody>
-          <a:bodyPr wrap="square" rtlCol="0">
-            <a:spAutoFit/>
-          </a:bodyPr>
-          <a:lstStyle/>
-          <a:p>
-            <a:r>
-              <a:rPr lang="sv-SE" sz="6000" b="1" dirty="0" smtClean="0"/>
-              <a:t>.</a:t>
-            </a:r>
-            <a:endParaRPr lang="en-GB" sz="6000" b="1" dirty="0"/>
-          </a:p>
-        </p:txBody>
-      </p:sp>
-      <p:sp>
-        <p:nvSpPr>
-          <p:cNvPr id="172" name="TextBox 171"/>
-          <p:cNvSpPr txBox="1"/>
-          <p:nvPr/>
-        </p:nvSpPr>
-        <p:spPr>
-          <a:xfrm>
-            <a:off x="32433051" y="15035273"/>
-            <a:ext cx="540000" cy="1015663"/>
-          </a:xfrm>
-          <a:prstGeom prst="rect">
-            <a:avLst/>
-          </a:prstGeom>
-          <a:noFill/>
-        </p:spPr>
-        <p:txBody>
-          <a:bodyPr wrap="square" rtlCol="0">
-            <a:spAutoFit/>
-          </a:bodyPr>
-          <a:lstStyle/>
-          <a:p>
-            <a:r>
-              <a:rPr lang="sv-SE" sz="6000" b="1" dirty="0" smtClean="0"/>
-              <a:t>.</a:t>
-            </a:r>
-            <a:endParaRPr lang="en-GB" sz="6000" b="1" dirty="0"/>
-          </a:p>
-        </p:txBody>
-      </p:sp>
-      <p:sp>
-        <p:nvSpPr>
-          <p:cNvPr id="173" name="Rectangle 172"/>
-          <p:cNvSpPr/>
-          <p:nvPr/>
-        </p:nvSpPr>
-        <p:spPr bwMode="auto">
-          <a:xfrm>
-            <a:off x="26308226" y="16368944"/>
-            <a:ext cx="1080000" cy="1080000"/>
-          </a:xfrm>
-          <a:prstGeom prst="rect">
-            <a:avLst/>
-          </a:prstGeom>
           <a:solidFill>
-            <a:srgbClr val="FFFF00"/>
+            <a:srgbClr val="00FFCC"/>
           </a:solidFill>
           <a:ln w="9525" cap="flat" cmpd="sng" algn="ctr">
             <a:solidFill>
@@ -13346,277 +12800,13 @@
       </p:sp>
       <p:sp>
         <p:nvSpPr>
-          <p:cNvPr id="174" name="Rectangle 173"/>
-          <p:cNvSpPr/>
-          <p:nvPr/>
-        </p:nvSpPr>
-        <p:spPr bwMode="auto">
-          <a:xfrm>
-            <a:off x="26460626" y="16521344"/>
-            <a:ext cx="1080000" cy="1080000"/>
-          </a:xfrm>
-          <a:prstGeom prst="rect">
-            <a:avLst/>
-          </a:prstGeom>
-          <a:solidFill>
-            <a:srgbClr val="66CCFF"/>
-          </a:solidFill>
-          <a:ln w="9525" cap="flat" cmpd="sng" algn="ctr">
-            <a:solidFill>
-              <a:schemeClr val="tx1"/>
-            </a:solidFill>
-            <a:prstDash val="solid"/>
-            <a:round/>
-            <a:headEnd type="none" w="med" len="med"/>
-            <a:tailEnd type="none" w="med" len="med"/>
-          </a:ln>
-          <a:effectLst/>
-          <a:extLst/>
-        </p:spPr>
-        <p:txBody>
-          <a:bodyPr vert="horz" wrap="square" lIns="457200" tIns="228600" rIns="457200" bIns="228600" numCol="1" rtlCol="0" anchor="t" anchorCtr="0" compatLnSpc="1">
-            <a:prstTxWarp prst="textNoShape">
-              <a:avLst/>
-            </a:prstTxWarp>
-          </a:bodyPr>
-          <a:lstStyle/>
-          <a:p>
-            <a:pPr marL="0" marR="0" indent="0" algn="l" defTabSz="914400" rtl="0" eaLnBrk="1" fontAlgn="base" latinLnBrk="0" hangingPunct="1">
-              <a:lnSpc>
-                <a:spcPct val="100000"/>
-              </a:lnSpc>
-              <a:spcBef>
-                <a:spcPct val="20000"/>
-              </a:spcBef>
-              <a:spcAft>
-                <a:spcPct val="0"/>
-              </a:spcAft>
-              <a:buClrTx/>
-              <a:buSzTx/>
-              <a:buFontTx/>
-              <a:buNone/>
-              <a:tabLst/>
-            </a:pPr>
-            <a:endParaRPr kumimoji="0" lang="en-GB" sz="4600" b="0" i="0" u="none" strike="noStrike" cap="none" normalizeH="0" baseline="0" dirty="0" smtClean="0">
-              <a:ln>
-                <a:noFill/>
-              </a:ln>
-              <a:solidFill>
-                <a:srgbClr val="FF0000"/>
-              </a:solidFill>
-              <a:effectLst/>
-              <a:latin typeface="Arial" charset="0"/>
-            </a:endParaRPr>
-          </a:p>
-        </p:txBody>
-      </p:sp>
-      <p:sp>
-        <p:nvSpPr>
-          <p:cNvPr id="175" name="Rectangle 174"/>
-          <p:cNvSpPr/>
-          <p:nvPr/>
-        </p:nvSpPr>
-        <p:spPr bwMode="auto">
-          <a:xfrm>
-            <a:off x="26613026" y="16673744"/>
-            <a:ext cx="1080000" cy="1080000"/>
-          </a:xfrm>
-          <a:prstGeom prst="rect">
-            <a:avLst/>
-          </a:prstGeom>
-          <a:solidFill>
-            <a:srgbClr val="FFFF00"/>
-          </a:solidFill>
-          <a:ln w="9525" cap="flat" cmpd="sng" algn="ctr">
-            <a:solidFill>
-              <a:schemeClr val="tx1"/>
-            </a:solidFill>
-            <a:prstDash val="solid"/>
-            <a:round/>
-            <a:headEnd type="none" w="med" len="med"/>
-            <a:tailEnd type="none" w="med" len="med"/>
-          </a:ln>
-          <a:effectLst/>
-          <a:extLst/>
-        </p:spPr>
-        <p:txBody>
-          <a:bodyPr vert="horz" wrap="square" lIns="457200" tIns="228600" rIns="457200" bIns="228600" numCol="1" rtlCol="0" anchor="t" anchorCtr="0" compatLnSpc="1">
-            <a:prstTxWarp prst="textNoShape">
-              <a:avLst/>
-            </a:prstTxWarp>
-          </a:bodyPr>
-          <a:lstStyle/>
-          <a:p>
-            <a:pPr marL="0" marR="0" indent="0" algn="l" defTabSz="914400" rtl="0" eaLnBrk="1" fontAlgn="base" latinLnBrk="0" hangingPunct="1">
-              <a:lnSpc>
-                <a:spcPct val="100000"/>
-              </a:lnSpc>
-              <a:spcBef>
-                <a:spcPct val="20000"/>
-              </a:spcBef>
-              <a:spcAft>
-                <a:spcPct val="0"/>
-              </a:spcAft>
-              <a:buClrTx/>
-              <a:buSzTx/>
-              <a:buFontTx/>
-              <a:buNone/>
-              <a:tabLst/>
-            </a:pPr>
-            <a:endParaRPr kumimoji="0" lang="en-GB" sz="4600" b="0" i="0" u="none" strike="noStrike" cap="none" normalizeH="0" baseline="0" dirty="0" smtClean="0">
-              <a:ln>
-                <a:noFill/>
-              </a:ln>
-              <a:solidFill>
-                <a:srgbClr val="FF0000"/>
-              </a:solidFill>
-              <a:effectLst/>
-              <a:latin typeface="Arial" charset="0"/>
-            </a:endParaRPr>
-          </a:p>
-        </p:txBody>
-      </p:sp>
-      <p:sp>
-        <p:nvSpPr>
-          <p:cNvPr id="176" name="Rectangle 175"/>
-          <p:cNvSpPr/>
-          <p:nvPr/>
-        </p:nvSpPr>
-        <p:spPr bwMode="auto">
-          <a:xfrm>
-            <a:off x="24624605" y="19984845"/>
-            <a:ext cx="1080000" cy="1080000"/>
-          </a:xfrm>
-          <a:prstGeom prst="rect">
-            <a:avLst/>
-          </a:prstGeom>
-          <a:solidFill>
-            <a:srgbClr val="92D050"/>
-          </a:solidFill>
-          <a:ln w="9525" cap="flat" cmpd="sng" algn="ctr">
-            <a:solidFill>
-              <a:schemeClr val="tx1"/>
-            </a:solidFill>
-            <a:prstDash val="solid"/>
-            <a:round/>
-            <a:headEnd type="none" w="med" len="med"/>
-            <a:tailEnd type="none" w="med" len="med"/>
-          </a:ln>
-          <a:effectLst/>
-          <a:extLst/>
-        </p:spPr>
-        <p:txBody>
-          <a:bodyPr vert="horz" wrap="square" lIns="457200" tIns="228600" rIns="457200" bIns="228600" numCol="1" rtlCol="0" anchor="t" anchorCtr="0" compatLnSpc="1">
-            <a:prstTxWarp prst="textNoShape">
-              <a:avLst/>
-            </a:prstTxWarp>
-          </a:bodyPr>
-          <a:lstStyle/>
-          <a:p>
-            <a:pPr marL="0" marR="0" indent="0" algn="l" defTabSz="914400" rtl="0" eaLnBrk="1" fontAlgn="base" latinLnBrk="0" hangingPunct="1">
-              <a:lnSpc>
-                <a:spcPct val="100000"/>
-              </a:lnSpc>
-              <a:spcBef>
-                <a:spcPct val="20000"/>
-              </a:spcBef>
-              <a:spcAft>
-                <a:spcPct val="0"/>
-              </a:spcAft>
-              <a:buClrTx/>
-              <a:buSzTx/>
-              <a:buFontTx/>
-              <a:buNone/>
-              <a:tabLst/>
-            </a:pPr>
-            <a:endParaRPr kumimoji="0" lang="en-GB" sz="4600" b="0" i="0" u="none" strike="noStrike" cap="none" normalizeH="0" baseline="0" dirty="0" smtClean="0">
-              <a:ln>
-                <a:noFill/>
-              </a:ln>
-              <a:solidFill>
-                <a:srgbClr val="FF0000"/>
-              </a:solidFill>
-              <a:effectLst/>
-              <a:latin typeface="Arial" charset="0"/>
-            </a:endParaRPr>
-          </a:p>
-        </p:txBody>
-      </p:sp>
-      <p:sp>
-        <p:nvSpPr>
-          <p:cNvPr id="177" name="Rectangle 176"/>
-          <p:cNvSpPr/>
-          <p:nvPr/>
-        </p:nvSpPr>
-        <p:spPr bwMode="auto">
-          <a:xfrm>
-            <a:off x="24777005" y="20137245"/>
-            <a:ext cx="1080000" cy="1080000"/>
-          </a:xfrm>
-          <a:prstGeom prst="rect">
-            <a:avLst/>
-          </a:prstGeom>
-          <a:solidFill>
-            <a:srgbClr val="00FFCC"/>
-          </a:solidFill>
-          <a:ln w="9525" cap="flat" cmpd="sng" algn="ctr">
-            <a:solidFill>
-              <a:schemeClr val="tx1"/>
-            </a:solidFill>
-            <a:prstDash val="solid"/>
-            <a:round/>
-            <a:headEnd type="none" w="med" len="med"/>
-            <a:tailEnd type="none" w="med" len="med"/>
-          </a:ln>
-          <a:effectLst/>
-          <a:extLst/>
-        </p:spPr>
-        <p:txBody>
-          <a:bodyPr vert="horz" wrap="square" lIns="457200" tIns="228600" rIns="457200" bIns="228600" numCol="1" rtlCol="0" anchor="t" anchorCtr="0" compatLnSpc="1">
-            <a:prstTxWarp prst="textNoShape">
-              <a:avLst/>
-            </a:prstTxWarp>
-          </a:bodyPr>
-          <a:lstStyle/>
-          <a:p>
-            <a:pPr marL="0" marR="0" indent="0" algn="l" defTabSz="914400" rtl="0" eaLnBrk="1" fontAlgn="base" latinLnBrk="0" hangingPunct="1">
-              <a:lnSpc>
-                <a:spcPct val="100000"/>
-              </a:lnSpc>
-              <a:spcBef>
-                <a:spcPct val="20000"/>
-              </a:spcBef>
-              <a:spcAft>
-                <a:spcPct val="0"/>
-              </a:spcAft>
-              <a:buClrTx/>
-              <a:buSzTx/>
-              <a:buFontTx/>
-              <a:buNone/>
-              <a:tabLst/>
-            </a:pPr>
-            <a:endParaRPr kumimoji="0" lang="en-GB" sz="4600" b="0" i="0" u="none" strike="noStrike" cap="none" normalizeH="0" baseline="0" dirty="0" smtClean="0">
-              <a:ln>
-                <a:noFill/>
-              </a:ln>
-              <a:solidFill>
-                <a:srgbClr val="FF0000"/>
-              </a:solidFill>
-              <a:effectLst/>
-              <a:latin typeface="Arial" charset="0"/>
-            </a:endParaRPr>
-          </a:p>
-        </p:txBody>
-      </p:sp>
-      <p:sp>
-        <p:nvSpPr>
           <p:cNvPr id="178" name="Rectangle 177"/>
           <p:cNvSpPr/>
           <p:nvPr/>
         </p:nvSpPr>
         <p:spPr bwMode="auto">
           <a:xfrm>
-            <a:off x="24929405" y="20289645"/>
+            <a:off x="25920869" y="21313869"/>
             <a:ext cx="1080000" cy="1080000"/>
           </a:xfrm>
           <a:prstGeom prst="rect">
@@ -13624,426 +12814,6 @@
           </a:prstGeom>
           <a:solidFill>
             <a:srgbClr val="00B0F0"/>
-          </a:solidFill>
-          <a:ln w="9525" cap="flat" cmpd="sng" algn="ctr">
-            <a:solidFill>
-              <a:schemeClr val="tx1"/>
-            </a:solidFill>
-            <a:prstDash val="solid"/>
-            <a:round/>
-            <a:headEnd type="none" w="med" len="med"/>
-            <a:tailEnd type="none" w="med" len="med"/>
-          </a:ln>
-          <a:effectLst/>
-          <a:extLst/>
-        </p:spPr>
-        <p:txBody>
-          <a:bodyPr vert="horz" wrap="square" lIns="457200" tIns="228600" rIns="457200" bIns="228600" numCol="1" rtlCol="0" anchor="t" anchorCtr="0" compatLnSpc="1">
-            <a:prstTxWarp prst="textNoShape">
-              <a:avLst/>
-            </a:prstTxWarp>
-          </a:bodyPr>
-          <a:lstStyle/>
-          <a:p>
-            <a:pPr marL="0" marR="0" indent="0" algn="l" defTabSz="914400" rtl="0" eaLnBrk="1" fontAlgn="base" latinLnBrk="0" hangingPunct="1">
-              <a:lnSpc>
-                <a:spcPct val="100000"/>
-              </a:lnSpc>
-              <a:spcBef>
-                <a:spcPct val="20000"/>
-              </a:spcBef>
-              <a:spcAft>
-                <a:spcPct val="0"/>
-              </a:spcAft>
-              <a:buClrTx/>
-              <a:buSzTx/>
-              <a:buFontTx/>
-              <a:buNone/>
-              <a:tabLst/>
-            </a:pPr>
-            <a:endParaRPr kumimoji="0" lang="en-GB" sz="4600" b="0" i="0" u="none" strike="noStrike" cap="none" normalizeH="0" baseline="0" dirty="0" smtClean="0">
-              <a:ln>
-                <a:noFill/>
-              </a:ln>
-              <a:solidFill>
-                <a:srgbClr val="FF0000"/>
-              </a:solidFill>
-              <a:effectLst/>
-              <a:latin typeface="Arial" charset="0"/>
-            </a:endParaRPr>
-          </a:p>
-        </p:txBody>
-      </p:sp>
-      <p:sp>
-        <p:nvSpPr>
-          <p:cNvPr id="179" name="Rectangle 178"/>
-          <p:cNvSpPr/>
-          <p:nvPr/>
-        </p:nvSpPr>
-        <p:spPr bwMode="auto">
-          <a:xfrm>
-            <a:off x="25081805" y="20442045"/>
-            <a:ext cx="1080000" cy="1080000"/>
-          </a:xfrm>
-          <a:prstGeom prst="rect">
-            <a:avLst/>
-          </a:prstGeom>
-          <a:solidFill>
-            <a:srgbClr val="BD29A4"/>
-          </a:solidFill>
-          <a:ln w="9525" cap="flat" cmpd="sng" algn="ctr">
-            <a:solidFill>
-              <a:schemeClr val="tx1"/>
-            </a:solidFill>
-            <a:prstDash val="solid"/>
-            <a:round/>
-            <a:headEnd type="none" w="med" len="med"/>
-            <a:tailEnd type="none" w="med" len="med"/>
-          </a:ln>
-          <a:effectLst/>
-          <a:extLst/>
-        </p:spPr>
-        <p:txBody>
-          <a:bodyPr vert="horz" wrap="square" lIns="457200" tIns="228600" rIns="457200" bIns="228600" numCol="1" rtlCol="0" anchor="t" anchorCtr="0" compatLnSpc="1">
-            <a:prstTxWarp prst="textNoShape">
-              <a:avLst/>
-            </a:prstTxWarp>
-          </a:bodyPr>
-          <a:lstStyle/>
-          <a:p>
-            <a:pPr marL="0" marR="0" indent="0" algn="l" defTabSz="914400" rtl="0" eaLnBrk="1" fontAlgn="base" latinLnBrk="0" hangingPunct="1">
-              <a:lnSpc>
-                <a:spcPct val="100000"/>
-              </a:lnSpc>
-              <a:spcBef>
-                <a:spcPct val="20000"/>
-              </a:spcBef>
-              <a:spcAft>
-                <a:spcPct val="0"/>
-              </a:spcAft>
-              <a:buClrTx/>
-              <a:buSzTx/>
-              <a:buFontTx/>
-              <a:buNone/>
-              <a:tabLst/>
-            </a:pPr>
-            <a:endParaRPr kumimoji="0" lang="en-GB" sz="4600" b="0" i="0" u="none" strike="noStrike" cap="none" normalizeH="0" baseline="0" dirty="0" smtClean="0">
-              <a:ln>
-                <a:noFill/>
-              </a:ln>
-              <a:solidFill>
-                <a:srgbClr val="FF0000"/>
-              </a:solidFill>
-              <a:effectLst/>
-              <a:latin typeface="Arial" charset="0"/>
-            </a:endParaRPr>
-          </a:p>
-        </p:txBody>
-      </p:sp>
-      <p:sp>
-        <p:nvSpPr>
-          <p:cNvPr id="180" name="Rectangle 179"/>
-          <p:cNvSpPr/>
-          <p:nvPr/>
-        </p:nvSpPr>
-        <p:spPr bwMode="auto">
-          <a:xfrm>
-            <a:off x="25234205" y="20594445"/>
-            <a:ext cx="1080000" cy="1080000"/>
-          </a:xfrm>
-          <a:prstGeom prst="rect">
-            <a:avLst/>
-          </a:prstGeom>
-          <a:solidFill>
-            <a:srgbClr val="92D050"/>
-          </a:solidFill>
-          <a:ln w="9525" cap="flat" cmpd="sng" algn="ctr">
-            <a:solidFill>
-              <a:schemeClr val="tx1"/>
-            </a:solidFill>
-            <a:prstDash val="solid"/>
-            <a:round/>
-            <a:headEnd type="none" w="med" len="med"/>
-            <a:tailEnd type="none" w="med" len="med"/>
-          </a:ln>
-          <a:effectLst/>
-          <a:extLst/>
-        </p:spPr>
-        <p:txBody>
-          <a:bodyPr vert="horz" wrap="square" lIns="457200" tIns="228600" rIns="457200" bIns="228600" numCol="1" rtlCol="0" anchor="t" anchorCtr="0" compatLnSpc="1">
-            <a:prstTxWarp prst="textNoShape">
-              <a:avLst/>
-            </a:prstTxWarp>
-          </a:bodyPr>
-          <a:lstStyle/>
-          <a:p>
-            <a:pPr marL="0" marR="0" indent="0" algn="l" defTabSz="914400" rtl="0" eaLnBrk="1" fontAlgn="base" latinLnBrk="0" hangingPunct="1">
-              <a:lnSpc>
-                <a:spcPct val="100000"/>
-              </a:lnSpc>
-              <a:spcBef>
-                <a:spcPct val="20000"/>
-              </a:spcBef>
-              <a:spcAft>
-                <a:spcPct val="0"/>
-              </a:spcAft>
-              <a:buClrTx/>
-              <a:buSzTx/>
-              <a:buFontTx/>
-              <a:buNone/>
-              <a:tabLst/>
-            </a:pPr>
-            <a:endParaRPr kumimoji="0" lang="en-GB" sz="4600" b="0" i="0" u="none" strike="noStrike" cap="none" normalizeH="0" baseline="0" dirty="0" smtClean="0">
-              <a:ln>
-                <a:noFill/>
-              </a:ln>
-              <a:solidFill>
-                <a:srgbClr val="FF0000"/>
-              </a:solidFill>
-              <a:effectLst/>
-              <a:latin typeface="Arial" charset="0"/>
-            </a:endParaRPr>
-          </a:p>
-        </p:txBody>
-      </p:sp>
-      <p:sp>
-        <p:nvSpPr>
-          <p:cNvPr id="181" name="TextBox 180"/>
-          <p:cNvSpPr txBox="1"/>
-          <p:nvPr/>
-        </p:nvSpPr>
-        <p:spPr>
-          <a:xfrm>
-            <a:off x="25538910" y="21197695"/>
-            <a:ext cx="540000" cy="1015663"/>
-          </a:xfrm>
-          <a:prstGeom prst="rect">
-            <a:avLst/>
-          </a:prstGeom>
-          <a:noFill/>
-        </p:spPr>
-        <p:txBody>
-          <a:bodyPr wrap="square" rtlCol="0">
-            <a:spAutoFit/>
-          </a:bodyPr>
-          <a:lstStyle/>
-          <a:p>
-            <a:r>
-              <a:rPr lang="sv-SE" sz="6000" b="1" dirty="0" smtClean="0"/>
-              <a:t>.</a:t>
-            </a:r>
-            <a:endParaRPr lang="en-GB" sz="6000" b="1" dirty="0"/>
-          </a:p>
-        </p:txBody>
-      </p:sp>
-      <p:sp>
-        <p:nvSpPr>
-          <p:cNvPr id="182" name="TextBox 181"/>
-          <p:cNvSpPr txBox="1"/>
-          <p:nvPr/>
-        </p:nvSpPr>
-        <p:spPr>
-          <a:xfrm>
-            <a:off x="25691310" y="21350095"/>
-            <a:ext cx="540000" cy="1015663"/>
-          </a:xfrm>
-          <a:prstGeom prst="rect">
-            <a:avLst/>
-          </a:prstGeom>
-          <a:noFill/>
-        </p:spPr>
-        <p:txBody>
-          <a:bodyPr wrap="square" rtlCol="0">
-            <a:spAutoFit/>
-          </a:bodyPr>
-          <a:lstStyle/>
-          <a:p>
-            <a:r>
-              <a:rPr lang="sv-SE" sz="6000" b="1" dirty="0" smtClean="0"/>
-              <a:t>.</a:t>
-            </a:r>
-            <a:endParaRPr lang="en-GB" sz="6000" b="1" dirty="0"/>
-          </a:p>
-        </p:txBody>
-      </p:sp>
-      <p:sp>
-        <p:nvSpPr>
-          <p:cNvPr id="183" name="TextBox 182"/>
-          <p:cNvSpPr txBox="1"/>
-          <p:nvPr/>
-        </p:nvSpPr>
-        <p:spPr>
-          <a:xfrm>
-            <a:off x="25843710" y="21502495"/>
-            <a:ext cx="540000" cy="1015663"/>
-          </a:xfrm>
-          <a:prstGeom prst="rect">
-            <a:avLst/>
-          </a:prstGeom>
-          <a:noFill/>
-        </p:spPr>
-        <p:txBody>
-          <a:bodyPr wrap="square" rtlCol="0">
-            <a:spAutoFit/>
-          </a:bodyPr>
-          <a:lstStyle/>
-          <a:p>
-            <a:r>
-              <a:rPr lang="sv-SE" sz="6000" b="1" dirty="0" smtClean="0"/>
-              <a:t>.</a:t>
-            </a:r>
-            <a:endParaRPr lang="en-GB" sz="6000" b="1" dirty="0"/>
-          </a:p>
-        </p:txBody>
-      </p:sp>
-      <p:sp>
-        <p:nvSpPr>
-          <p:cNvPr id="184" name="Rectangle 183"/>
-          <p:cNvSpPr/>
-          <p:nvPr/>
-        </p:nvSpPr>
-        <p:spPr bwMode="auto">
-          <a:xfrm>
-            <a:off x="26308226" y="21729149"/>
-            <a:ext cx="1080000" cy="1080000"/>
-          </a:xfrm>
-          <a:prstGeom prst="rect">
-            <a:avLst/>
-          </a:prstGeom>
-          <a:solidFill>
-            <a:srgbClr val="FFC000"/>
-          </a:solidFill>
-          <a:ln w="9525" cap="flat" cmpd="sng" algn="ctr">
-            <a:solidFill>
-              <a:schemeClr val="tx1"/>
-            </a:solidFill>
-            <a:prstDash val="solid"/>
-            <a:round/>
-            <a:headEnd type="none" w="med" len="med"/>
-            <a:tailEnd type="none" w="med" len="med"/>
-          </a:ln>
-          <a:effectLst/>
-          <a:extLst/>
-        </p:spPr>
-        <p:txBody>
-          <a:bodyPr vert="horz" wrap="square" lIns="457200" tIns="228600" rIns="457200" bIns="228600" numCol="1" rtlCol="0" anchor="t" anchorCtr="0" compatLnSpc="1">
-            <a:prstTxWarp prst="textNoShape">
-              <a:avLst/>
-            </a:prstTxWarp>
-          </a:bodyPr>
-          <a:lstStyle/>
-          <a:p>
-            <a:pPr marL="0" marR="0" indent="0" algn="l" defTabSz="914400" rtl="0" eaLnBrk="1" fontAlgn="base" latinLnBrk="0" hangingPunct="1">
-              <a:lnSpc>
-                <a:spcPct val="100000"/>
-              </a:lnSpc>
-              <a:spcBef>
-                <a:spcPct val="20000"/>
-              </a:spcBef>
-              <a:spcAft>
-                <a:spcPct val="0"/>
-              </a:spcAft>
-              <a:buClrTx/>
-              <a:buSzTx/>
-              <a:buFontTx/>
-              <a:buNone/>
-              <a:tabLst/>
-            </a:pPr>
-            <a:endParaRPr kumimoji="0" lang="en-GB" sz="4600" b="0" i="0" u="none" strike="noStrike" cap="none" normalizeH="0" baseline="0" dirty="0" smtClean="0">
-              <a:ln>
-                <a:noFill/>
-              </a:ln>
-              <a:solidFill>
-                <a:srgbClr val="FF0000"/>
-              </a:solidFill>
-              <a:effectLst/>
-              <a:latin typeface="Arial" charset="0"/>
-            </a:endParaRPr>
-          </a:p>
-        </p:txBody>
-      </p:sp>
-      <p:sp>
-        <p:nvSpPr>
-          <p:cNvPr id="185" name="Rectangle 184"/>
-          <p:cNvSpPr/>
-          <p:nvPr/>
-        </p:nvSpPr>
-        <p:spPr bwMode="auto">
-          <a:xfrm>
-            <a:off x="26460626" y="21881549"/>
-            <a:ext cx="1080000" cy="1080000"/>
-          </a:xfrm>
-          <a:prstGeom prst="rect">
-            <a:avLst/>
-          </a:prstGeom>
-          <a:solidFill>
-            <a:srgbClr val="00FFCC"/>
-          </a:solidFill>
-          <a:ln w="9525" cap="flat" cmpd="sng" algn="ctr">
-            <a:solidFill>
-              <a:schemeClr val="tx1"/>
-            </a:solidFill>
-            <a:prstDash val="solid"/>
-            <a:round/>
-            <a:headEnd type="none" w="med" len="med"/>
-            <a:tailEnd type="none" w="med" len="med"/>
-          </a:ln>
-          <a:effectLst/>
-          <a:extLst/>
-        </p:spPr>
-        <p:txBody>
-          <a:bodyPr vert="horz" wrap="square" lIns="457200" tIns="228600" rIns="457200" bIns="228600" numCol="1" rtlCol="0" anchor="t" anchorCtr="0" compatLnSpc="1">
-            <a:prstTxWarp prst="textNoShape">
-              <a:avLst/>
-            </a:prstTxWarp>
-          </a:bodyPr>
-          <a:lstStyle/>
-          <a:p>
-            <a:pPr marL="0" marR="0" indent="0" algn="l" defTabSz="914400" rtl="0" eaLnBrk="1" fontAlgn="base" latinLnBrk="0" hangingPunct="1">
-              <a:lnSpc>
-                <a:spcPct val="100000"/>
-              </a:lnSpc>
-              <a:spcBef>
-                <a:spcPct val="20000"/>
-              </a:spcBef>
-              <a:spcAft>
-                <a:spcPct val="0"/>
-              </a:spcAft>
-              <a:buClrTx/>
-              <a:buSzTx/>
-              <a:buFontTx/>
-              <a:buNone/>
-              <a:tabLst/>
-            </a:pPr>
-            <a:endParaRPr kumimoji="0" lang="en-GB" sz="4600" b="0" i="0" u="none" strike="noStrike" cap="none" normalizeH="0" baseline="0" dirty="0" smtClean="0">
-              <a:ln>
-                <a:noFill/>
-              </a:ln>
-              <a:solidFill>
-                <a:srgbClr val="FF0000"/>
-              </a:solidFill>
-              <a:effectLst/>
-              <a:latin typeface="Arial" charset="0"/>
-            </a:endParaRPr>
-          </a:p>
-        </p:txBody>
-      </p:sp>
-      <p:sp>
-        <p:nvSpPr>
-          <p:cNvPr id="186" name="Rectangle 185"/>
-          <p:cNvSpPr/>
-          <p:nvPr/>
-        </p:nvSpPr>
-        <p:spPr bwMode="auto">
-          <a:xfrm>
-            <a:off x="26613026" y="22033949"/>
-            <a:ext cx="1080000" cy="1080000"/>
-          </a:xfrm>
-          <a:prstGeom prst="rect">
-            <a:avLst/>
-          </a:prstGeom>
-          <a:solidFill>
-            <a:srgbClr val="FFC000"/>
           </a:solidFill>
           <a:ln w="9525" cap="flat" cmpd="sng" algn="ctr">
             <a:solidFill>
@@ -15711,36 +14481,6 @@
               <a:effectLst/>
               <a:latin typeface="Arial" charset="0"/>
             </a:endParaRPr>
-          </a:p>
-        </p:txBody>
-      </p:sp>
-      <p:sp>
-        <p:nvSpPr>
-          <p:cNvPr id="246" name="TextBox 245"/>
-          <p:cNvSpPr txBox="1"/>
-          <p:nvPr/>
-        </p:nvSpPr>
-        <p:spPr>
-          <a:xfrm>
-            <a:off x="25848741" y="16137834"/>
-            <a:ext cx="540000" cy="1015663"/>
-          </a:xfrm>
-          <a:prstGeom prst="rect">
-            <a:avLst/>
-          </a:prstGeom>
-          <a:noFill/>
-        </p:spPr>
-        <p:txBody>
-          <a:bodyPr wrap="square" rtlCol="0">
-            <a:spAutoFit/>
-          </a:bodyPr>
-          <a:lstStyle/>
-          <a:p>
-            <a:r>
-              <a:rPr lang="sv-SE" sz="6000" b="1" dirty="0" smtClean="0"/>
-              <a:t>.</a:t>
-            </a:r>
-            <a:endParaRPr lang="en-GB" sz="6000" b="1" dirty="0"/>
           </a:p>
         </p:txBody>
       </p:sp>
@@ -16671,19 +15411,7 @@
                   </a:outerShdw>
                 </a:effectLst>
               </a:rPr>
-              <a:t>. </a:t>
-            </a:r>
-            <a:r>
-              <a:rPr lang="sv-SE" sz="9000" b="1" dirty="0" smtClean="0">
-                <a:effectLst>
-                  <a:outerShdw blurRad="38100" dist="38100" dir="2700000" algn="tl">
-                    <a:srgbClr val="000000">
-                      <a:alpha val="43137"/>
-                    </a:srgbClr>
-                  </a:outerShdw>
-                </a:effectLst>
-              </a:rPr>
-              <a:t>Dense Layers</a:t>
+              <a:t>. Dense Layers</a:t>
             </a:r>
             <a:endParaRPr lang="en-GB" sz="9000" b="1" dirty="0">
               <a:effectLst>
